--- a/doc/advanced/slides/lesson_10.pptx
+++ b/doc/advanced/slides/lesson_10.pptx
@@ -6,7 +6,7 @@
     <p:sldMasterId id="2147483660" r:id="rId2"/>
   </p:sldMasterIdLst>
   <p:notesMasterIdLst>
-    <p:notesMasterId r:id="rId49"/>
+    <p:notesMasterId r:id="rId53"/>
   </p:notesMasterIdLst>
   <p:sldIdLst>
     <p:sldId id="307" r:id="rId3"/>
@@ -27,34 +27,38 @@
     <p:sldId id="274" r:id="rId18"/>
     <p:sldId id="275" r:id="rId19"/>
     <p:sldId id="276" r:id="rId20"/>
-    <p:sldId id="278" r:id="rId21"/>
-    <p:sldId id="279" r:id="rId22"/>
-    <p:sldId id="280" r:id="rId23"/>
-    <p:sldId id="281" r:id="rId24"/>
-    <p:sldId id="306" r:id="rId25"/>
-    <p:sldId id="283" r:id="rId26"/>
-    <p:sldId id="277" r:id="rId27"/>
-    <p:sldId id="287" r:id="rId28"/>
-    <p:sldId id="286" r:id="rId29"/>
-    <p:sldId id="289" r:id="rId30"/>
-    <p:sldId id="288" r:id="rId31"/>
-    <p:sldId id="290" r:id="rId32"/>
-    <p:sldId id="291" r:id="rId33"/>
-    <p:sldId id="292" r:id="rId34"/>
-    <p:sldId id="293" r:id="rId35"/>
-    <p:sldId id="294" r:id="rId36"/>
-    <p:sldId id="295" r:id="rId37"/>
-    <p:sldId id="311" r:id="rId38"/>
-    <p:sldId id="296" r:id="rId39"/>
-    <p:sldId id="312" r:id="rId40"/>
-    <p:sldId id="309" r:id="rId41"/>
-    <p:sldId id="314" r:id="rId42"/>
-    <p:sldId id="315" r:id="rId43"/>
-    <p:sldId id="301" r:id="rId44"/>
-    <p:sldId id="302" r:id="rId45"/>
+    <p:sldId id="320" r:id="rId21"/>
+    <p:sldId id="321" r:id="rId22"/>
+    <p:sldId id="278" r:id="rId23"/>
+    <p:sldId id="279" r:id="rId24"/>
+    <p:sldId id="280" r:id="rId25"/>
+    <p:sldId id="281" r:id="rId26"/>
+    <p:sldId id="306" r:id="rId27"/>
+    <p:sldId id="283" r:id="rId28"/>
+    <p:sldId id="277" r:id="rId29"/>
+    <p:sldId id="287" r:id="rId30"/>
+    <p:sldId id="286" r:id="rId31"/>
+    <p:sldId id="289" r:id="rId32"/>
+    <p:sldId id="288" r:id="rId33"/>
+    <p:sldId id="290" r:id="rId34"/>
+    <p:sldId id="291" r:id="rId35"/>
+    <p:sldId id="292" r:id="rId36"/>
+    <p:sldId id="293" r:id="rId37"/>
+    <p:sldId id="294" r:id="rId38"/>
+    <p:sldId id="295" r:id="rId39"/>
+    <p:sldId id="311" r:id="rId40"/>
+    <p:sldId id="296" r:id="rId41"/>
+    <p:sldId id="312" r:id="rId42"/>
+    <p:sldId id="309" r:id="rId43"/>
+    <p:sldId id="314" r:id="rId44"/>
+    <p:sldId id="315" r:id="rId45"/>
     <p:sldId id="310" r:id="rId46"/>
-    <p:sldId id="304" r:id="rId47"/>
-    <p:sldId id="313" r:id="rId48"/>
+    <p:sldId id="301" r:id="rId47"/>
+    <p:sldId id="302" r:id="rId48"/>
+    <p:sldId id="316" r:id="rId49"/>
+    <p:sldId id="319" r:id="rId50"/>
+    <p:sldId id="304" r:id="rId51"/>
+    <p:sldId id="313" r:id="rId52"/>
   </p:sldIdLst>
   <p:sldSz cx="12192000" cy="6858000"/>
   <p:notesSz cx="6858000" cy="9144000"/>
@@ -243,7 +247,7 @@
           <a:p>
             <a:fld id="{060F4727-23A3-441E-BA41-9534DD80814F}" type="datetimeFigureOut">
               <a:rPr lang="en-US" smtClean="0"/>
-              <a:t>18-Oct-18</a:t>
+              <a:t>10/20/18</a:t>
             </a:fld>
             <a:endParaRPr lang="en-US"/>
           </a:p>
@@ -623,7 +627,7 @@
                 <a:tabLst/>
                 <a:defRPr/>
               </a:pPr>
-              <a:t>46</a:t>
+              <a:t>50</a:t>
             </a:fld>
             <a:endParaRPr kumimoji="0" lang="en-US" sz="1200" b="0" i="0" u="none" strike="noStrike" kern="1200" cap="none" spc="0" normalizeH="0" baseline="0" noProof="0">
               <a:ln>
@@ -786,7 +790,7 @@
           <a:p>
             <a:fld id="{6D7D1AC5-EDA8-4631-9228-9906422CEF8D}" type="datetimeFigureOut">
               <a:rPr lang="en-US" smtClean="0"/>
-              <a:t>18-Oct-18</a:t>
+              <a:t>10/20/18</a:t>
             </a:fld>
             <a:endParaRPr lang="en-US"/>
           </a:p>
@@ -956,7 +960,7 @@
           <a:p>
             <a:fld id="{6D7D1AC5-EDA8-4631-9228-9906422CEF8D}" type="datetimeFigureOut">
               <a:rPr lang="en-US" smtClean="0"/>
-              <a:t>18-Oct-18</a:t>
+              <a:t>10/20/18</a:t>
             </a:fld>
             <a:endParaRPr lang="en-US"/>
           </a:p>
@@ -1136,7 +1140,7 @@
           <a:p>
             <a:fld id="{6D7D1AC5-EDA8-4631-9228-9906422CEF8D}" type="datetimeFigureOut">
               <a:rPr lang="en-US" smtClean="0"/>
-              <a:t>18-Oct-18</a:t>
+              <a:t>10/20/18</a:t>
             </a:fld>
             <a:endParaRPr lang="en-US"/>
           </a:p>
@@ -1377,7 +1381,7 @@
                 <a:tabLst/>
                 <a:defRPr/>
               </a:pPr>
-              <a:t>18-Oct-18</a:t>
+              <a:t>10/20/18</a:t>
             </a:fld>
             <a:endParaRPr kumimoji="0" lang="en-US" sz="1200" b="0" i="0" u="none" strike="noStrike" kern="1200" cap="none" spc="0" normalizeH="0" baseline="0" noProof="0">
               <a:ln>
@@ -1718,7 +1722,7 @@
                 <a:tabLst/>
                 <a:defRPr/>
               </a:pPr>
-              <a:t>18-Oct-18</a:t>
+              <a:t>10/20/18</a:t>
             </a:fld>
             <a:endParaRPr kumimoji="0" lang="en-US" sz="1200" b="0" i="0" u="none" strike="noStrike" kern="1200" cap="none" spc="0" normalizeH="0" baseline="0" noProof="0">
               <a:ln>
@@ -2124,7 +2128,7 @@
                 <a:tabLst/>
                 <a:defRPr/>
               </a:pPr>
-              <a:t>18-Oct-18</a:t>
+              <a:t>10/20/18</a:t>
             </a:fld>
             <a:endParaRPr kumimoji="0" lang="en-US" sz="1200" b="0" i="0" u="none" strike="noStrike" kern="1200" cap="none" spc="0" normalizeH="0" baseline="0" noProof="0">
               <a:ln>
@@ -2516,7 +2520,7 @@
                 <a:tabLst/>
                 <a:defRPr/>
               </a:pPr>
-              <a:t>18-Oct-18</a:t>
+              <a:t>10/20/18</a:t>
             </a:fld>
             <a:endParaRPr kumimoji="0" lang="en-US" sz="1200" b="0" i="0" u="none" strike="noStrike" kern="1200" cap="none" spc="0" normalizeH="0" baseline="0" noProof="0">
               <a:ln>
@@ -3043,7 +3047,7 @@
                 <a:tabLst/>
                 <a:defRPr/>
               </a:pPr>
-              <a:t>18-Oct-18</a:t>
+              <a:t>10/20/18</a:t>
             </a:fld>
             <a:endParaRPr kumimoji="0" lang="en-US" sz="1200" b="0" i="0" u="none" strike="noStrike" kern="1200" cap="none" spc="0" normalizeH="0" baseline="0" noProof="0">
               <a:ln>
@@ -3321,7 +3325,7 @@
                 <a:tabLst/>
                 <a:defRPr/>
               </a:pPr>
-              <a:t>18-Oct-18</a:t>
+              <a:t>10/20/18</a:t>
             </a:fld>
             <a:endParaRPr kumimoji="0" lang="en-US" sz="1200" b="0" i="0" u="none" strike="noStrike" kern="1200" cap="none" spc="0" normalizeH="0" baseline="0" noProof="0">
               <a:ln>
@@ -3576,7 +3580,7 @@
                 <a:tabLst/>
                 <a:defRPr/>
               </a:pPr>
-              <a:t>18-Oct-18</a:t>
+              <a:t>10/20/18</a:t>
             </a:fld>
             <a:endParaRPr kumimoji="0" lang="en-US" sz="1200" b="0" i="0" u="none" strike="noStrike" kern="1200" cap="none" spc="0" normalizeH="0" baseline="0" noProof="0">
               <a:ln>
@@ -4013,7 +4017,7 @@
                 <a:tabLst/>
                 <a:defRPr/>
               </a:pPr>
-              <a:t>18-Oct-18</a:t>
+              <a:t>10/20/18</a:t>
             </a:fld>
             <a:endParaRPr kumimoji="0" lang="en-US" sz="1200" b="0" i="0" u="none" strike="noStrike" kern="1200" cap="none" spc="0" normalizeH="0" baseline="0" noProof="0">
               <a:ln>
@@ -4294,7 +4298,7 @@
           <a:p>
             <a:fld id="{6D7D1AC5-EDA8-4631-9228-9906422CEF8D}" type="datetimeFigureOut">
               <a:rPr lang="en-US" smtClean="0"/>
-              <a:t>18-Oct-18</a:t>
+              <a:t>10/20/18</a:t>
             </a:fld>
             <a:endParaRPr lang="en-US"/>
           </a:p>
@@ -4596,7 +4600,7 @@
                 <a:tabLst/>
                 <a:defRPr/>
               </a:pPr>
-              <a:t>18-Oct-18</a:t>
+              <a:t>10/20/18</a:t>
             </a:fld>
             <a:endParaRPr kumimoji="0" lang="en-US" sz="1200" b="0" i="0" u="none" strike="noStrike" kern="1200" cap="none" spc="0" normalizeH="0" baseline="0" noProof="0">
               <a:ln>
@@ -4926,7 +4930,7 @@
                 <a:tabLst/>
                 <a:defRPr/>
               </a:pPr>
-              <a:t>18-Oct-18</a:t>
+              <a:t>10/20/18</a:t>
             </a:fld>
             <a:endParaRPr kumimoji="0" lang="en-US" sz="1200" b="0" i="0" u="none" strike="noStrike" kern="1200" cap="none" spc="0" normalizeH="0" baseline="0" noProof="0">
               <a:ln>
@@ -5266,7 +5270,7 @@
                 <a:tabLst/>
                 <a:defRPr/>
               </a:pPr>
-              <a:t>18-Oct-18</a:t>
+              <a:t>10/20/18</a:t>
             </a:fld>
             <a:endParaRPr kumimoji="0" lang="en-US" sz="1200" b="0" i="0" u="none" strike="noStrike" kern="1200" cap="none" spc="0" normalizeH="0" baseline="0" noProof="0">
               <a:ln>
@@ -5623,7 +5627,7 @@
           <a:p>
             <a:fld id="{6D7D1AC5-EDA8-4631-9228-9906422CEF8D}" type="datetimeFigureOut">
               <a:rPr lang="en-US" smtClean="0"/>
-              <a:t>18-Oct-18</a:t>
+              <a:t>10/20/18</a:t>
             </a:fld>
             <a:endParaRPr lang="en-US"/>
           </a:p>
@@ -5855,7 +5859,7 @@
           <a:p>
             <a:fld id="{6D7D1AC5-EDA8-4631-9228-9906422CEF8D}" type="datetimeFigureOut">
               <a:rPr lang="en-US" smtClean="0"/>
-              <a:t>18-Oct-18</a:t>
+              <a:t>10/20/18</a:t>
             </a:fld>
             <a:endParaRPr lang="en-US"/>
           </a:p>
@@ -6222,7 +6226,7 @@
           <a:p>
             <a:fld id="{6D7D1AC5-EDA8-4631-9228-9906422CEF8D}" type="datetimeFigureOut">
               <a:rPr lang="en-US" smtClean="0"/>
-              <a:t>18-Oct-18</a:t>
+              <a:t>10/20/18</a:t>
             </a:fld>
             <a:endParaRPr lang="en-US"/>
           </a:p>
@@ -6340,7 +6344,7 @@
           <a:p>
             <a:fld id="{6D7D1AC5-EDA8-4631-9228-9906422CEF8D}" type="datetimeFigureOut">
               <a:rPr lang="en-US" smtClean="0"/>
-              <a:t>18-Oct-18</a:t>
+              <a:t>10/20/18</a:t>
             </a:fld>
             <a:endParaRPr lang="en-US"/>
           </a:p>
@@ -6435,7 +6439,7 @@
           <a:p>
             <a:fld id="{6D7D1AC5-EDA8-4631-9228-9906422CEF8D}" type="datetimeFigureOut">
               <a:rPr lang="en-US" smtClean="0"/>
-              <a:t>18-Oct-18</a:t>
+              <a:t>10/20/18</a:t>
             </a:fld>
             <a:endParaRPr lang="en-US"/>
           </a:p>
@@ -6712,7 +6716,7 @@
           <a:p>
             <a:fld id="{6D7D1AC5-EDA8-4631-9228-9906422CEF8D}" type="datetimeFigureOut">
               <a:rPr lang="en-US" smtClean="0"/>
-              <a:t>18-Oct-18</a:t>
+              <a:t>10/20/18</a:t>
             </a:fld>
             <a:endParaRPr lang="en-US"/>
           </a:p>
@@ -6965,7 +6969,7 @@
           <a:p>
             <a:fld id="{6D7D1AC5-EDA8-4631-9228-9906422CEF8D}" type="datetimeFigureOut">
               <a:rPr lang="en-US" smtClean="0"/>
-              <a:t>18-Oct-18</a:t>
+              <a:t>10/20/18</a:t>
             </a:fld>
             <a:endParaRPr lang="en-US"/>
           </a:p>
@@ -7178,7 +7182,7 @@
           <a:p>
             <a:fld id="{6D7D1AC5-EDA8-4631-9228-9906422CEF8D}" type="datetimeFigureOut">
               <a:rPr lang="en-US" smtClean="0"/>
-              <a:t>18-Oct-18</a:t>
+              <a:t>10/20/18</a:t>
             </a:fld>
             <a:endParaRPr lang="en-US"/>
           </a:p>
@@ -7767,7 +7771,7 @@
                 <a:tabLst/>
                 <a:defRPr/>
               </a:pPr>
-              <a:t>18-Oct-18</a:t>
+              <a:t>10/20/18</a:t>
             </a:fld>
             <a:endParaRPr kumimoji="0" lang="en-US" sz="1200" b="0" i="0" u="none" strike="noStrike" kern="1200" cap="none" spc="0" normalizeH="0" baseline="0" noProof="0">
               <a:ln>
@@ -8330,11 +8334,7 @@
             </a:br>
             <a:r>
               <a:rPr lang="en-US" sz="7200" dirty="0" smtClean="0"/>
-              <a:t>Lesson </a:t>
-            </a:r>
-            <a:r>
-              <a:rPr lang="en-US" sz="7200" dirty="0" smtClean="0"/>
-              <a:t>10: </a:t>
+              <a:t>Lesson 10: </a:t>
             </a:r>
             <a:r>
               <a:rPr lang="en-US" sz="7200" dirty="0" err="1" smtClean="0"/>
@@ -8988,11 +8988,7 @@
             </a:r>
             <a:r>
               <a:rPr lang="en-US" sz="3200" dirty="0" smtClean="0"/>
-              <a:t> </a:t>
-            </a:r>
-            <a:r>
-              <a:rPr lang="en-US" sz="3200" dirty="0" smtClean="0"/>
-              <a:t>have their own issues</a:t>
+              <a:t> have their own issues</a:t>
             </a:r>
           </a:p>
           <a:p>
@@ -9379,15 +9375,7 @@
             </a:r>
             <a:r>
               <a:rPr lang="en-US" sz="2800" dirty="0" smtClean="0"/>
-              <a:t>, can only buy an item if still </a:t>
-            </a:r>
-            <a:r>
-              <a:rPr lang="en-US" sz="2800" dirty="0" smtClean="0"/>
-              <a:t>present </a:t>
-            </a:r>
-            <a:r>
-              <a:rPr lang="en-US" sz="2800" dirty="0" smtClean="0"/>
-              <a:t>in warehouse and credit transaction does not fail, and those can be implemented in different components</a:t>
+              <a:t>, can only buy an item if still present in warehouse and credit transaction does not fail, and those can be implemented in different components</a:t>
             </a:r>
           </a:p>
           <a:p>
@@ -9569,18 +9557,18 @@
       </p:grpSpPr>
       <p:sp>
         <p:nvSpPr>
-          <p:cNvPr id="4" name="Title 3"/>
-          <p:cNvSpPr>
-            <a:spLocks noGrp="1"/>
-          </p:cNvSpPr>
-          <p:nvPr>
-            <p:ph type="ctrTitle"/>
+          <p:cNvPr id="2" name="Title 1"/>
+          <p:cNvSpPr>
+            <a:spLocks noGrp="1"/>
+          </p:cNvSpPr>
+          <p:nvPr>
+            <p:ph type="title"/>
           </p:nvPr>
         </p:nvSpPr>
         <p:spPr>
           <a:xfrm>
-            <a:off x="194733" y="1122363"/>
-            <a:ext cx="11734800" cy="2387600"/>
+            <a:off x="823823" y="158091"/>
+            <a:ext cx="10515600" cy="1325563"/>
           </a:xfrm>
         </p:spPr>
         <p:txBody>
@@ -9590,28 +9578,175 @@
           <a:lstStyle/>
           <a:p>
             <a:r>
-              <a:rPr lang="en-US" sz="7200" dirty="0" smtClean="0"/>
-              <a:t>Containers and Orchestration</a:t>
-            </a:r>
-            <a:endParaRPr lang="en-US" sz="7200" dirty="0"/>
-          </a:p>
-        </p:txBody>
-      </p:sp>
-      <p:sp>
-        <p:nvSpPr>
-          <p:cNvPr id="5" name="Subtitle 4"/>
-          <p:cNvSpPr>
-            <a:spLocks noGrp="1"/>
-          </p:cNvSpPr>
-          <p:nvPr>
-            <p:ph type="subTitle" idx="1"/>
-          </p:nvPr>
-        </p:nvSpPr>
-        <p:spPr/>
-        <p:txBody>
-          <a:bodyPr/>
-          <a:lstStyle/>
-          <a:p>
+              <a:rPr lang="en-US" sz="6600" dirty="0" smtClean="0"/>
+              <a:t>The 12 Factor App</a:t>
+            </a:r>
+            <a:endParaRPr lang="en-US" sz="6600" dirty="0"/>
+          </a:p>
+        </p:txBody>
+      </p:sp>
+      <p:sp>
+        <p:nvSpPr>
+          <p:cNvPr id="3" name="Content Placeholder 2"/>
+          <p:cNvSpPr>
+            <a:spLocks noGrp="1"/>
+          </p:cNvSpPr>
+          <p:nvPr>
+            <p:ph idx="1"/>
+          </p:nvPr>
+        </p:nvSpPr>
+        <p:spPr>
+          <a:xfrm>
+            <a:off x="241540" y="1604514"/>
+            <a:ext cx="11680166" cy="5063706"/>
+          </a:xfrm>
+        </p:spPr>
+        <p:txBody>
+          <a:bodyPr>
+            <a:normAutofit/>
+          </a:bodyPr>
+          <a:lstStyle/>
+          <a:p>
+            <a:pPr marL="0" indent="0">
+              <a:buNone/>
+            </a:pPr>
+            <a:r>
+              <a:rPr lang="en-US" dirty="0" smtClean="0"/>
+              <a:t>“The </a:t>
+            </a:r>
+            <a:r>
+              <a:rPr lang="en-US" dirty="0"/>
+              <a:t>twelve-factor app is a methodology for building software-as-a-service </a:t>
+            </a:r>
+            <a:r>
+              <a:rPr lang="en-US" dirty="0"/>
+              <a:t>apps” (</a:t>
+            </a:r>
+            <a:r>
+              <a:rPr lang="en-US" dirty="0">
+                <a:hlinkClick r:id="rId2"/>
+              </a:rPr>
+              <a:t>https://12factor.net</a:t>
+            </a:r>
+            <a:r>
+              <a:rPr lang="en-US" dirty="0" smtClean="0">
+                <a:hlinkClick r:id="rId2"/>
+              </a:rPr>
+              <a:t>/)</a:t>
+            </a:r>
+            <a:endParaRPr lang="en-US" dirty="0" smtClean="0"/>
+          </a:p>
+          <a:p>
+            <a:pPr marL="0" indent="0">
+              <a:buNone/>
+            </a:pPr>
+            <a:endParaRPr lang="en-US" dirty="0" smtClean="0"/>
+          </a:p>
+          <a:p>
+            <a:pPr marL="514350" indent="-514350">
+              <a:buFont typeface="+mj-lt"/>
+              <a:buAutoNum type="arabicPeriod"/>
+            </a:pPr>
+            <a:r>
+              <a:rPr lang="en-US" i="1" dirty="0" smtClean="0"/>
+              <a:t>Codebase</a:t>
+            </a:r>
+            <a:endParaRPr lang="en-US" i="1" dirty="0"/>
+          </a:p>
+          <a:p>
+            <a:pPr marL="457200" lvl="1" indent="0">
+              <a:buNone/>
+            </a:pPr>
+            <a:r>
+              <a:rPr lang="en-US" dirty="0"/>
+              <a:t>One codebase tracked in revision control, many deploys</a:t>
+            </a:r>
+          </a:p>
+          <a:p>
+            <a:pPr marL="514350" indent="-514350">
+              <a:buFont typeface="+mj-lt"/>
+              <a:buAutoNum type="arabicPeriod"/>
+            </a:pPr>
+            <a:r>
+              <a:rPr lang="en-US" i="1" dirty="0" smtClean="0"/>
+              <a:t>Dependencies</a:t>
+            </a:r>
+          </a:p>
+          <a:p>
+            <a:pPr marL="457200" lvl="1" indent="0">
+              <a:buNone/>
+            </a:pPr>
+            <a:r>
+              <a:rPr lang="en-US" dirty="0"/>
+              <a:t>Explicitly declare and isolate </a:t>
+            </a:r>
+            <a:r>
+              <a:rPr lang="en-US" dirty="0" smtClean="0"/>
+              <a:t>dependencies</a:t>
+            </a:r>
+            <a:endParaRPr lang="en-US" dirty="0"/>
+          </a:p>
+          <a:p>
+            <a:pPr marL="457200" indent="-457200">
+              <a:buFont typeface="+mj-lt"/>
+              <a:buAutoNum type="arabicPeriod"/>
+            </a:pPr>
+            <a:r>
+              <a:rPr lang="en-US" i="1" dirty="0" err="1" smtClean="0"/>
+              <a:t>Config</a:t>
+            </a:r>
+            <a:endParaRPr lang="en-US" i="1" dirty="0"/>
+          </a:p>
+          <a:p>
+            <a:pPr marL="457200" lvl="1" indent="0">
+              <a:buNone/>
+            </a:pPr>
+            <a:r>
+              <a:rPr lang="en-US" dirty="0"/>
+              <a:t>Store </a:t>
+            </a:r>
+            <a:r>
+              <a:rPr lang="en-US" dirty="0" err="1"/>
+              <a:t>config</a:t>
+            </a:r>
+            <a:r>
+              <a:rPr lang="en-US" dirty="0"/>
+              <a:t> in the </a:t>
+            </a:r>
+            <a:r>
+              <a:rPr lang="en-US" dirty="0" smtClean="0"/>
+              <a:t>environment</a:t>
+            </a:r>
+          </a:p>
+          <a:p>
+            <a:pPr marL="514350" indent="-514350">
+              <a:buFont typeface="+mj-lt"/>
+              <a:buAutoNum type="arabicPeriod"/>
+            </a:pPr>
+            <a:r>
+              <a:rPr lang="en-US" i="1" dirty="0"/>
+              <a:t>Backing services</a:t>
+            </a:r>
+          </a:p>
+          <a:p>
+            <a:pPr marL="457200" lvl="1" indent="0">
+              <a:buNone/>
+            </a:pPr>
+            <a:r>
+              <a:rPr lang="en-US" dirty="0"/>
+              <a:t>Treat backing services as attached resources</a:t>
+            </a:r>
+          </a:p>
+          <a:p>
+            <a:pPr marL="457200" lvl="1" indent="0">
+              <a:buNone/>
+            </a:pPr>
+            <a:endParaRPr lang="en-US" dirty="0"/>
+          </a:p>
+          <a:p>
+            <a:pPr marL="0" indent="0">
+              <a:buNone/>
+            </a:pPr>
             <a:endParaRPr lang="en-US" dirty="0"/>
           </a:p>
         </p:txBody>
@@ -9619,7 +9754,7 @@
     </p:spTree>
     <p:extLst>
       <p:ext uri="{BB962C8B-B14F-4D97-AF65-F5344CB8AC3E}">
-        <p14:creationId xmlns:p14="http://schemas.microsoft.com/office/powerpoint/2010/main" val="3316844593"/>
+        <p14:creationId xmlns:p14="http://schemas.microsoft.com/office/powerpoint/2010/main" val="925414241"/>
       </p:ext>
     </p:extLst>
   </p:cSld>
@@ -9723,7 +9858,6 @@
               <a:rPr lang="en-US" sz="3600" i="1" dirty="0" smtClean="0"/>
               <a:t>API Gateways</a:t>
             </a:r>
-            <a:endParaRPr lang="en-US" sz="3600" i="1" dirty="0" smtClean="0"/>
           </a:p>
         </p:txBody>
       </p:sp>
@@ -9925,31 +10059,6 @@
       </p:grpSpPr>
       <p:sp>
         <p:nvSpPr>
-          <p:cNvPr id="2" name="Title 1"/>
-          <p:cNvSpPr>
-            <a:spLocks noGrp="1"/>
-          </p:cNvSpPr>
-          <p:nvPr>
-            <p:ph type="title"/>
-          </p:nvPr>
-        </p:nvSpPr>
-        <p:spPr/>
-        <p:txBody>
-          <a:bodyPr>
-            <a:normAutofit/>
-          </a:bodyPr>
-          <a:lstStyle/>
-          <a:p>
-            <a:r>
-              <a:rPr lang="en-US" sz="6600" dirty="0" smtClean="0"/>
-              <a:t>A Single Component</a:t>
-            </a:r>
-            <a:endParaRPr lang="en-US" sz="6600" dirty="0"/>
-          </a:p>
-        </p:txBody>
-      </p:sp>
-      <p:sp>
-        <p:nvSpPr>
           <p:cNvPr id="3" name="Content Placeholder 2"/>
           <p:cNvSpPr>
             <a:spLocks noGrp="1"/>
@@ -9960,85 +10069,198 @@
         </p:nvSpPr>
         <p:spPr>
           <a:xfrm>
-            <a:off x="186267" y="1825625"/>
-            <a:ext cx="11811000" cy="4778375"/>
+            <a:off x="172528" y="310552"/>
+            <a:ext cx="11904452" cy="6323162"/>
           </a:xfrm>
         </p:spPr>
         <p:txBody>
           <a:bodyPr>
-            <a:noAutofit/>
+            <a:normAutofit fontScale="92500" lnSpcReduction="10000"/>
           </a:bodyPr>
           <a:lstStyle/>
           <a:p>
-            <a:r>
-              <a:rPr lang="en-US" sz="3200" dirty="0" smtClean="0"/>
-              <a:t>Typically, but </a:t>
-            </a:r>
-            <a:r>
-              <a:rPr lang="en-US" sz="3200" b="1" dirty="0" smtClean="0"/>
-              <a:t>not</a:t>
-            </a:r>
-            <a:r>
-              <a:rPr lang="en-US" sz="3200" dirty="0" smtClean="0"/>
-              <a:t> necessarily, a RESTful web service</a:t>
-            </a:r>
-          </a:p>
-          <a:p>
-            <a:r>
-              <a:rPr lang="en-US" sz="3200" dirty="0" smtClean="0"/>
-              <a:t>Language does not matter</a:t>
-            </a:r>
-          </a:p>
-          <a:p>
-            <a:r>
-              <a:rPr lang="en-US" sz="3200" dirty="0" smtClean="0"/>
-              <a:t>Issue when dealing with different languages</a:t>
-            </a:r>
-          </a:p>
-          <a:p>
-            <a:pPr lvl="1"/>
-            <a:r>
-              <a:rPr lang="en-US" sz="2800" dirty="0" smtClean="0"/>
-              <a:t>How to deploy, start/stop different components?</a:t>
-            </a:r>
-          </a:p>
-          <a:p>
-            <a:r>
-              <a:rPr lang="en-US" sz="3200" dirty="0" smtClean="0"/>
-              <a:t>How to guarantee that a component can run in different servers?</a:t>
-            </a:r>
-          </a:p>
-          <a:p>
-            <a:pPr lvl="1"/>
-            <a:r>
-              <a:rPr lang="en-US" sz="2800" dirty="0" smtClean="0"/>
-              <a:t>Even if Java is highly portable, still need to make sure same version of JRE is installed on all the servers</a:t>
-            </a:r>
-          </a:p>
-          <a:p>
-            <a:pPr lvl="1"/>
-            <a:r>
-              <a:rPr lang="en-US" sz="2800" dirty="0" smtClean="0"/>
-              <a:t>Subtle differences between OSs and internal configurations </a:t>
-            </a:r>
-          </a:p>
-          <a:p>
-            <a:r>
-              <a:rPr lang="en-US" sz="3200" dirty="0" smtClean="0"/>
-              <a:t>Need </a:t>
-            </a:r>
-            <a:r>
-              <a:rPr lang="en-US" sz="3200" i="1" dirty="0" smtClean="0"/>
-              <a:t>Immutable Delivery</a:t>
-            </a:r>
-            <a:endParaRPr lang="en-US" sz="3200" dirty="0"/>
+            <a:pPr marL="514350" indent="-514350">
+              <a:buFont typeface="+mj-lt"/>
+              <a:buAutoNum type="arabicPeriod" startAt="5"/>
+            </a:pPr>
+            <a:r>
+              <a:rPr lang="en-US" i="1" dirty="0" smtClean="0"/>
+              <a:t>Build</a:t>
+            </a:r>
+            <a:r>
+              <a:rPr lang="en-US" i="1" dirty="0"/>
+              <a:t>, release, run</a:t>
+            </a:r>
+          </a:p>
+          <a:p>
+            <a:pPr marL="457200" lvl="1" indent="0">
+              <a:buNone/>
+            </a:pPr>
+            <a:r>
+              <a:rPr lang="en-US" dirty="0"/>
+              <a:t>Strictly separate build and run stages</a:t>
+            </a:r>
+          </a:p>
+          <a:p>
+            <a:pPr marL="514350" indent="-514350">
+              <a:buFont typeface="+mj-lt"/>
+              <a:buAutoNum type="arabicPeriod" startAt="5"/>
+            </a:pPr>
+            <a:r>
+              <a:rPr lang="en-US" i="1" dirty="0" smtClean="0"/>
+              <a:t>Processes</a:t>
+            </a:r>
+            <a:endParaRPr lang="en-US" i="1" dirty="0"/>
+          </a:p>
+          <a:p>
+            <a:pPr marL="457200" lvl="1" indent="0">
+              <a:buNone/>
+            </a:pPr>
+            <a:r>
+              <a:rPr lang="en-US" dirty="0"/>
+              <a:t>Execute the app as one or more stateless processes</a:t>
+            </a:r>
+          </a:p>
+          <a:p>
+            <a:pPr marL="514350" indent="-514350">
+              <a:buFont typeface="+mj-lt"/>
+              <a:buAutoNum type="arabicPeriod" startAt="5"/>
+            </a:pPr>
+            <a:r>
+              <a:rPr lang="en-US" i="1" dirty="0" smtClean="0"/>
+              <a:t>Port </a:t>
+            </a:r>
+            <a:r>
+              <a:rPr lang="en-US" i="1" dirty="0"/>
+              <a:t>binding</a:t>
+            </a:r>
+          </a:p>
+          <a:p>
+            <a:pPr marL="457200" lvl="1" indent="0">
+              <a:buNone/>
+            </a:pPr>
+            <a:r>
+              <a:rPr lang="en-US" dirty="0"/>
+              <a:t>Export services via port binding</a:t>
+            </a:r>
+          </a:p>
+          <a:p>
+            <a:pPr marL="514350" indent="-514350">
+              <a:buFont typeface="+mj-lt"/>
+              <a:buAutoNum type="arabicPeriod" startAt="5"/>
+            </a:pPr>
+            <a:r>
+              <a:rPr lang="en-US" i="1" dirty="0" smtClean="0"/>
+              <a:t>Concurrency</a:t>
+            </a:r>
+            <a:endParaRPr lang="en-US" i="1" dirty="0"/>
+          </a:p>
+          <a:p>
+            <a:pPr marL="457200" lvl="1" indent="0">
+              <a:buNone/>
+            </a:pPr>
+            <a:r>
+              <a:rPr lang="en-US" dirty="0"/>
+              <a:t>Scale out via the process model</a:t>
+            </a:r>
+          </a:p>
+          <a:p>
+            <a:pPr marL="514350" indent="-514350">
+              <a:buFont typeface="+mj-lt"/>
+              <a:buAutoNum type="arabicPeriod" startAt="5"/>
+            </a:pPr>
+            <a:r>
+              <a:rPr lang="en-US" i="1" dirty="0" smtClean="0"/>
+              <a:t>Disposability</a:t>
+            </a:r>
+            <a:endParaRPr lang="en-US" i="1" dirty="0"/>
+          </a:p>
+          <a:p>
+            <a:pPr marL="457200" lvl="1" indent="0">
+              <a:buNone/>
+            </a:pPr>
+            <a:r>
+              <a:rPr lang="en-US" dirty="0"/>
+              <a:t>Maximize robustness with fast startup and graceful shutdown</a:t>
+            </a:r>
+          </a:p>
+          <a:p>
+            <a:pPr marL="514350" indent="-514350">
+              <a:buFont typeface="+mj-lt"/>
+              <a:buAutoNum type="arabicPeriod" startAt="5"/>
+            </a:pPr>
+            <a:r>
+              <a:rPr lang="en-US" i="1" dirty="0" smtClean="0"/>
+              <a:t>Dev/prod </a:t>
+            </a:r>
+            <a:r>
+              <a:rPr lang="en-US" i="1" dirty="0"/>
+              <a:t>parity</a:t>
+            </a:r>
+          </a:p>
+          <a:p>
+            <a:pPr marL="457200" lvl="1" indent="0">
+              <a:buNone/>
+            </a:pPr>
+            <a:r>
+              <a:rPr lang="en-US" dirty="0"/>
+              <a:t>Keep development, staging, and production as similar as possible</a:t>
+            </a:r>
+          </a:p>
+          <a:p>
+            <a:pPr marL="514350" indent="-514350">
+              <a:buFont typeface="+mj-lt"/>
+              <a:buAutoNum type="arabicPeriod" startAt="5"/>
+            </a:pPr>
+            <a:r>
+              <a:rPr lang="en-US" i="1" dirty="0" smtClean="0"/>
+              <a:t>Logs</a:t>
+            </a:r>
+            <a:endParaRPr lang="en-US" i="1" dirty="0"/>
+          </a:p>
+          <a:p>
+            <a:pPr marL="457200" lvl="1" indent="0">
+              <a:buNone/>
+            </a:pPr>
+            <a:r>
+              <a:rPr lang="en-US" dirty="0"/>
+              <a:t>Treat logs as event streams</a:t>
+            </a:r>
+          </a:p>
+          <a:p>
+            <a:pPr marL="514350" indent="-514350">
+              <a:buFont typeface="+mj-lt"/>
+              <a:buAutoNum type="arabicPeriod" startAt="5"/>
+            </a:pPr>
+            <a:r>
+              <a:rPr lang="en-US" i="1" dirty="0" smtClean="0"/>
+              <a:t>Admin </a:t>
+            </a:r>
+            <a:r>
+              <a:rPr lang="en-US" i="1" dirty="0"/>
+              <a:t>processes</a:t>
+            </a:r>
+          </a:p>
+          <a:p>
+            <a:pPr marL="457200" lvl="1" indent="0">
+              <a:buNone/>
+            </a:pPr>
+            <a:r>
+              <a:rPr lang="en-US" dirty="0"/>
+              <a:t>Run admin/management tasks as one-off </a:t>
+            </a:r>
+            <a:r>
+              <a:rPr lang="en-US" dirty="0" smtClean="0"/>
+              <a:t>processes</a:t>
+            </a:r>
+            <a:endParaRPr lang="en-US" dirty="0"/>
           </a:p>
         </p:txBody>
       </p:sp>
     </p:spTree>
     <p:extLst>
       <p:ext uri="{BB962C8B-B14F-4D97-AF65-F5344CB8AC3E}">
-        <p14:creationId xmlns:p14="http://schemas.microsoft.com/office/powerpoint/2010/main" val="1824363512"/>
+        <p14:creationId xmlns:p14="http://schemas.microsoft.com/office/powerpoint/2010/main" val="949877182"/>
       </p:ext>
     </p:extLst>
   </p:cSld>
@@ -10067,6 +10289,227 @@
       </p:grpSpPr>
       <p:sp>
         <p:nvSpPr>
+          <p:cNvPr id="4" name="Title 3"/>
+          <p:cNvSpPr>
+            <a:spLocks noGrp="1"/>
+          </p:cNvSpPr>
+          <p:nvPr>
+            <p:ph type="ctrTitle"/>
+          </p:nvPr>
+        </p:nvSpPr>
+        <p:spPr>
+          <a:xfrm>
+            <a:off x="194733" y="1122363"/>
+            <a:ext cx="11734800" cy="2387600"/>
+          </a:xfrm>
+        </p:spPr>
+        <p:txBody>
+          <a:bodyPr>
+            <a:normAutofit/>
+          </a:bodyPr>
+          <a:lstStyle/>
+          <a:p>
+            <a:r>
+              <a:rPr lang="en-US" sz="7200" dirty="0" smtClean="0"/>
+              <a:t>Containers and Orchestration</a:t>
+            </a:r>
+            <a:endParaRPr lang="en-US" sz="7200" dirty="0"/>
+          </a:p>
+        </p:txBody>
+      </p:sp>
+      <p:sp>
+        <p:nvSpPr>
+          <p:cNvPr id="5" name="Subtitle 4"/>
+          <p:cNvSpPr>
+            <a:spLocks noGrp="1"/>
+          </p:cNvSpPr>
+          <p:nvPr>
+            <p:ph type="subTitle" idx="1"/>
+          </p:nvPr>
+        </p:nvSpPr>
+        <p:spPr/>
+        <p:txBody>
+          <a:bodyPr/>
+          <a:lstStyle/>
+          <a:p>
+            <a:endParaRPr lang="en-US" dirty="0"/>
+          </a:p>
+        </p:txBody>
+      </p:sp>
+    </p:spTree>
+    <p:extLst>
+      <p:ext uri="{BB962C8B-B14F-4D97-AF65-F5344CB8AC3E}">
+        <p14:creationId xmlns:p14="http://schemas.microsoft.com/office/powerpoint/2010/main" val="3316844593"/>
+      </p:ext>
+    </p:extLst>
+  </p:cSld>
+  <p:clrMapOvr>
+    <a:masterClrMapping/>
+  </p:clrMapOvr>
+</p:sld>
+</file>
+
+<file path=ppt/slides/slide22.xml><?xml version="1.0" encoding="utf-8"?>
+<p:sld xmlns:a="http://schemas.openxmlformats.org/drawingml/2006/main" xmlns:r="http://schemas.openxmlformats.org/officeDocument/2006/relationships" xmlns:p="http://schemas.openxmlformats.org/presentationml/2006/main">
+  <p:cSld>
+    <p:spTree>
+      <p:nvGrpSpPr>
+        <p:cNvPr id="1" name=""/>
+        <p:cNvGrpSpPr/>
+        <p:nvPr/>
+      </p:nvGrpSpPr>
+      <p:grpSpPr>
+        <a:xfrm>
+          <a:off x="0" y="0"/>
+          <a:ext cx="0" cy="0"/>
+          <a:chOff x="0" y="0"/>
+          <a:chExt cx="0" cy="0"/>
+        </a:xfrm>
+      </p:grpSpPr>
+      <p:sp>
+        <p:nvSpPr>
+          <p:cNvPr id="2" name="Title 1"/>
+          <p:cNvSpPr>
+            <a:spLocks noGrp="1"/>
+          </p:cNvSpPr>
+          <p:nvPr>
+            <p:ph type="title"/>
+          </p:nvPr>
+        </p:nvSpPr>
+        <p:spPr/>
+        <p:txBody>
+          <a:bodyPr>
+            <a:normAutofit/>
+          </a:bodyPr>
+          <a:lstStyle/>
+          <a:p>
+            <a:r>
+              <a:rPr lang="en-US" sz="6600" dirty="0" smtClean="0"/>
+              <a:t>A Single Component</a:t>
+            </a:r>
+            <a:endParaRPr lang="en-US" sz="6600" dirty="0"/>
+          </a:p>
+        </p:txBody>
+      </p:sp>
+      <p:sp>
+        <p:nvSpPr>
+          <p:cNvPr id="3" name="Content Placeholder 2"/>
+          <p:cNvSpPr>
+            <a:spLocks noGrp="1"/>
+          </p:cNvSpPr>
+          <p:nvPr>
+            <p:ph idx="1"/>
+          </p:nvPr>
+        </p:nvSpPr>
+        <p:spPr>
+          <a:xfrm>
+            <a:off x="186267" y="1825625"/>
+            <a:ext cx="11811000" cy="4778375"/>
+          </a:xfrm>
+        </p:spPr>
+        <p:txBody>
+          <a:bodyPr>
+            <a:noAutofit/>
+          </a:bodyPr>
+          <a:lstStyle/>
+          <a:p>
+            <a:r>
+              <a:rPr lang="en-US" sz="3200" dirty="0" smtClean="0"/>
+              <a:t>Typically, but </a:t>
+            </a:r>
+            <a:r>
+              <a:rPr lang="en-US" sz="3200" b="1" dirty="0" smtClean="0"/>
+              <a:t>not</a:t>
+            </a:r>
+            <a:r>
+              <a:rPr lang="en-US" sz="3200" dirty="0" smtClean="0"/>
+              <a:t> necessarily, a RESTful web service</a:t>
+            </a:r>
+          </a:p>
+          <a:p>
+            <a:r>
+              <a:rPr lang="en-US" sz="3200" dirty="0" smtClean="0"/>
+              <a:t>Language does not matter</a:t>
+            </a:r>
+          </a:p>
+          <a:p>
+            <a:r>
+              <a:rPr lang="en-US" sz="3200" dirty="0" smtClean="0"/>
+              <a:t>Issue when dealing with different languages</a:t>
+            </a:r>
+          </a:p>
+          <a:p>
+            <a:pPr lvl="1"/>
+            <a:r>
+              <a:rPr lang="en-US" sz="2800" dirty="0" smtClean="0"/>
+              <a:t>How to deploy, start/stop different components?</a:t>
+            </a:r>
+          </a:p>
+          <a:p>
+            <a:r>
+              <a:rPr lang="en-US" sz="3200" dirty="0" smtClean="0"/>
+              <a:t>How to guarantee that a component can run in different servers?</a:t>
+            </a:r>
+          </a:p>
+          <a:p>
+            <a:pPr lvl="1"/>
+            <a:r>
+              <a:rPr lang="en-US" sz="2800" dirty="0" smtClean="0"/>
+              <a:t>Even if Java is highly portable, still need to make sure same version of JRE is installed on all the servers</a:t>
+            </a:r>
+          </a:p>
+          <a:p>
+            <a:pPr lvl="1"/>
+            <a:r>
+              <a:rPr lang="en-US" sz="2800" dirty="0" smtClean="0"/>
+              <a:t>Subtle differences between OSs and internal configurations </a:t>
+            </a:r>
+          </a:p>
+          <a:p>
+            <a:r>
+              <a:rPr lang="en-US" sz="3200" dirty="0" smtClean="0"/>
+              <a:t>Need </a:t>
+            </a:r>
+            <a:r>
+              <a:rPr lang="en-US" sz="3200" i="1" dirty="0" smtClean="0"/>
+              <a:t>Immutable Delivery</a:t>
+            </a:r>
+            <a:endParaRPr lang="en-US" sz="3200" dirty="0"/>
+          </a:p>
+        </p:txBody>
+      </p:sp>
+    </p:spTree>
+    <p:extLst>
+      <p:ext uri="{BB962C8B-B14F-4D97-AF65-F5344CB8AC3E}">
+        <p14:creationId xmlns:p14="http://schemas.microsoft.com/office/powerpoint/2010/main" val="1824363512"/>
+      </p:ext>
+    </p:extLst>
+  </p:cSld>
+  <p:clrMapOvr>
+    <a:masterClrMapping/>
+  </p:clrMapOvr>
+</p:sld>
+</file>
+
+<file path=ppt/slides/slide23.xml><?xml version="1.0" encoding="utf-8"?>
+<p:sld xmlns:a="http://schemas.openxmlformats.org/drawingml/2006/main" xmlns:r="http://schemas.openxmlformats.org/officeDocument/2006/relationships" xmlns:p="http://schemas.openxmlformats.org/presentationml/2006/main">
+  <p:cSld>
+    <p:spTree>
+      <p:nvGrpSpPr>
+        <p:cNvPr id="1" name=""/>
+        <p:cNvGrpSpPr/>
+        <p:nvPr/>
+      </p:nvGrpSpPr>
+      <p:grpSpPr>
+        <a:xfrm>
+          <a:off x="0" y="0"/>
+          <a:ext cx="0" cy="0"/>
+          <a:chOff x="0" y="0"/>
+          <a:chExt cx="0" cy="0"/>
+        </a:xfrm>
+      </p:grpSpPr>
+      <p:sp>
+        <p:nvSpPr>
           <p:cNvPr id="2" name="Title 1"/>
           <p:cNvSpPr>
             <a:spLocks noGrp="1"/>
@@ -10218,7 +10661,7 @@
 </p:sld>
 </file>
 
-<file path=ppt/slides/slide22.xml><?xml version="1.0" encoding="utf-8"?>
+<file path=ppt/slides/slide24.xml><?xml version="1.0" encoding="utf-8"?>
 <p:sld xmlns:a="http://schemas.openxmlformats.org/drawingml/2006/main" xmlns:r="http://schemas.openxmlformats.org/officeDocument/2006/relationships" xmlns:p="http://schemas.openxmlformats.org/presentationml/2006/main">
   <p:cSld>
     <p:spTree>
@@ -10362,276 +10805,6 @@
 </p:sld>
 </file>
 
-<file path=ppt/slides/slide23.xml><?xml version="1.0" encoding="utf-8"?>
-<p:sld xmlns:a="http://schemas.openxmlformats.org/drawingml/2006/main" xmlns:r="http://schemas.openxmlformats.org/officeDocument/2006/relationships" xmlns:p="http://schemas.openxmlformats.org/presentationml/2006/main">
-  <p:cSld>
-    <p:spTree>
-      <p:nvGrpSpPr>
-        <p:cNvPr id="1" name=""/>
-        <p:cNvGrpSpPr/>
-        <p:nvPr/>
-      </p:nvGrpSpPr>
-      <p:grpSpPr>
-        <a:xfrm>
-          <a:off x="0" y="0"/>
-          <a:ext cx="0" cy="0"/>
-          <a:chOff x="0" y="0"/>
-          <a:chExt cx="0" cy="0"/>
-        </a:xfrm>
-      </p:grpSpPr>
-      <p:sp>
-        <p:nvSpPr>
-          <p:cNvPr id="2" name="Title 1"/>
-          <p:cNvSpPr>
-            <a:spLocks noGrp="1"/>
-          </p:cNvSpPr>
-          <p:nvPr>
-            <p:ph type="title"/>
-          </p:nvPr>
-        </p:nvSpPr>
-        <p:spPr/>
-        <p:txBody>
-          <a:bodyPr/>
-          <a:lstStyle/>
-          <a:p>
-            <a:r>
-              <a:rPr lang="en-US" sz="6600" dirty="0" smtClean="0"/>
-              <a:t>Orchestration</a:t>
-            </a:r>
-            <a:endParaRPr lang="en-US" dirty="0"/>
-          </a:p>
-        </p:txBody>
-      </p:sp>
-      <p:sp>
-        <p:nvSpPr>
-          <p:cNvPr id="3" name="Content Placeholder 2"/>
-          <p:cNvSpPr>
-            <a:spLocks noGrp="1"/>
-          </p:cNvSpPr>
-          <p:nvPr>
-            <p:ph idx="1"/>
-          </p:nvPr>
-        </p:nvSpPr>
-        <p:spPr>
-          <a:xfrm>
-            <a:off x="287867" y="1825624"/>
-            <a:ext cx="11065933" cy="4752975"/>
-          </a:xfrm>
-        </p:spPr>
-        <p:txBody>
-          <a:bodyPr>
-            <a:noAutofit/>
-          </a:bodyPr>
-          <a:lstStyle/>
-          <a:p>
-            <a:r>
-              <a:rPr lang="en-US" sz="3200" dirty="0" smtClean="0"/>
-              <a:t>You might have 100s of services, with Docker</a:t>
-            </a:r>
-          </a:p>
-          <a:p>
-            <a:r>
-              <a:rPr lang="en-US" sz="3200" dirty="0" smtClean="0"/>
-              <a:t>How to start all of them? </a:t>
-            </a:r>
-          </a:p>
-          <a:p>
-            <a:r>
-              <a:rPr lang="en-US" sz="3200" dirty="0" smtClean="0"/>
-              <a:t>How to stop them?</a:t>
-            </a:r>
-          </a:p>
-          <a:p>
-            <a:r>
-              <a:rPr lang="en-US" sz="3200" dirty="0" smtClean="0"/>
-              <a:t>How to automatically restart a service that crashed?</a:t>
-            </a:r>
-          </a:p>
-          <a:p>
-            <a:r>
-              <a:rPr lang="en-US" sz="3200" dirty="0" smtClean="0"/>
-              <a:t>How to automatically spin more instances of highly used services?</a:t>
-            </a:r>
-          </a:p>
-          <a:p>
-            <a:r>
-              <a:rPr lang="en-US" sz="3200" dirty="0" smtClean="0"/>
-              <a:t>How to automatically kill instances of seldom used services?</a:t>
-            </a:r>
-          </a:p>
-          <a:p>
-            <a:r>
-              <a:rPr lang="en-US" sz="3200" dirty="0" smtClean="0"/>
-              <a:t>Etc. </a:t>
-            </a:r>
-            <a:endParaRPr lang="en-US" sz="3200" dirty="0"/>
-          </a:p>
-        </p:txBody>
-      </p:sp>
-    </p:spTree>
-    <p:extLst>
-      <p:ext uri="{BB962C8B-B14F-4D97-AF65-F5344CB8AC3E}">
-        <p14:creationId xmlns:p14="http://schemas.microsoft.com/office/powerpoint/2010/main" val="3250885714"/>
-      </p:ext>
-    </p:extLst>
-  </p:cSld>
-  <p:clrMapOvr>
-    <a:masterClrMapping/>
-  </p:clrMapOvr>
-</p:sld>
-</file>
-
-<file path=ppt/slides/slide24.xml><?xml version="1.0" encoding="utf-8"?>
-<p:sld xmlns:a="http://schemas.openxmlformats.org/drawingml/2006/main" xmlns:r="http://schemas.openxmlformats.org/officeDocument/2006/relationships" xmlns:p="http://schemas.openxmlformats.org/presentationml/2006/main">
-  <p:cSld>
-    <p:spTree>
-      <p:nvGrpSpPr>
-        <p:cNvPr id="1" name=""/>
-        <p:cNvGrpSpPr/>
-        <p:nvPr/>
-      </p:nvGrpSpPr>
-      <p:grpSpPr>
-        <a:xfrm>
-          <a:off x="0" y="0"/>
-          <a:ext cx="0" cy="0"/>
-          <a:chOff x="0" y="0"/>
-          <a:chExt cx="0" cy="0"/>
-        </a:xfrm>
-      </p:grpSpPr>
-      <p:sp>
-        <p:nvSpPr>
-          <p:cNvPr id="2" name="Title 1"/>
-          <p:cNvSpPr>
-            <a:spLocks noGrp="1"/>
-          </p:cNvSpPr>
-          <p:nvPr>
-            <p:ph type="title"/>
-          </p:nvPr>
-        </p:nvSpPr>
-        <p:spPr>
-          <a:xfrm>
-            <a:off x="211667" y="365125"/>
-            <a:ext cx="11811000" cy="865039"/>
-          </a:xfrm>
-        </p:spPr>
-        <p:txBody>
-          <a:bodyPr>
-            <a:noAutofit/>
-          </a:bodyPr>
-          <a:lstStyle/>
-          <a:p>
-            <a:r>
-              <a:rPr lang="en-US" sz="5400" dirty="0" smtClean="0"/>
-              <a:t>Container Cluster Manager Frameworks</a:t>
-            </a:r>
-            <a:endParaRPr lang="en-US" sz="5400" dirty="0"/>
-          </a:p>
-        </p:txBody>
-      </p:sp>
-      <p:sp>
-        <p:nvSpPr>
-          <p:cNvPr id="3" name="Content Placeholder 2"/>
-          <p:cNvSpPr>
-            <a:spLocks noGrp="1"/>
-          </p:cNvSpPr>
-          <p:nvPr>
-            <p:ph idx="1"/>
-          </p:nvPr>
-        </p:nvSpPr>
-        <p:spPr>
-          <a:xfrm>
-            <a:off x="211667" y="1825624"/>
-            <a:ext cx="11810999" cy="4812243"/>
-          </a:xfrm>
-        </p:spPr>
-        <p:txBody>
-          <a:bodyPr>
-            <a:noAutofit/>
-          </a:bodyPr>
-          <a:lstStyle/>
-          <a:p>
-            <a:r>
-              <a:rPr lang="en-US" sz="3200" dirty="0" smtClean="0"/>
-              <a:t>Open-source tools: </a:t>
-            </a:r>
-            <a:r>
-              <a:rPr lang="en-US" sz="3200" dirty="0" err="1" smtClean="0"/>
-              <a:t>eg</a:t>
-            </a:r>
-            <a:r>
-              <a:rPr lang="en-US" sz="3200" dirty="0"/>
-              <a:t> </a:t>
-            </a:r>
-            <a:r>
-              <a:rPr lang="en-US" sz="3200" i="1" dirty="0" smtClean="0"/>
-              <a:t>Kubernetes</a:t>
-            </a:r>
-            <a:r>
-              <a:rPr lang="en-US" sz="3200" dirty="0" smtClean="0"/>
-              <a:t> and </a:t>
-            </a:r>
-            <a:r>
-              <a:rPr lang="en-US" sz="3200" i="1" dirty="0" err="1" smtClean="0"/>
-              <a:t>Mesos</a:t>
-            </a:r>
-            <a:endParaRPr lang="en-US" sz="3200" i="1" dirty="0"/>
-          </a:p>
-          <a:p>
-            <a:r>
-              <a:rPr lang="en-US" sz="3200" dirty="0" smtClean="0"/>
-              <a:t>Allow you to easily deploy and monitor Docker containers on different servers</a:t>
-            </a:r>
-          </a:p>
-          <a:p>
-            <a:r>
-              <a:rPr lang="en-US" sz="3200" i="1" dirty="0" smtClean="0"/>
-              <a:t>Kubernetes</a:t>
-            </a:r>
-            <a:r>
-              <a:rPr lang="en-US" sz="3200" dirty="0" smtClean="0"/>
-              <a:t> created at Google, and used internally for their </a:t>
-            </a:r>
-            <a:r>
-              <a:rPr lang="en-US" sz="3200" dirty="0" smtClean="0"/>
-              <a:t>systems</a:t>
-            </a:r>
-          </a:p>
-          <a:p>
-            <a:r>
-              <a:rPr lang="en-US" sz="3200" dirty="0" smtClean="0"/>
-              <a:t>Note: we will not use such tools in this course, but you need to know about them</a:t>
-            </a:r>
-          </a:p>
-          <a:p>
-            <a:r>
-              <a:rPr lang="en-US" sz="3200" dirty="0" smtClean="0"/>
-              <a:t>We will use </a:t>
-            </a:r>
-            <a:r>
-              <a:rPr lang="en-US" sz="3200" i="1" dirty="0" smtClean="0"/>
-              <a:t>Docker-Compose</a:t>
-            </a:r>
-            <a:r>
-              <a:rPr lang="en-US" sz="3200" dirty="0" smtClean="0"/>
-              <a:t> to start a static set of Docker images, without automated scaling or failure restart handling</a:t>
-            </a:r>
-            <a:endParaRPr lang="en-US" sz="3200" dirty="0" smtClean="0"/>
-          </a:p>
-        </p:txBody>
-      </p:sp>
-    </p:spTree>
-    <p:extLst>
-      <p:ext uri="{BB962C8B-B14F-4D97-AF65-F5344CB8AC3E}">
-        <p14:creationId xmlns:p14="http://schemas.microsoft.com/office/powerpoint/2010/main" val="3397496718"/>
-      </p:ext>
-    </p:extLst>
-  </p:cSld>
-  <p:clrMapOvr>
-    <a:masterClrMapping/>
-  </p:clrMapOvr>
-</p:sld>
-</file>
-
 <file path=ppt/slides/slide25.xml><?xml version="1.0" encoding="utf-8"?>
 <p:sld xmlns:a="http://schemas.openxmlformats.org/drawingml/2006/main" xmlns:r="http://schemas.openxmlformats.org/officeDocument/2006/relationships" xmlns:p="http://schemas.openxmlformats.org/presentationml/2006/main">
   <p:cSld>
@@ -10651,6 +10824,271 @@
       </p:grpSpPr>
       <p:sp>
         <p:nvSpPr>
+          <p:cNvPr id="2" name="Title 1"/>
+          <p:cNvSpPr>
+            <a:spLocks noGrp="1"/>
+          </p:cNvSpPr>
+          <p:nvPr>
+            <p:ph type="title"/>
+          </p:nvPr>
+        </p:nvSpPr>
+        <p:spPr/>
+        <p:txBody>
+          <a:bodyPr/>
+          <a:lstStyle/>
+          <a:p>
+            <a:r>
+              <a:rPr lang="en-US" sz="6600" dirty="0" smtClean="0"/>
+              <a:t>Orchestration</a:t>
+            </a:r>
+            <a:endParaRPr lang="en-US" dirty="0"/>
+          </a:p>
+        </p:txBody>
+      </p:sp>
+      <p:sp>
+        <p:nvSpPr>
+          <p:cNvPr id="3" name="Content Placeholder 2"/>
+          <p:cNvSpPr>
+            <a:spLocks noGrp="1"/>
+          </p:cNvSpPr>
+          <p:nvPr>
+            <p:ph idx="1"/>
+          </p:nvPr>
+        </p:nvSpPr>
+        <p:spPr>
+          <a:xfrm>
+            <a:off x="287867" y="1825624"/>
+            <a:ext cx="11065933" cy="4752975"/>
+          </a:xfrm>
+        </p:spPr>
+        <p:txBody>
+          <a:bodyPr>
+            <a:noAutofit/>
+          </a:bodyPr>
+          <a:lstStyle/>
+          <a:p>
+            <a:r>
+              <a:rPr lang="en-US" sz="3200" dirty="0" smtClean="0"/>
+              <a:t>You might have 100s of services, with Docker</a:t>
+            </a:r>
+          </a:p>
+          <a:p>
+            <a:r>
+              <a:rPr lang="en-US" sz="3200" dirty="0" smtClean="0"/>
+              <a:t>How to start all of them? </a:t>
+            </a:r>
+          </a:p>
+          <a:p>
+            <a:r>
+              <a:rPr lang="en-US" sz="3200" dirty="0" smtClean="0"/>
+              <a:t>How to stop them?</a:t>
+            </a:r>
+          </a:p>
+          <a:p>
+            <a:r>
+              <a:rPr lang="en-US" sz="3200" dirty="0" smtClean="0"/>
+              <a:t>How to automatically restart a service that crashed?</a:t>
+            </a:r>
+          </a:p>
+          <a:p>
+            <a:r>
+              <a:rPr lang="en-US" sz="3200" dirty="0" smtClean="0"/>
+              <a:t>How to automatically spin more instances of highly used services?</a:t>
+            </a:r>
+          </a:p>
+          <a:p>
+            <a:r>
+              <a:rPr lang="en-US" sz="3200" dirty="0" smtClean="0"/>
+              <a:t>How to automatically kill instances of seldom used services?</a:t>
+            </a:r>
+          </a:p>
+          <a:p>
+            <a:r>
+              <a:rPr lang="en-US" sz="3200" dirty="0" smtClean="0"/>
+              <a:t>Etc. </a:t>
+            </a:r>
+            <a:endParaRPr lang="en-US" sz="3200" dirty="0"/>
+          </a:p>
+        </p:txBody>
+      </p:sp>
+    </p:spTree>
+    <p:extLst>
+      <p:ext uri="{BB962C8B-B14F-4D97-AF65-F5344CB8AC3E}">
+        <p14:creationId xmlns:p14="http://schemas.microsoft.com/office/powerpoint/2010/main" val="3250885714"/>
+      </p:ext>
+    </p:extLst>
+  </p:cSld>
+  <p:clrMapOvr>
+    <a:masterClrMapping/>
+  </p:clrMapOvr>
+</p:sld>
+</file>
+
+<file path=ppt/slides/slide26.xml><?xml version="1.0" encoding="utf-8"?>
+<p:sld xmlns:a="http://schemas.openxmlformats.org/drawingml/2006/main" xmlns:r="http://schemas.openxmlformats.org/officeDocument/2006/relationships" xmlns:p="http://schemas.openxmlformats.org/presentationml/2006/main">
+  <p:cSld>
+    <p:spTree>
+      <p:nvGrpSpPr>
+        <p:cNvPr id="1" name=""/>
+        <p:cNvGrpSpPr/>
+        <p:nvPr/>
+      </p:nvGrpSpPr>
+      <p:grpSpPr>
+        <a:xfrm>
+          <a:off x="0" y="0"/>
+          <a:ext cx="0" cy="0"/>
+          <a:chOff x="0" y="0"/>
+          <a:chExt cx="0" cy="0"/>
+        </a:xfrm>
+      </p:grpSpPr>
+      <p:sp>
+        <p:nvSpPr>
+          <p:cNvPr id="2" name="Title 1"/>
+          <p:cNvSpPr>
+            <a:spLocks noGrp="1"/>
+          </p:cNvSpPr>
+          <p:nvPr>
+            <p:ph type="title"/>
+          </p:nvPr>
+        </p:nvSpPr>
+        <p:spPr>
+          <a:xfrm>
+            <a:off x="211667" y="365125"/>
+            <a:ext cx="11811000" cy="865039"/>
+          </a:xfrm>
+        </p:spPr>
+        <p:txBody>
+          <a:bodyPr>
+            <a:noAutofit/>
+          </a:bodyPr>
+          <a:lstStyle/>
+          <a:p>
+            <a:r>
+              <a:rPr lang="en-US" sz="5400" dirty="0" smtClean="0"/>
+              <a:t>Container Cluster Manager Frameworks</a:t>
+            </a:r>
+            <a:endParaRPr lang="en-US" sz="5400" dirty="0"/>
+          </a:p>
+        </p:txBody>
+      </p:sp>
+      <p:sp>
+        <p:nvSpPr>
+          <p:cNvPr id="3" name="Content Placeholder 2"/>
+          <p:cNvSpPr>
+            <a:spLocks noGrp="1"/>
+          </p:cNvSpPr>
+          <p:nvPr>
+            <p:ph idx="1"/>
+          </p:nvPr>
+        </p:nvSpPr>
+        <p:spPr>
+          <a:xfrm>
+            <a:off x="211667" y="1825624"/>
+            <a:ext cx="11810999" cy="4812243"/>
+          </a:xfrm>
+        </p:spPr>
+        <p:txBody>
+          <a:bodyPr>
+            <a:noAutofit/>
+          </a:bodyPr>
+          <a:lstStyle/>
+          <a:p>
+            <a:r>
+              <a:rPr lang="en-US" sz="3200" dirty="0" smtClean="0"/>
+              <a:t>Open-source tools: </a:t>
+            </a:r>
+            <a:r>
+              <a:rPr lang="en-US" sz="3200" dirty="0" err="1" smtClean="0"/>
+              <a:t>eg</a:t>
+            </a:r>
+            <a:r>
+              <a:rPr lang="en-US" sz="3200" dirty="0"/>
+              <a:t> </a:t>
+            </a:r>
+            <a:r>
+              <a:rPr lang="en-US" sz="3200" i="1" dirty="0" smtClean="0"/>
+              <a:t>Kubernetes</a:t>
+            </a:r>
+            <a:r>
+              <a:rPr lang="en-US" sz="3200" dirty="0" smtClean="0"/>
+              <a:t> and </a:t>
+            </a:r>
+            <a:r>
+              <a:rPr lang="en-US" sz="3200" i="1" dirty="0" err="1" smtClean="0"/>
+              <a:t>Mesos</a:t>
+            </a:r>
+            <a:endParaRPr lang="en-US" sz="3200" i="1" dirty="0"/>
+          </a:p>
+          <a:p>
+            <a:r>
+              <a:rPr lang="en-US" sz="3200" dirty="0" smtClean="0"/>
+              <a:t>Allow you to easily deploy and monitor Docker containers on different servers</a:t>
+            </a:r>
+          </a:p>
+          <a:p>
+            <a:r>
+              <a:rPr lang="en-US" sz="3200" i="1" dirty="0" smtClean="0"/>
+              <a:t>Kubernetes</a:t>
+            </a:r>
+            <a:r>
+              <a:rPr lang="en-US" sz="3200" dirty="0" smtClean="0"/>
+              <a:t> created at Google, and used internally for their systems</a:t>
+            </a:r>
+          </a:p>
+          <a:p>
+            <a:r>
+              <a:rPr lang="en-US" sz="3200" dirty="0" smtClean="0"/>
+              <a:t>Note: we will not use such tools in this course, but you need to know about them</a:t>
+            </a:r>
+          </a:p>
+          <a:p>
+            <a:r>
+              <a:rPr lang="en-US" sz="3200" dirty="0" smtClean="0"/>
+              <a:t>We will use </a:t>
+            </a:r>
+            <a:r>
+              <a:rPr lang="en-US" sz="3200" i="1" dirty="0" smtClean="0"/>
+              <a:t>Docker-Compose</a:t>
+            </a:r>
+            <a:r>
+              <a:rPr lang="en-US" sz="3200" dirty="0" smtClean="0"/>
+              <a:t> to start a static set of Docker images, without automated scaling or failure restart handling</a:t>
+            </a:r>
+          </a:p>
+        </p:txBody>
+      </p:sp>
+    </p:spTree>
+    <p:extLst>
+      <p:ext uri="{BB962C8B-B14F-4D97-AF65-F5344CB8AC3E}">
+        <p14:creationId xmlns:p14="http://schemas.microsoft.com/office/powerpoint/2010/main" val="3397496718"/>
+      </p:ext>
+    </p:extLst>
+  </p:cSld>
+  <p:clrMapOvr>
+    <a:masterClrMapping/>
+  </p:clrMapOvr>
+</p:sld>
+</file>
+
+<file path=ppt/slides/slide27.xml><?xml version="1.0" encoding="utf-8"?>
+<p:sld xmlns:a="http://schemas.openxmlformats.org/drawingml/2006/main" xmlns:r="http://schemas.openxmlformats.org/officeDocument/2006/relationships" xmlns:p="http://schemas.openxmlformats.org/presentationml/2006/main">
+  <p:cSld>
+    <p:spTree>
+      <p:nvGrpSpPr>
+        <p:cNvPr id="1" name=""/>
+        <p:cNvGrpSpPr/>
+        <p:nvPr/>
+      </p:nvGrpSpPr>
+      <p:grpSpPr>
+        <a:xfrm>
+          <a:off x="0" y="0"/>
+          <a:ext cx="0" cy="0"/>
+          <a:chOff x="0" y="0"/>
+          <a:chExt cx="0" cy="0"/>
+        </a:xfrm>
+      </p:grpSpPr>
+      <p:sp>
+        <p:nvSpPr>
           <p:cNvPr id="4" name="Title 3"/>
           <p:cNvSpPr>
             <a:spLocks noGrp="1"/>
@@ -10706,7 +11144,7 @@
 </p:sld>
 </file>
 
-<file path=ppt/slides/slide26.xml><?xml version="1.0" encoding="utf-8"?>
+<file path=ppt/slides/slide28.xml><?xml version="1.0" encoding="utf-8"?>
 <p:sld xmlns:a="http://schemas.openxmlformats.org/drawingml/2006/main" xmlns:r="http://schemas.openxmlformats.org/officeDocument/2006/relationships" xmlns:p="http://schemas.openxmlformats.org/presentationml/2006/main">
   <p:cSld>
     <p:spTree>
@@ -10760,7 +11198,7 @@
 </p:sld>
 </file>
 
-<file path=ppt/slides/slide27.xml><?xml version="1.0" encoding="utf-8"?>
+<file path=ppt/slides/slide29.xml><?xml version="1.0" encoding="utf-8"?>
 <p:sld xmlns:a="http://schemas.openxmlformats.org/drawingml/2006/main" xmlns:r="http://schemas.openxmlformats.org/officeDocument/2006/relationships" xmlns:p="http://schemas.openxmlformats.org/presentationml/2006/main">
   <p:cSld>
     <p:spTree>
@@ -10922,7 +11360,145 @@
 </p:sld>
 </file>
 
-<file path=ppt/slides/slide28.xml><?xml version="1.0" encoding="utf-8"?>
+<file path=ppt/slides/slide3.xml><?xml version="1.0" encoding="utf-8"?>
+<p:sld xmlns:a="http://schemas.openxmlformats.org/drawingml/2006/main" xmlns:r="http://schemas.openxmlformats.org/officeDocument/2006/relationships" xmlns:p="http://schemas.openxmlformats.org/presentationml/2006/main">
+  <p:cSld>
+    <p:spTree>
+      <p:nvGrpSpPr>
+        <p:cNvPr id="1" name=""/>
+        <p:cNvGrpSpPr/>
+        <p:nvPr/>
+      </p:nvGrpSpPr>
+      <p:grpSpPr>
+        <a:xfrm>
+          <a:off x="0" y="0"/>
+          <a:ext cx="0" cy="0"/>
+          <a:chOff x="0" y="0"/>
+          <a:chExt cx="0" cy="0"/>
+        </a:xfrm>
+      </p:grpSpPr>
+      <p:sp>
+        <p:nvSpPr>
+          <p:cNvPr id="2" name="Title 1"/>
+          <p:cNvSpPr>
+            <a:spLocks noGrp="1"/>
+          </p:cNvSpPr>
+          <p:nvPr>
+            <p:ph type="title"/>
+          </p:nvPr>
+        </p:nvSpPr>
+        <p:spPr/>
+        <p:txBody>
+          <a:bodyPr>
+            <a:normAutofit/>
+          </a:bodyPr>
+          <a:lstStyle/>
+          <a:p>
+            <a:r>
+              <a:rPr lang="en-US" sz="6600" dirty="0" smtClean="0"/>
+              <a:t>The Monolith</a:t>
+            </a:r>
+            <a:endParaRPr lang="en-US" sz="6600" dirty="0"/>
+          </a:p>
+        </p:txBody>
+      </p:sp>
+      <p:sp>
+        <p:nvSpPr>
+          <p:cNvPr id="3" name="Content Placeholder 2"/>
+          <p:cNvSpPr>
+            <a:spLocks noGrp="1"/>
+          </p:cNvSpPr>
+          <p:nvPr>
+            <p:ph idx="1"/>
+          </p:nvPr>
+        </p:nvSpPr>
+        <p:spPr>
+          <a:xfrm>
+            <a:off x="160867" y="1825625"/>
+            <a:ext cx="11861800" cy="4913842"/>
+          </a:xfrm>
+        </p:spPr>
+        <p:txBody>
+          <a:bodyPr>
+            <a:noAutofit/>
+          </a:bodyPr>
+          <a:lstStyle/>
+          <a:p>
+            <a:r>
+              <a:rPr lang="en-US" sz="3600" dirty="0" smtClean="0"/>
+              <a:t>Single enterprise application containing everything</a:t>
+            </a:r>
+          </a:p>
+          <a:p>
+            <a:pPr lvl="1"/>
+            <a:r>
+              <a:rPr lang="en-US" sz="3200" dirty="0" err="1" smtClean="0"/>
+              <a:t>Eg</a:t>
+            </a:r>
+            <a:r>
+              <a:rPr lang="en-US" sz="3200" dirty="0" smtClean="0"/>
+              <a:t>, single WAR deployed on a </a:t>
+            </a:r>
+            <a:r>
+              <a:rPr lang="en-US" sz="3200" dirty="0" err="1" smtClean="0"/>
+              <a:t>Wildfly</a:t>
+            </a:r>
+            <a:r>
+              <a:rPr lang="en-US" sz="3200" dirty="0" smtClean="0"/>
+              <a:t>/Glassfish server</a:t>
+            </a:r>
+          </a:p>
+          <a:p>
+            <a:pPr lvl="1"/>
+            <a:r>
+              <a:rPr lang="en-US" sz="3200" dirty="0" smtClean="0"/>
+              <a:t>Note: can still be divided in packages/modules, but the packaged “executable” will just be a single file (</a:t>
+            </a:r>
+            <a:r>
+              <a:rPr lang="en-US" sz="3200" dirty="0" err="1" smtClean="0"/>
+              <a:t>eg</a:t>
+            </a:r>
+            <a:r>
+              <a:rPr lang="en-US" sz="3200" dirty="0" smtClean="0"/>
+              <a:t> WAR or JAR)</a:t>
+            </a:r>
+          </a:p>
+          <a:p>
+            <a:r>
+              <a:rPr lang="en-US" sz="3600" dirty="0" smtClean="0"/>
+              <a:t>On non-trivial systems, can easily be more than 1 million lines of code</a:t>
+            </a:r>
+          </a:p>
+          <a:p>
+            <a:r>
+              <a:rPr lang="en-US" sz="3600" dirty="0" smtClean="0"/>
+              <a:t>Extremely common</a:t>
+            </a:r>
+          </a:p>
+          <a:p>
+            <a:pPr lvl="1"/>
+            <a:r>
+              <a:rPr lang="en-US" sz="3200" dirty="0" smtClean="0"/>
+              <a:t>Most enterprise systems developed until the 2010-2015 years are monoliths</a:t>
+            </a:r>
+            <a:endParaRPr lang="en-US" sz="3200" dirty="0"/>
+          </a:p>
+        </p:txBody>
+      </p:sp>
+    </p:spTree>
+    <p:extLst>
+      <p:ext uri="{BB962C8B-B14F-4D97-AF65-F5344CB8AC3E}">
+        <p14:creationId xmlns:p14="http://schemas.microsoft.com/office/powerpoint/2010/main" val="2772570791"/>
+      </p:ext>
+    </p:extLst>
+  </p:cSld>
+  <p:clrMapOvr>
+    <a:masterClrMapping/>
+  </p:clrMapOvr>
+</p:sld>
+</file>
+
+<file path=ppt/slides/slide30.xml><?xml version="1.0" encoding="utf-8"?>
 <p:sld xmlns:a="http://schemas.openxmlformats.org/drawingml/2006/main" xmlns:r="http://schemas.openxmlformats.org/officeDocument/2006/relationships" xmlns:p="http://schemas.openxmlformats.org/presentationml/2006/main">
   <p:cSld>
     <p:spTree>
@@ -10976,7 +11552,7 @@
 </p:sld>
 </file>
 
-<file path=ppt/slides/slide29.xml><?xml version="1.0" encoding="utf-8"?>
+<file path=ppt/slides/slide31.xml><?xml version="1.0" encoding="utf-8"?>
 <p:sld xmlns:a="http://schemas.openxmlformats.org/drawingml/2006/main" xmlns:r="http://schemas.openxmlformats.org/officeDocument/2006/relationships" xmlns:p="http://schemas.openxmlformats.org/presentationml/2006/main">
   <p:cSld>
     <p:spTree>
@@ -11092,145 +11668,7 @@
 </p:sld>
 </file>
 
-<file path=ppt/slides/slide3.xml><?xml version="1.0" encoding="utf-8"?>
-<p:sld xmlns:a="http://schemas.openxmlformats.org/drawingml/2006/main" xmlns:r="http://schemas.openxmlformats.org/officeDocument/2006/relationships" xmlns:p="http://schemas.openxmlformats.org/presentationml/2006/main">
-  <p:cSld>
-    <p:spTree>
-      <p:nvGrpSpPr>
-        <p:cNvPr id="1" name=""/>
-        <p:cNvGrpSpPr/>
-        <p:nvPr/>
-      </p:nvGrpSpPr>
-      <p:grpSpPr>
-        <a:xfrm>
-          <a:off x="0" y="0"/>
-          <a:ext cx="0" cy="0"/>
-          <a:chOff x="0" y="0"/>
-          <a:chExt cx="0" cy="0"/>
-        </a:xfrm>
-      </p:grpSpPr>
-      <p:sp>
-        <p:nvSpPr>
-          <p:cNvPr id="2" name="Title 1"/>
-          <p:cNvSpPr>
-            <a:spLocks noGrp="1"/>
-          </p:cNvSpPr>
-          <p:nvPr>
-            <p:ph type="title"/>
-          </p:nvPr>
-        </p:nvSpPr>
-        <p:spPr/>
-        <p:txBody>
-          <a:bodyPr>
-            <a:normAutofit/>
-          </a:bodyPr>
-          <a:lstStyle/>
-          <a:p>
-            <a:r>
-              <a:rPr lang="en-US" sz="6600" dirty="0" smtClean="0"/>
-              <a:t>The Monolith</a:t>
-            </a:r>
-            <a:endParaRPr lang="en-US" sz="6600" dirty="0"/>
-          </a:p>
-        </p:txBody>
-      </p:sp>
-      <p:sp>
-        <p:nvSpPr>
-          <p:cNvPr id="3" name="Content Placeholder 2"/>
-          <p:cNvSpPr>
-            <a:spLocks noGrp="1"/>
-          </p:cNvSpPr>
-          <p:nvPr>
-            <p:ph idx="1"/>
-          </p:nvPr>
-        </p:nvSpPr>
-        <p:spPr>
-          <a:xfrm>
-            <a:off x="160867" y="1825625"/>
-            <a:ext cx="11861800" cy="4913842"/>
-          </a:xfrm>
-        </p:spPr>
-        <p:txBody>
-          <a:bodyPr>
-            <a:noAutofit/>
-          </a:bodyPr>
-          <a:lstStyle/>
-          <a:p>
-            <a:r>
-              <a:rPr lang="en-US" sz="3600" dirty="0" smtClean="0"/>
-              <a:t>Single enterprise application containing everything</a:t>
-            </a:r>
-          </a:p>
-          <a:p>
-            <a:pPr lvl="1"/>
-            <a:r>
-              <a:rPr lang="en-US" sz="3200" dirty="0" err="1" smtClean="0"/>
-              <a:t>Eg</a:t>
-            </a:r>
-            <a:r>
-              <a:rPr lang="en-US" sz="3200" dirty="0" smtClean="0"/>
-              <a:t>, single WAR deployed on a </a:t>
-            </a:r>
-            <a:r>
-              <a:rPr lang="en-US" sz="3200" dirty="0" err="1" smtClean="0"/>
-              <a:t>Wildfly</a:t>
-            </a:r>
-            <a:r>
-              <a:rPr lang="en-US" sz="3200" dirty="0" smtClean="0"/>
-              <a:t>/Glassfish server</a:t>
-            </a:r>
-          </a:p>
-          <a:p>
-            <a:pPr lvl="1"/>
-            <a:r>
-              <a:rPr lang="en-US" sz="3200" dirty="0" smtClean="0"/>
-              <a:t>Note: can still be divided in packages/modules, but the packaged “executable” will just be a single file (</a:t>
-            </a:r>
-            <a:r>
-              <a:rPr lang="en-US" sz="3200" dirty="0" err="1" smtClean="0"/>
-              <a:t>eg</a:t>
-            </a:r>
-            <a:r>
-              <a:rPr lang="en-US" sz="3200" dirty="0" smtClean="0"/>
-              <a:t> WAR or JAR)</a:t>
-            </a:r>
-          </a:p>
-          <a:p>
-            <a:r>
-              <a:rPr lang="en-US" sz="3600" dirty="0" smtClean="0"/>
-              <a:t>On non-trivial systems, can easily be more than 1 million lines of code</a:t>
-            </a:r>
-          </a:p>
-          <a:p>
-            <a:r>
-              <a:rPr lang="en-US" sz="3600" dirty="0" smtClean="0"/>
-              <a:t>Extremely common</a:t>
-            </a:r>
-          </a:p>
-          <a:p>
-            <a:pPr lvl="1"/>
-            <a:r>
-              <a:rPr lang="en-US" sz="3200" dirty="0" smtClean="0"/>
-              <a:t>Most enterprise systems developed until the 2010-2015 years are monoliths</a:t>
-            </a:r>
-            <a:endParaRPr lang="en-US" sz="3200" dirty="0"/>
-          </a:p>
-        </p:txBody>
-      </p:sp>
-    </p:spTree>
-    <p:extLst>
-      <p:ext uri="{BB962C8B-B14F-4D97-AF65-F5344CB8AC3E}">
-        <p14:creationId xmlns:p14="http://schemas.microsoft.com/office/powerpoint/2010/main" val="2772570791"/>
-      </p:ext>
-    </p:extLst>
-  </p:cSld>
-  <p:clrMapOvr>
-    <a:masterClrMapping/>
-  </p:clrMapOvr>
-</p:sld>
-</file>
-
-<file path=ppt/slides/slide30.xml><?xml version="1.0" encoding="utf-8"?>
+<file path=ppt/slides/slide32.xml><?xml version="1.0" encoding="utf-8"?>
 <p:sld xmlns:a="http://schemas.openxmlformats.org/drawingml/2006/main" xmlns:r="http://schemas.openxmlformats.org/officeDocument/2006/relationships" xmlns:p="http://schemas.openxmlformats.org/presentationml/2006/main">
   <p:cSld>
     <p:spTree>
@@ -11361,7 +11799,7 @@
 </p:sld>
 </file>
 
-<file path=ppt/slides/slide31.xml><?xml version="1.0" encoding="utf-8"?>
+<file path=ppt/slides/slide33.xml><?xml version="1.0" encoding="utf-8"?>
 <p:sld xmlns:a="http://schemas.openxmlformats.org/drawingml/2006/main" xmlns:r="http://schemas.openxmlformats.org/officeDocument/2006/relationships" xmlns:p="http://schemas.openxmlformats.org/presentationml/2006/main">
   <p:cSld>
     <p:spTree>
@@ -11531,7 +11969,7 @@
 </p:sld>
 </file>
 
-<file path=ppt/slides/slide32.xml><?xml version="1.0" encoding="utf-8"?>
+<file path=ppt/slides/slide34.xml><?xml version="1.0" encoding="utf-8"?>
 <p:sld xmlns:a="http://schemas.openxmlformats.org/drawingml/2006/main" xmlns:r="http://schemas.openxmlformats.org/officeDocument/2006/relationships" xmlns:p="http://schemas.openxmlformats.org/presentationml/2006/main">
   <p:cSld>
     <p:spTree>
@@ -11585,7 +12023,7 @@
 </p:sld>
 </file>
 
-<file path=ppt/slides/slide33.xml><?xml version="1.0" encoding="utf-8"?>
+<file path=ppt/slides/slide35.xml><?xml version="1.0" encoding="utf-8"?>
 <p:sld xmlns:a="http://schemas.openxmlformats.org/drawingml/2006/main" xmlns:r="http://schemas.openxmlformats.org/officeDocument/2006/relationships" xmlns:p="http://schemas.openxmlformats.org/presentationml/2006/main">
   <p:cSld>
     <p:spTree>
@@ -11714,15 +12152,7 @@
           <a:p>
             <a:r>
               <a:rPr lang="en-US" dirty="0" smtClean="0"/>
-              <a:t>Broker can guarantee delivery: messages </a:t>
-            </a:r>
-            <a:r>
-              <a:rPr lang="en-US" dirty="0" smtClean="0"/>
-              <a:t>can be saved </a:t>
-            </a:r>
-            <a:r>
-              <a:rPr lang="en-US" dirty="0" smtClean="0"/>
-              <a:t>to disk, and clients can receive messages sent </a:t>
+              <a:t>Broker can guarantee delivery: messages can be saved to disk, and clients can receive messages sent </a:t>
             </a:r>
             <a:r>
               <a:rPr lang="en-US" i="1" dirty="0" smtClean="0"/>
@@ -11751,7 +12181,7 @@
 </p:sld>
 </file>
 
-<file path=ppt/slides/slide34.xml><?xml version="1.0" encoding="utf-8"?>
+<file path=ppt/slides/slide36.xml><?xml version="1.0" encoding="utf-8"?>
 <p:sld xmlns:a="http://schemas.openxmlformats.org/drawingml/2006/main" xmlns:r="http://schemas.openxmlformats.org/officeDocument/2006/relationships" xmlns:p="http://schemas.openxmlformats.org/presentationml/2006/main">
   <p:cSld>
     <p:spTree>
@@ -11847,311 +12277,6 @@
 </p:sld>
 </file>
 
-<file path=ppt/slides/slide35.xml><?xml version="1.0" encoding="utf-8"?>
-<p:sld xmlns:a="http://schemas.openxmlformats.org/drawingml/2006/main" xmlns:r="http://schemas.openxmlformats.org/officeDocument/2006/relationships" xmlns:p="http://schemas.openxmlformats.org/presentationml/2006/main">
-  <p:cSld>
-    <p:spTree>
-      <p:nvGrpSpPr>
-        <p:cNvPr id="1" name=""/>
-        <p:cNvGrpSpPr/>
-        <p:nvPr/>
-      </p:nvGrpSpPr>
-      <p:grpSpPr>
-        <a:xfrm>
-          <a:off x="0" y="0"/>
-          <a:ext cx="0" cy="0"/>
-          <a:chOff x="0" y="0"/>
-          <a:chExt cx="0" cy="0"/>
-        </a:xfrm>
-      </p:grpSpPr>
-      <p:sp>
-        <p:nvSpPr>
-          <p:cNvPr id="2" name="Title 1"/>
-          <p:cNvSpPr>
-            <a:spLocks noGrp="1"/>
-          </p:cNvSpPr>
-          <p:nvPr>
-            <p:ph type="title"/>
-          </p:nvPr>
-        </p:nvSpPr>
-        <p:spPr>
-          <a:xfrm>
-            <a:off x="169333" y="94191"/>
-            <a:ext cx="11751733" cy="1325563"/>
-          </a:xfrm>
-        </p:spPr>
-        <p:txBody>
-          <a:bodyPr>
-            <a:noAutofit/>
-          </a:bodyPr>
-          <a:lstStyle/>
-          <a:p>
-            <a:r>
-              <a:rPr lang="en-US" sz="5400" dirty="0" smtClean="0"/>
-              <a:t>Message-Oriented Middleware </a:t>
-            </a:r>
-            <a:r>
-              <a:rPr lang="en-US" sz="5400" dirty="0"/>
-              <a:t>(MOM)</a:t>
-            </a:r>
-          </a:p>
-        </p:txBody>
-      </p:sp>
-      <p:sp>
-        <p:nvSpPr>
-          <p:cNvPr id="3" name="Content Placeholder 2"/>
-          <p:cNvSpPr>
-            <a:spLocks noGrp="1"/>
-          </p:cNvSpPr>
-          <p:nvPr>
-            <p:ph idx="1"/>
-          </p:nvPr>
-        </p:nvSpPr>
-        <p:spPr>
-          <a:xfrm>
-            <a:off x="169333" y="1614488"/>
-            <a:ext cx="11892965" cy="4830548"/>
-          </a:xfrm>
-        </p:spPr>
-        <p:txBody>
-          <a:bodyPr>
-            <a:noAutofit/>
-          </a:bodyPr>
-          <a:lstStyle/>
-          <a:p>
-            <a:r>
-              <a:rPr lang="en-US" sz="3200" dirty="0" smtClean="0"/>
-              <a:t>Different broker tools, in different programming languages</a:t>
-            </a:r>
-          </a:p>
-          <a:p>
-            <a:pPr lvl="1"/>
-            <a:r>
-              <a:rPr lang="en-US" sz="2800" dirty="0" err="1" smtClean="0"/>
-              <a:t>ActiveMQ</a:t>
-            </a:r>
-            <a:r>
-              <a:rPr lang="en-US" sz="2800" dirty="0"/>
-              <a:t>, </a:t>
-            </a:r>
-            <a:r>
-              <a:rPr lang="en-US" sz="2800" dirty="0" err="1" smtClean="0"/>
-              <a:t>RabbitMQ</a:t>
-            </a:r>
-            <a:r>
-              <a:rPr lang="en-US" sz="2800" dirty="0" smtClean="0"/>
-              <a:t>, </a:t>
-            </a:r>
-            <a:r>
-              <a:rPr lang="en-US" sz="2800" dirty="0" err="1" smtClean="0"/>
-              <a:t>Qpid</a:t>
-            </a:r>
-            <a:r>
-              <a:rPr lang="en-US" sz="2800" dirty="0" smtClean="0"/>
-              <a:t>, </a:t>
-            </a:r>
-            <a:r>
-              <a:rPr lang="en-US" sz="2800" dirty="0" err="1" smtClean="0"/>
-              <a:t>SonicMQ</a:t>
-            </a:r>
-            <a:r>
-              <a:rPr lang="en-US" sz="2800" dirty="0" smtClean="0"/>
-              <a:t>, etc.</a:t>
-            </a:r>
-          </a:p>
-          <a:p>
-            <a:r>
-              <a:rPr lang="en-US" sz="3200" dirty="0" smtClean="0"/>
-              <a:t>Different protocols as well</a:t>
-            </a:r>
-          </a:p>
-          <a:p>
-            <a:pPr lvl="1"/>
-            <a:r>
-              <a:rPr lang="en-US" sz="2800" dirty="0" err="1" smtClean="0"/>
-              <a:t>OpenWire</a:t>
-            </a:r>
-            <a:r>
-              <a:rPr lang="en-US" sz="2800" dirty="0" smtClean="0"/>
-              <a:t>, Stomp, AMQP, etc.</a:t>
-            </a:r>
-          </a:p>
-          <a:p>
-            <a:pPr lvl="1"/>
-            <a:r>
-              <a:rPr lang="en-US" sz="2800" dirty="0" smtClean="0"/>
-              <a:t>A broker can support several protocols, and translate/bridge one to the others</a:t>
-            </a:r>
-          </a:p>
-          <a:p>
-            <a:r>
-              <a:rPr lang="en-US" sz="3200" dirty="0" smtClean="0"/>
-              <a:t>Advanced Message Queuing Protocol (AMQP)</a:t>
-            </a:r>
-          </a:p>
-          <a:p>
-            <a:pPr lvl="1"/>
-            <a:r>
-              <a:rPr lang="en-US" sz="2800" dirty="0" smtClean="0"/>
-              <a:t>Language agnostic, can connect Java to </a:t>
-            </a:r>
-            <a:r>
-              <a:rPr lang="en-US" sz="2800" dirty="0" err="1" smtClean="0"/>
-              <a:t>NodeJS</a:t>
-            </a:r>
-            <a:r>
-              <a:rPr lang="en-US" sz="2800" dirty="0" smtClean="0"/>
-              <a:t> and C#</a:t>
-            </a:r>
-          </a:p>
-          <a:p>
-            <a:pPr lvl="1"/>
-            <a:r>
-              <a:rPr lang="en-US" sz="2800" dirty="0" smtClean="0"/>
-              <a:t>Very (most?) popular </a:t>
-            </a:r>
-            <a:r>
-              <a:rPr lang="en-US" sz="2800" dirty="0" smtClean="0"/>
-              <a:t>MOM</a:t>
-            </a:r>
-          </a:p>
-          <a:p>
-            <a:pPr lvl="1"/>
-            <a:r>
-              <a:rPr lang="en-US" sz="2800" dirty="0" smtClean="0"/>
-              <a:t>Another popular one is Kafka, but that is technically just a distributed log system</a:t>
-            </a:r>
-            <a:endParaRPr lang="en-US" sz="2800" dirty="0"/>
-          </a:p>
-        </p:txBody>
-      </p:sp>
-    </p:spTree>
-    <p:extLst>
-      <p:ext uri="{BB962C8B-B14F-4D97-AF65-F5344CB8AC3E}">
-        <p14:creationId xmlns:p14="http://schemas.microsoft.com/office/powerpoint/2010/main" val="1652640816"/>
-      </p:ext>
-    </p:extLst>
-  </p:cSld>
-  <p:clrMapOvr>
-    <a:masterClrMapping/>
-  </p:clrMapOvr>
-</p:sld>
-</file>
-
-<file path=ppt/slides/slide36.xml><?xml version="1.0" encoding="utf-8"?>
-<p:sld xmlns:a="http://schemas.openxmlformats.org/drawingml/2006/main" xmlns:r="http://schemas.openxmlformats.org/officeDocument/2006/relationships" xmlns:p="http://schemas.openxmlformats.org/presentationml/2006/main">
-  <p:cSld>
-    <p:spTree>
-      <p:nvGrpSpPr>
-        <p:cNvPr id="1" name=""/>
-        <p:cNvGrpSpPr/>
-        <p:nvPr/>
-      </p:nvGrpSpPr>
-      <p:grpSpPr>
-        <a:xfrm>
-          <a:off x="0" y="0"/>
-          <a:ext cx="0" cy="0"/>
-          <a:chOff x="0" y="0"/>
-          <a:chExt cx="0" cy="0"/>
-        </a:xfrm>
-      </p:grpSpPr>
-      <p:sp>
-        <p:nvSpPr>
-          <p:cNvPr id="2" name="Title 1"/>
-          <p:cNvSpPr>
-            <a:spLocks noGrp="1"/>
-          </p:cNvSpPr>
-          <p:nvPr>
-            <p:ph type="title"/>
-          </p:nvPr>
-        </p:nvSpPr>
-        <p:spPr/>
-        <p:txBody>
-          <a:bodyPr>
-            <a:normAutofit/>
-          </a:bodyPr>
-          <a:lstStyle/>
-          <a:p>
-            <a:r>
-              <a:rPr lang="en-US" sz="6600" dirty="0" err="1" smtClean="0"/>
-              <a:t>RabbitMQ</a:t>
-            </a:r>
-            <a:endParaRPr lang="en-US" sz="6600" dirty="0"/>
-          </a:p>
-        </p:txBody>
-      </p:sp>
-      <p:sp>
-        <p:nvSpPr>
-          <p:cNvPr id="3" name="Content Placeholder 2"/>
-          <p:cNvSpPr>
-            <a:spLocks noGrp="1"/>
-          </p:cNvSpPr>
-          <p:nvPr>
-            <p:ph idx="1"/>
-          </p:nvPr>
-        </p:nvSpPr>
-        <p:spPr>
-          <a:xfrm>
-            <a:off x="270933" y="1825625"/>
-            <a:ext cx="11633200" cy="4769908"/>
-          </a:xfrm>
-        </p:spPr>
-        <p:txBody>
-          <a:bodyPr>
-            <a:normAutofit/>
-          </a:bodyPr>
-          <a:lstStyle/>
-          <a:p>
-            <a:r>
-              <a:rPr lang="en-US" sz="3200" dirty="0"/>
-              <a:t>Written in </a:t>
-            </a:r>
-            <a:r>
-              <a:rPr lang="en-US" sz="3200" dirty="0" err="1" smtClean="0"/>
-              <a:t>Erlang</a:t>
-            </a:r>
-            <a:endParaRPr lang="en-US" sz="3200" dirty="0" smtClean="0"/>
-          </a:p>
-          <a:p>
-            <a:r>
-              <a:rPr lang="en-US" sz="3200" dirty="0" smtClean="0"/>
-              <a:t>Implementing AMQP </a:t>
-            </a:r>
-          </a:p>
-          <a:p>
-            <a:r>
-              <a:rPr lang="en-US" sz="3200" dirty="0" smtClean="0"/>
-              <a:t>It is the MOM we will use in this course</a:t>
-            </a:r>
-          </a:p>
-          <a:p>
-            <a:r>
-              <a:rPr lang="en-US" sz="3200" dirty="0" smtClean="0"/>
-              <a:t>We will start it with Docker</a:t>
-            </a:r>
-          </a:p>
-          <a:p>
-            <a:r>
-              <a:rPr lang="en-US" sz="3200" dirty="0" smtClean="0"/>
-              <a:t>We will look at its details in a later class, not here</a:t>
-            </a:r>
-            <a:endParaRPr lang="en-US" sz="3200" dirty="0"/>
-          </a:p>
-        </p:txBody>
-      </p:sp>
-    </p:spTree>
-    <p:extLst>
-      <p:ext uri="{BB962C8B-B14F-4D97-AF65-F5344CB8AC3E}">
-        <p14:creationId xmlns:p14="http://schemas.microsoft.com/office/powerpoint/2010/main" val="3956407501"/>
-      </p:ext>
-    </p:extLst>
-  </p:cSld>
-  <p:clrMapOvr>
-    <a:masterClrMapping/>
-  </p:clrMapOvr>
-</p:sld>
-</file>
-
 <file path=ppt/slides/slide37.xml><?xml version="1.0" encoding="utf-8"?>
 <p:sld xmlns:a="http://schemas.openxmlformats.org/drawingml/2006/main" xmlns:r="http://schemas.openxmlformats.org/officeDocument/2006/relationships" xmlns:p="http://schemas.openxmlformats.org/presentationml/2006/main">
   <p:cSld>
@@ -12179,6 +12304,307 @@
             <p:ph type="title"/>
           </p:nvPr>
         </p:nvSpPr>
+        <p:spPr>
+          <a:xfrm>
+            <a:off x="169333" y="94191"/>
+            <a:ext cx="11751733" cy="1325563"/>
+          </a:xfrm>
+        </p:spPr>
+        <p:txBody>
+          <a:bodyPr>
+            <a:noAutofit/>
+          </a:bodyPr>
+          <a:lstStyle/>
+          <a:p>
+            <a:r>
+              <a:rPr lang="en-US" sz="5400" dirty="0" smtClean="0"/>
+              <a:t>Message-Oriented Middleware </a:t>
+            </a:r>
+            <a:r>
+              <a:rPr lang="en-US" sz="5400" dirty="0"/>
+              <a:t>(MOM)</a:t>
+            </a:r>
+          </a:p>
+        </p:txBody>
+      </p:sp>
+      <p:sp>
+        <p:nvSpPr>
+          <p:cNvPr id="3" name="Content Placeholder 2"/>
+          <p:cNvSpPr>
+            <a:spLocks noGrp="1"/>
+          </p:cNvSpPr>
+          <p:nvPr>
+            <p:ph idx="1"/>
+          </p:nvPr>
+        </p:nvSpPr>
+        <p:spPr>
+          <a:xfrm>
+            <a:off x="169333" y="1614488"/>
+            <a:ext cx="11892965" cy="4830548"/>
+          </a:xfrm>
+        </p:spPr>
+        <p:txBody>
+          <a:bodyPr>
+            <a:noAutofit/>
+          </a:bodyPr>
+          <a:lstStyle/>
+          <a:p>
+            <a:r>
+              <a:rPr lang="en-US" sz="3200" dirty="0" smtClean="0"/>
+              <a:t>Different broker tools, in different programming languages</a:t>
+            </a:r>
+          </a:p>
+          <a:p>
+            <a:pPr lvl="1"/>
+            <a:r>
+              <a:rPr lang="en-US" sz="2800" dirty="0" err="1" smtClean="0"/>
+              <a:t>ActiveMQ</a:t>
+            </a:r>
+            <a:r>
+              <a:rPr lang="en-US" sz="2800" dirty="0"/>
+              <a:t>, </a:t>
+            </a:r>
+            <a:r>
+              <a:rPr lang="en-US" sz="2800" dirty="0" err="1" smtClean="0"/>
+              <a:t>RabbitMQ</a:t>
+            </a:r>
+            <a:r>
+              <a:rPr lang="en-US" sz="2800" dirty="0" smtClean="0"/>
+              <a:t>, </a:t>
+            </a:r>
+            <a:r>
+              <a:rPr lang="en-US" sz="2800" dirty="0" err="1" smtClean="0"/>
+              <a:t>Qpid</a:t>
+            </a:r>
+            <a:r>
+              <a:rPr lang="en-US" sz="2800" dirty="0" smtClean="0"/>
+              <a:t>, </a:t>
+            </a:r>
+            <a:r>
+              <a:rPr lang="en-US" sz="2800" dirty="0" err="1" smtClean="0"/>
+              <a:t>SonicMQ</a:t>
+            </a:r>
+            <a:r>
+              <a:rPr lang="en-US" sz="2800" dirty="0" smtClean="0"/>
+              <a:t>, etc.</a:t>
+            </a:r>
+          </a:p>
+          <a:p>
+            <a:r>
+              <a:rPr lang="en-US" sz="3200" dirty="0" smtClean="0"/>
+              <a:t>Different protocols as well</a:t>
+            </a:r>
+          </a:p>
+          <a:p>
+            <a:pPr lvl="1"/>
+            <a:r>
+              <a:rPr lang="en-US" sz="2800" dirty="0" err="1" smtClean="0"/>
+              <a:t>OpenWire</a:t>
+            </a:r>
+            <a:r>
+              <a:rPr lang="en-US" sz="2800" dirty="0" smtClean="0"/>
+              <a:t>, Stomp, AMQP, etc.</a:t>
+            </a:r>
+          </a:p>
+          <a:p>
+            <a:pPr lvl="1"/>
+            <a:r>
+              <a:rPr lang="en-US" sz="2800" dirty="0" smtClean="0"/>
+              <a:t>A broker can support several protocols, and translate/bridge one to the others</a:t>
+            </a:r>
+          </a:p>
+          <a:p>
+            <a:r>
+              <a:rPr lang="en-US" sz="3200" dirty="0" smtClean="0"/>
+              <a:t>Advanced Message Queuing Protocol (AMQP)</a:t>
+            </a:r>
+          </a:p>
+          <a:p>
+            <a:pPr lvl="1"/>
+            <a:r>
+              <a:rPr lang="en-US" sz="2800" dirty="0" smtClean="0"/>
+              <a:t>Language agnostic, can connect Java to </a:t>
+            </a:r>
+            <a:r>
+              <a:rPr lang="en-US" sz="2800" dirty="0" err="1" smtClean="0"/>
+              <a:t>NodeJS</a:t>
+            </a:r>
+            <a:r>
+              <a:rPr lang="en-US" sz="2800" dirty="0" smtClean="0"/>
+              <a:t> and C#</a:t>
+            </a:r>
+          </a:p>
+          <a:p>
+            <a:pPr lvl="1"/>
+            <a:r>
+              <a:rPr lang="en-US" sz="2800" dirty="0" smtClean="0"/>
+              <a:t>Very (most?) popular MOM</a:t>
+            </a:r>
+          </a:p>
+          <a:p>
+            <a:pPr lvl="1"/>
+            <a:r>
+              <a:rPr lang="en-US" sz="2800" dirty="0" smtClean="0"/>
+              <a:t>Another popular one is Kafka, but that is technically just a distributed log system</a:t>
+            </a:r>
+            <a:endParaRPr lang="en-US" sz="2800" dirty="0"/>
+          </a:p>
+        </p:txBody>
+      </p:sp>
+    </p:spTree>
+    <p:extLst>
+      <p:ext uri="{BB962C8B-B14F-4D97-AF65-F5344CB8AC3E}">
+        <p14:creationId xmlns:p14="http://schemas.microsoft.com/office/powerpoint/2010/main" val="1652640816"/>
+      </p:ext>
+    </p:extLst>
+  </p:cSld>
+  <p:clrMapOvr>
+    <a:masterClrMapping/>
+  </p:clrMapOvr>
+</p:sld>
+</file>
+
+<file path=ppt/slides/slide38.xml><?xml version="1.0" encoding="utf-8"?>
+<p:sld xmlns:a="http://schemas.openxmlformats.org/drawingml/2006/main" xmlns:r="http://schemas.openxmlformats.org/officeDocument/2006/relationships" xmlns:p="http://schemas.openxmlformats.org/presentationml/2006/main">
+  <p:cSld>
+    <p:spTree>
+      <p:nvGrpSpPr>
+        <p:cNvPr id="1" name=""/>
+        <p:cNvGrpSpPr/>
+        <p:nvPr/>
+      </p:nvGrpSpPr>
+      <p:grpSpPr>
+        <a:xfrm>
+          <a:off x="0" y="0"/>
+          <a:ext cx="0" cy="0"/>
+          <a:chOff x="0" y="0"/>
+          <a:chExt cx="0" cy="0"/>
+        </a:xfrm>
+      </p:grpSpPr>
+      <p:sp>
+        <p:nvSpPr>
+          <p:cNvPr id="2" name="Title 1"/>
+          <p:cNvSpPr>
+            <a:spLocks noGrp="1"/>
+          </p:cNvSpPr>
+          <p:nvPr>
+            <p:ph type="title"/>
+          </p:nvPr>
+        </p:nvSpPr>
+        <p:spPr/>
+        <p:txBody>
+          <a:bodyPr>
+            <a:normAutofit/>
+          </a:bodyPr>
+          <a:lstStyle/>
+          <a:p>
+            <a:r>
+              <a:rPr lang="en-US" sz="6600" dirty="0" err="1" smtClean="0"/>
+              <a:t>RabbitMQ</a:t>
+            </a:r>
+            <a:endParaRPr lang="en-US" sz="6600" dirty="0"/>
+          </a:p>
+        </p:txBody>
+      </p:sp>
+      <p:sp>
+        <p:nvSpPr>
+          <p:cNvPr id="3" name="Content Placeholder 2"/>
+          <p:cNvSpPr>
+            <a:spLocks noGrp="1"/>
+          </p:cNvSpPr>
+          <p:nvPr>
+            <p:ph idx="1"/>
+          </p:nvPr>
+        </p:nvSpPr>
+        <p:spPr>
+          <a:xfrm>
+            <a:off x="270933" y="1825625"/>
+            <a:ext cx="11633200" cy="4769908"/>
+          </a:xfrm>
+        </p:spPr>
+        <p:txBody>
+          <a:bodyPr>
+            <a:normAutofit/>
+          </a:bodyPr>
+          <a:lstStyle/>
+          <a:p>
+            <a:r>
+              <a:rPr lang="en-US" sz="3200" dirty="0"/>
+              <a:t>Written in </a:t>
+            </a:r>
+            <a:r>
+              <a:rPr lang="en-US" sz="3200" dirty="0" err="1" smtClean="0"/>
+              <a:t>Erlang</a:t>
+            </a:r>
+            <a:endParaRPr lang="en-US" sz="3200" dirty="0" smtClean="0"/>
+          </a:p>
+          <a:p>
+            <a:r>
+              <a:rPr lang="en-US" sz="3200" dirty="0" smtClean="0"/>
+              <a:t>Implementing AMQP </a:t>
+            </a:r>
+          </a:p>
+          <a:p>
+            <a:r>
+              <a:rPr lang="en-US" sz="3200" dirty="0" smtClean="0"/>
+              <a:t>It is the MOM we will use in this course</a:t>
+            </a:r>
+          </a:p>
+          <a:p>
+            <a:r>
+              <a:rPr lang="en-US" sz="3200" dirty="0" smtClean="0"/>
+              <a:t>We will start it with Docker</a:t>
+            </a:r>
+          </a:p>
+          <a:p>
+            <a:r>
+              <a:rPr lang="en-US" sz="3200" dirty="0" smtClean="0"/>
+              <a:t>We will look at its details in a later class, not here</a:t>
+            </a:r>
+            <a:endParaRPr lang="en-US" sz="3200" dirty="0"/>
+          </a:p>
+        </p:txBody>
+      </p:sp>
+    </p:spTree>
+    <p:extLst>
+      <p:ext uri="{BB962C8B-B14F-4D97-AF65-F5344CB8AC3E}">
+        <p14:creationId xmlns:p14="http://schemas.microsoft.com/office/powerpoint/2010/main" val="3956407501"/>
+      </p:ext>
+    </p:extLst>
+  </p:cSld>
+  <p:clrMapOvr>
+    <a:masterClrMapping/>
+  </p:clrMapOvr>
+</p:sld>
+</file>
+
+<file path=ppt/slides/slide39.xml><?xml version="1.0" encoding="utf-8"?>
+<p:sld xmlns:a="http://schemas.openxmlformats.org/drawingml/2006/main" xmlns:r="http://schemas.openxmlformats.org/officeDocument/2006/relationships" xmlns:p="http://schemas.openxmlformats.org/presentationml/2006/main">
+  <p:cSld>
+    <p:spTree>
+      <p:nvGrpSpPr>
+        <p:cNvPr id="1" name=""/>
+        <p:cNvGrpSpPr/>
+        <p:nvPr/>
+      </p:nvGrpSpPr>
+      <p:grpSpPr>
+        <a:xfrm>
+          <a:off x="0" y="0"/>
+          <a:ext cx="0" cy="0"/>
+          <a:chOff x="0" y="0"/>
+          <a:chExt cx="0" cy="0"/>
+        </a:xfrm>
+      </p:grpSpPr>
+      <p:sp>
+        <p:nvSpPr>
+          <p:cNvPr id="2" name="Title 1"/>
+          <p:cNvSpPr>
+            <a:spLocks noGrp="1"/>
+          </p:cNvSpPr>
+          <p:nvPr>
+            <p:ph type="title"/>
+          </p:nvPr>
+        </p:nvSpPr>
         <p:spPr/>
         <p:txBody>
           <a:bodyPr>
@@ -12254,22 +12680,14 @@
             <a:pPr lvl="1"/>
             <a:r>
               <a:rPr lang="is-IS" sz="2800" dirty="0" smtClean="0"/>
-              <a:t>X </a:t>
-            </a:r>
+              <a:t>X will ask the service registry for the IP address of Y </a:t>
+            </a:r>
+          </a:p>
+          <a:p>
+            <a:pPr lvl="1"/>
             <a:r>
               <a:rPr lang="is-IS" sz="2800" dirty="0" smtClean="0"/>
-              <a:t>will ask the service registry for the IP address of Y </a:t>
-            </a:r>
-          </a:p>
-          <a:p>
-            <a:pPr lvl="1"/>
-            <a:r>
-              <a:rPr lang="is-IS" sz="2800" dirty="0" smtClean="0"/>
-              <a:t>IP </a:t>
-            </a:r>
-            <a:r>
-              <a:rPr lang="is-IS" sz="2800" dirty="0" smtClean="0"/>
-              <a:t>address should not be hardcoded</a:t>
+              <a:t>IP address should not be hardcoded</a:t>
             </a:r>
           </a:p>
           <a:p>
@@ -12293,7 +12711,144 @@
 </p:sld>
 </file>
 
-<file path=ppt/slides/slide38.xml><?xml version="1.0" encoding="utf-8"?>
+<file path=ppt/slides/slide4.xml><?xml version="1.0" encoding="utf-8"?>
+<p:sld xmlns:a="http://schemas.openxmlformats.org/drawingml/2006/main" xmlns:r="http://schemas.openxmlformats.org/officeDocument/2006/relationships" xmlns:p="http://schemas.openxmlformats.org/presentationml/2006/main">
+  <p:cSld>
+    <p:spTree>
+      <p:nvGrpSpPr>
+        <p:cNvPr id="1" name=""/>
+        <p:cNvGrpSpPr/>
+        <p:nvPr/>
+      </p:nvGrpSpPr>
+      <p:grpSpPr>
+        <a:xfrm>
+          <a:off x="0" y="0"/>
+          <a:ext cx="0" cy="0"/>
+          <a:chOff x="0" y="0"/>
+          <a:chExt cx="0" cy="0"/>
+        </a:xfrm>
+      </p:grpSpPr>
+      <p:sp>
+        <p:nvSpPr>
+          <p:cNvPr id="2" name="Title 1"/>
+          <p:cNvSpPr>
+            <a:spLocks noGrp="1"/>
+          </p:cNvSpPr>
+          <p:nvPr>
+            <p:ph type="title"/>
+          </p:nvPr>
+        </p:nvSpPr>
+        <p:spPr/>
+        <p:txBody>
+          <a:bodyPr>
+            <a:normAutofit/>
+          </a:bodyPr>
+          <a:lstStyle/>
+          <a:p>
+            <a:r>
+              <a:rPr lang="en-US" sz="6600" dirty="0" smtClean="0"/>
+              <a:t>Monolith Hell</a:t>
+            </a:r>
+            <a:endParaRPr lang="en-US" sz="6600" dirty="0"/>
+          </a:p>
+        </p:txBody>
+      </p:sp>
+      <p:sp>
+        <p:nvSpPr>
+          <p:cNvPr id="3" name="Content Placeholder 2"/>
+          <p:cNvSpPr>
+            <a:spLocks noGrp="1"/>
+          </p:cNvSpPr>
+          <p:nvPr>
+            <p:ph idx="1"/>
+          </p:nvPr>
+        </p:nvSpPr>
+        <p:spPr>
+          <a:xfrm>
+            <a:off x="203200" y="1825625"/>
+            <a:ext cx="11836400" cy="4922308"/>
+          </a:xfrm>
+        </p:spPr>
+        <p:txBody>
+          <a:bodyPr>
+            <a:noAutofit/>
+          </a:bodyPr>
+          <a:lstStyle/>
+          <a:p>
+            <a:r>
+              <a:rPr lang="en-US" sz="3200" dirty="0" smtClean="0"/>
+              <a:t>Lot of issues with monolith applications</a:t>
+            </a:r>
+          </a:p>
+          <a:p>
+            <a:r>
+              <a:rPr lang="en-US" sz="3200" dirty="0" smtClean="0"/>
+              <a:t>What happens when new developer joins the team? </a:t>
+            </a:r>
+            <a:endParaRPr lang="en-US" sz="3200" dirty="0"/>
+          </a:p>
+          <a:p>
+            <a:pPr lvl="1"/>
+            <a:r>
+              <a:rPr lang="en-US" sz="2800" dirty="0" smtClean="0"/>
+              <a:t>Understanding 1 million lines of code will take time before becoming productive</a:t>
+            </a:r>
+          </a:p>
+          <a:p>
+            <a:r>
+              <a:rPr lang="en-US" sz="3200" dirty="0" smtClean="0"/>
+              <a:t>What if for some specific task you need a different technology?</a:t>
+            </a:r>
+          </a:p>
+          <a:p>
+            <a:pPr lvl="1"/>
+            <a:r>
+              <a:rPr lang="en-US" sz="2800" dirty="0" err="1" smtClean="0"/>
+              <a:t>Eg</a:t>
+            </a:r>
+            <a:r>
+              <a:rPr lang="en-US" sz="2800" dirty="0" smtClean="0"/>
+              <a:t>, Python, </a:t>
+            </a:r>
+            <a:r>
+              <a:rPr lang="en-US" sz="2800" dirty="0" err="1" smtClean="0"/>
+              <a:t>NodeJS</a:t>
+            </a:r>
+            <a:r>
+              <a:rPr lang="en-US" sz="2800" dirty="0" smtClean="0"/>
+              <a:t>, etc.</a:t>
+            </a:r>
+          </a:p>
+          <a:p>
+            <a:r>
+              <a:rPr lang="en-US" sz="3200" dirty="0" smtClean="0"/>
+              <a:t>How to scale if some functionality is highly used?</a:t>
+            </a:r>
+          </a:p>
+          <a:p>
+            <a:pPr lvl="1"/>
+            <a:r>
+              <a:rPr lang="en-US" sz="2800" dirty="0" smtClean="0"/>
+              <a:t>Need to deploy the whole monolith on many machines, even  if you just need a small subset </a:t>
+            </a:r>
+            <a:endParaRPr lang="en-US" sz="2800" dirty="0"/>
+          </a:p>
+        </p:txBody>
+      </p:sp>
+    </p:spTree>
+    <p:extLst>
+      <p:ext uri="{BB962C8B-B14F-4D97-AF65-F5344CB8AC3E}">
+        <p14:creationId xmlns:p14="http://schemas.microsoft.com/office/powerpoint/2010/main" val="741694858"/>
+      </p:ext>
+    </p:extLst>
+  </p:cSld>
+  <p:clrMapOvr>
+    <a:masterClrMapping/>
+  </p:clrMapOvr>
+</p:sld>
+</file>
+
+<file path=ppt/slides/slide40.xml><?xml version="1.0" encoding="utf-8"?>
 <p:sld xmlns:a="http://schemas.openxmlformats.org/drawingml/2006/main" xmlns:r="http://schemas.openxmlformats.org/officeDocument/2006/relationships" xmlns:p="http://schemas.openxmlformats.org/presentationml/2006/main">
   <p:cSld>
     <p:spTree>
@@ -12476,7 +13031,7 @@
 </p:sld>
 </file>
 
-<file path=ppt/slides/slide39.xml><?xml version="1.0" encoding="utf-8"?>
+<file path=ppt/slides/slide41.xml><?xml version="1.0" encoding="utf-8"?>
 <p:sld xmlns:a="http://schemas.openxmlformats.org/drawingml/2006/main" xmlns:r="http://schemas.openxmlformats.org/officeDocument/2006/relationships" xmlns:p="http://schemas.openxmlformats.org/presentationml/2006/main">
   <p:cSld>
     <p:spTree>
@@ -12579,148 +13134,7 @@
 </p:sld>
 </file>
 
-<file path=ppt/slides/slide4.xml><?xml version="1.0" encoding="utf-8"?>
-<p:sld xmlns:a="http://schemas.openxmlformats.org/drawingml/2006/main" xmlns:r="http://schemas.openxmlformats.org/officeDocument/2006/relationships" xmlns:p="http://schemas.openxmlformats.org/presentationml/2006/main">
-  <p:cSld>
-    <p:spTree>
-      <p:nvGrpSpPr>
-        <p:cNvPr id="1" name=""/>
-        <p:cNvGrpSpPr/>
-        <p:nvPr/>
-      </p:nvGrpSpPr>
-      <p:grpSpPr>
-        <a:xfrm>
-          <a:off x="0" y="0"/>
-          <a:ext cx="0" cy="0"/>
-          <a:chOff x="0" y="0"/>
-          <a:chExt cx="0" cy="0"/>
-        </a:xfrm>
-      </p:grpSpPr>
-      <p:sp>
-        <p:nvSpPr>
-          <p:cNvPr id="2" name="Title 1"/>
-          <p:cNvSpPr>
-            <a:spLocks noGrp="1"/>
-          </p:cNvSpPr>
-          <p:nvPr>
-            <p:ph type="title"/>
-          </p:nvPr>
-        </p:nvSpPr>
-        <p:spPr/>
-        <p:txBody>
-          <a:bodyPr>
-            <a:normAutofit/>
-          </a:bodyPr>
-          <a:lstStyle/>
-          <a:p>
-            <a:r>
-              <a:rPr lang="en-US" sz="6600" dirty="0" smtClean="0"/>
-              <a:t>Monolith Hell</a:t>
-            </a:r>
-            <a:endParaRPr lang="en-US" sz="6600" dirty="0"/>
-          </a:p>
-        </p:txBody>
-      </p:sp>
-      <p:sp>
-        <p:nvSpPr>
-          <p:cNvPr id="3" name="Content Placeholder 2"/>
-          <p:cNvSpPr>
-            <a:spLocks noGrp="1"/>
-          </p:cNvSpPr>
-          <p:nvPr>
-            <p:ph idx="1"/>
-          </p:nvPr>
-        </p:nvSpPr>
-        <p:spPr>
-          <a:xfrm>
-            <a:off x="203200" y="1825625"/>
-            <a:ext cx="11836400" cy="4922308"/>
-          </a:xfrm>
-        </p:spPr>
-        <p:txBody>
-          <a:bodyPr>
-            <a:noAutofit/>
-          </a:bodyPr>
-          <a:lstStyle/>
-          <a:p>
-            <a:r>
-              <a:rPr lang="en-US" sz="3200" dirty="0" smtClean="0"/>
-              <a:t>Lot of issues with monolith applications</a:t>
-            </a:r>
-          </a:p>
-          <a:p>
-            <a:r>
-              <a:rPr lang="en-US" sz="3200" dirty="0" smtClean="0"/>
-              <a:t>What happens when new developer joins the team? </a:t>
-            </a:r>
-            <a:endParaRPr lang="en-US" sz="3200" dirty="0"/>
-          </a:p>
-          <a:p>
-            <a:pPr lvl="1"/>
-            <a:r>
-              <a:rPr lang="en-US" sz="2800" dirty="0" smtClean="0"/>
-              <a:t>Understanding 1 million lines of code will take time before becoming productive</a:t>
-            </a:r>
-          </a:p>
-          <a:p>
-            <a:r>
-              <a:rPr lang="en-US" sz="3200" dirty="0" smtClean="0"/>
-              <a:t>What if for some specific task you need a different technology?</a:t>
-            </a:r>
-          </a:p>
-          <a:p>
-            <a:pPr lvl="1"/>
-            <a:r>
-              <a:rPr lang="en-US" sz="2800" dirty="0" err="1" smtClean="0"/>
-              <a:t>Eg</a:t>
-            </a:r>
-            <a:r>
-              <a:rPr lang="en-US" sz="2800" dirty="0" smtClean="0"/>
-              <a:t>, Python, </a:t>
-            </a:r>
-            <a:r>
-              <a:rPr lang="en-US" sz="2800" dirty="0" err="1" smtClean="0"/>
-              <a:t>NodeJS</a:t>
-            </a:r>
-            <a:r>
-              <a:rPr lang="en-US" sz="2800" dirty="0" smtClean="0"/>
-              <a:t>, </a:t>
-            </a:r>
-            <a:r>
-              <a:rPr lang="en-US" sz="2800" dirty="0" smtClean="0"/>
-              <a:t>etc.</a:t>
-            </a:r>
-          </a:p>
-          <a:p>
-            <a:r>
-              <a:rPr lang="en-US" sz="3200" dirty="0" smtClean="0"/>
-              <a:t>How to scale if some functionality is highly used?</a:t>
-            </a:r>
-          </a:p>
-          <a:p>
-            <a:pPr lvl="1"/>
-            <a:r>
-              <a:rPr lang="en-US" sz="2800" dirty="0" smtClean="0"/>
-              <a:t>Need to deploy the whole monolith on many machines, even  if you just need a small subset </a:t>
-            </a:r>
-            <a:endParaRPr lang="en-US" sz="2800" dirty="0"/>
-          </a:p>
-        </p:txBody>
-      </p:sp>
-    </p:spTree>
-    <p:extLst>
-      <p:ext uri="{BB962C8B-B14F-4D97-AF65-F5344CB8AC3E}">
-        <p14:creationId xmlns:p14="http://schemas.microsoft.com/office/powerpoint/2010/main" val="741694858"/>
-      </p:ext>
-    </p:extLst>
-  </p:cSld>
-  <p:clrMapOvr>
-    <a:masterClrMapping/>
-  </p:clrMapOvr>
-</p:sld>
-</file>
-
-<file path=ppt/slides/slide40.xml><?xml version="1.0" encoding="utf-8"?>
+<file path=ppt/slides/slide42.xml><?xml version="1.0" encoding="utf-8"?>
 <p:sld xmlns:a="http://schemas.openxmlformats.org/drawingml/2006/main" xmlns:r="http://schemas.openxmlformats.org/officeDocument/2006/relationships" xmlns:p="http://schemas.openxmlformats.org/presentationml/2006/main">
   <p:cSld>
     <p:spTree>
@@ -12880,7 +13294,7 @@
 </p:sld>
 </file>
 
-<file path=ppt/slides/slide41.xml><?xml version="1.0" encoding="utf-8"?>
+<file path=ppt/slides/slide43.xml><?xml version="1.0" encoding="utf-8"?>
 <p:sld xmlns:a="http://schemas.openxmlformats.org/drawingml/2006/main" xmlns:r="http://schemas.openxmlformats.org/officeDocument/2006/relationships" xmlns:p="http://schemas.openxmlformats.org/presentationml/2006/main">
   <p:cSld>
     <p:spTree>
@@ -13035,312 +13449,6 @@
     <p:extLst>
       <p:ext uri="{BB962C8B-B14F-4D97-AF65-F5344CB8AC3E}">
         <p14:creationId xmlns:p14="http://schemas.microsoft.com/office/powerpoint/2010/main" val="2894143556"/>
-      </p:ext>
-    </p:extLst>
-  </p:cSld>
-  <p:clrMapOvr>
-    <a:masterClrMapping/>
-  </p:clrMapOvr>
-</p:sld>
-</file>
-
-<file path=ppt/slides/slide42.xml><?xml version="1.0" encoding="utf-8"?>
-<p:sld xmlns:a="http://schemas.openxmlformats.org/drawingml/2006/main" xmlns:r="http://schemas.openxmlformats.org/officeDocument/2006/relationships" xmlns:p="http://schemas.openxmlformats.org/presentationml/2006/main">
-  <p:cSld>
-    <p:spTree>
-      <p:nvGrpSpPr>
-        <p:cNvPr id="1" name=""/>
-        <p:cNvGrpSpPr/>
-        <p:nvPr/>
-      </p:nvGrpSpPr>
-      <p:grpSpPr>
-        <a:xfrm>
-          <a:off x="0" y="0"/>
-          <a:ext cx="0" cy="0"/>
-          <a:chOff x="0" y="0"/>
-          <a:chExt cx="0" cy="0"/>
-        </a:xfrm>
-      </p:grpSpPr>
-      <p:sp>
-        <p:nvSpPr>
-          <p:cNvPr id="2" name="Title 1"/>
-          <p:cNvSpPr>
-            <a:spLocks noGrp="1"/>
-          </p:cNvSpPr>
-          <p:nvPr>
-            <p:ph type="title"/>
-          </p:nvPr>
-        </p:nvSpPr>
-        <p:spPr>
-          <a:xfrm>
-            <a:off x="287867" y="365125"/>
-            <a:ext cx="11616266" cy="1325563"/>
-          </a:xfrm>
-        </p:spPr>
-        <p:txBody>
-          <a:bodyPr>
-            <a:noAutofit/>
-          </a:bodyPr>
-          <a:lstStyle/>
-          <a:p>
-            <a:r>
-              <a:rPr lang="en-US" sz="6600" dirty="0" smtClean="0"/>
-              <a:t>One-to-one communication, what if server is down?</a:t>
-            </a:r>
-            <a:endParaRPr lang="en-US" sz="6600" dirty="0"/>
-          </a:p>
-        </p:txBody>
-      </p:sp>
-      <p:sp>
-        <p:nvSpPr>
-          <p:cNvPr id="3" name="Content Placeholder 2"/>
-          <p:cNvSpPr>
-            <a:spLocks noGrp="1"/>
-          </p:cNvSpPr>
-          <p:nvPr>
-            <p:ph idx="1"/>
-          </p:nvPr>
-        </p:nvSpPr>
-        <p:spPr>
-          <a:xfrm>
-            <a:off x="287867" y="3221480"/>
-            <a:ext cx="11675533" cy="3273597"/>
-          </a:xfrm>
-        </p:spPr>
-        <p:txBody>
-          <a:bodyPr>
-            <a:noAutofit/>
-          </a:bodyPr>
-          <a:lstStyle/>
-          <a:p>
-            <a:r>
-              <a:rPr lang="en-US" dirty="0" smtClean="0"/>
-              <a:t>If destination is down, all next messages to it are wasted until the server is up again</a:t>
-            </a:r>
-          </a:p>
-          <a:p>
-            <a:r>
-              <a:rPr lang="en-US" dirty="0" smtClean="0"/>
-              <a:t>If client tries several times to connect, then you end up flooding and congesting the network with pointless messages</a:t>
-            </a:r>
-          </a:p>
-          <a:p>
-            <a:r>
-              <a:rPr lang="en-US" dirty="0" smtClean="0"/>
-              <a:t>Would be better to wait a bit, before trying to reconnect to the destination</a:t>
-            </a:r>
-          </a:p>
-          <a:p>
-            <a:r>
-              <a:rPr lang="en-US" dirty="0" smtClean="0"/>
-              <a:t>If messages are saved, and resent when destination is up, you do not want to send all the stored messages at the same time (otherwise destination could go down again)</a:t>
-            </a:r>
-            <a:endParaRPr lang="en-US" dirty="0"/>
-          </a:p>
-        </p:txBody>
-      </p:sp>
-      <p:pic>
-        <p:nvPicPr>
-          <p:cNvPr id="4" name="Picture 3"/>
-          <p:cNvPicPr>
-            <a:picLocks noChangeAspect="1"/>
-          </p:cNvPicPr>
-          <p:nvPr/>
-        </p:nvPicPr>
-        <p:blipFill>
-          <a:blip r:embed="rId2"/>
-          <a:stretch>
-            <a:fillRect/>
-          </a:stretch>
-        </p:blipFill>
-        <p:spPr>
-          <a:xfrm>
-            <a:off x="3548062" y="2088313"/>
-            <a:ext cx="5095875" cy="904875"/>
-          </a:xfrm>
-          <a:prstGeom prst="rect">
-            <a:avLst/>
-          </a:prstGeom>
-        </p:spPr>
-      </p:pic>
-    </p:spTree>
-    <p:extLst>
-      <p:ext uri="{BB962C8B-B14F-4D97-AF65-F5344CB8AC3E}">
-        <p14:creationId xmlns:p14="http://schemas.microsoft.com/office/powerpoint/2010/main" val="1534739677"/>
-      </p:ext>
-    </p:extLst>
-  </p:cSld>
-  <p:clrMapOvr>
-    <a:masterClrMapping/>
-  </p:clrMapOvr>
-</p:sld>
-</file>
-
-<file path=ppt/slides/slide43.xml><?xml version="1.0" encoding="utf-8"?>
-<p:sld xmlns:a="http://schemas.openxmlformats.org/drawingml/2006/main" xmlns:r="http://schemas.openxmlformats.org/officeDocument/2006/relationships" xmlns:p="http://schemas.openxmlformats.org/presentationml/2006/main">
-  <p:cSld>
-    <p:spTree>
-      <p:nvGrpSpPr>
-        <p:cNvPr id="1" name=""/>
-        <p:cNvGrpSpPr/>
-        <p:nvPr/>
-      </p:nvGrpSpPr>
-      <p:grpSpPr>
-        <a:xfrm>
-          <a:off x="0" y="0"/>
-          <a:ext cx="0" cy="0"/>
-          <a:chOff x="0" y="0"/>
-          <a:chExt cx="0" cy="0"/>
-        </a:xfrm>
-      </p:grpSpPr>
-      <p:sp>
-        <p:nvSpPr>
-          <p:cNvPr id="2" name="Title 1"/>
-          <p:cNvSpPr>
-            <a:spLocks noGrp="1"/>
-          </p:cNvSpPr>
-          <p:nvPr>
-            <p:ph type="title"/>
-          </p:nvPr>
-        </p:nvSpPr>
-        <p:spPr>
-          <a:xfrm>
-            <a:off x="838200" y="365125"/>
-            <a:ext cx="6900333" cy="1325563"/>
-          </a:xfrm>
-        </p:spPr>
-        <p:txBody>
-          <a:bodyPr>
-            <a:noAutofit/>
-          </a:bodyPr>
-          <a:lstStyle/>
-          <a:p>
-            <a:r>
-              <a:rPr lang="en-US" sz="6600" dirty="0" smtClean="0"/>
-              <a:t>Circuit Breaker</a:t>
-            </a:r>
-            <a:endParaRPr lang="en-US" sz="6600" dirty="0"/>
-          </a:p>
-        </p:txBody>
-      </p:sp>
-      <p:pic>
-        <p:nvPicPr>
-          <p:cNvPr id="6" name="Content Placeholder 5"/>
-          <p:cNvPicPr>
-            <a:picLocks noGrp="1" noChangeAspect="1"/>
-          </p:cNvPicPr>
-          <p:nvPr>
-            <p:ph idx="1"/>
-          </p:nvPr>
-        </p:nvPicPr>
-        <p:blipFill>
-          <a:blip r:embed="rId2">
-            <a:extLst>
-              <a:ext uri="{28A0092B-C50C-407E-A947-70E740481C1C}">
-                <a14:useLocalDpi xmlns:a14="http://schemas.microsoft.com/office/drawing/2010/main" val="0"/>
-              </a:ext>
-            </a:extLst>
-          </a:blip>
-          <a:stretch>
-            <a:fillRect/>
-          </a:stretch>
-        </p:blipFill>
-        <p:spPr>
-          <a:xfrm>
-            <a:off x="9003957" y="507420"/>
-            <a:ext cx="2455905" cy="2455905"/>
-          </a:xfrm>
-        </p:spPr>
-      </p:pic>
-      <p:sp>
-        <p:nvSpPr>
-          <p:cNvPr id="7" name="TextBox 6"/>
-          <p:cNvSpPr txBox="1"/>
-          <p:nvPr/>
-        </p:nvSpPr>
-        <p:spPr>
-          <a:xfrm>
-            <a:off x="238897" y="1842073"/>
-            <a:ext cx="9091370" cy="3539430"/>
-          </a:xfrm>
-          <a:prstGeom prst="rect">
-            <a:avLst/>
-          </a:prstGeom>
-          <a:noFill/>
-        </p:spPr>
-        <p:txBody>
-          <a:bodyPr wrap="square" rtlCol="0">
-            <a:spAutoFit/>
-          </a:bodyPr>
-          <a:lstStyle/>
-          <a:p>
-            <a:pPr marL="285750" indent="-285750">
-              <a:buFont typeface="Arial" charset="0"/>
-              <a:buChar char="•"/>
-            </a:pPr>
-            <a:r>
-              <a:rPr lang="en-US" sz="3200" dirty="0" smtClean="0"/>
-              <a:t>If too many connections to a server fail, stop ALL future attempt at connecting</a:t>
-            </a:r>
-          </a:p>
-          <a:p>
-            <a:pPr marL="285750" indent="-285750">
-              <a:buFont typeface="Arial" charset="0"/>
-              <a:buChar char="•"/>
-            </a:pPr>
-            <a:r>
-              <a:rPr lang="en-US" sz="3200" dirty="0" smtClean="0"/>
-              <a:t>Can use a library (</a:t>
-            </a:r>
-            <a:r>
-              <a:rPr lang="en-US" sz="3200" dirty="0" err="1" smtClean="0"/>
-              <a:t>eg</a:t>
-            </a:r>
-            <a:r>
-              <a:rPr lang="en-US" sz="3200" dirty="0" smtClean="0"/>
-              <a:t> </a:t>
-            </a:r>
-            <a:r>
-              <a:rPr lang="en-US" sz="3200" i="1" dirty="0" smtClean="0"/>
-              <a:t>Netflix </a:t>
-            </a:r>
-            <a:r>
-              <a:rPr lang="en-US" sz="3200" i="1" dirty="0" err="1" smtClean="0"/>
-              <a:t>Hystrix</a:t>
-            </a:r>
-            <a:r>
-              <a:rPr lang="en-US" sz="3200" dirty="0" smtClean="0"/>
-              <a:t>) to wrap each call to external services</a:t>
-            </a:r>
-          </a:p>
-          <a:p>
-            <a:pPr marL="285750" indent="-285750">
-              <a:buFont typeface="Arial" charset="0"/>
-              <a:buChar char="•"/>
-            </a:pPr>
-            <a:r>
-              <a:rPr lang="en-US" sz="3200" dirty="0" smtClean="0"/>
-              <a:t>Once the circuit breaker is on after several failures, it will periodically check if the server comes up again. </a:t>
-            </a:r>
-            <a:r>
-              <a:rPr lang="en-US" sz="3200" dirty="0"/>
-              <a:t>I</a:t>
-            </a:r>
-            <a:r>
-              <a:rPr lang="en-US" sz="3200" dirty="0" smtClean="0"/>
-              <a:t>f so, all communications are </a:t>
-            </a:r>
-            <a:r>
-              <a:rPr lang="en-US" sz="3200" dirty="0" smtClean="0"/>
-              <a:t>restored</a:t>
-            </a:r>
-          </a:p>
-        </p:txBody>
-      </p:sp>
-    </p:spTree>
-    <p:extLst>
-      <p:ext uri="{BB962C8B-B14F-4D97-AF65-F5344CB8AC3E}">
-        <p14:creationId xmlns:p14="http://schemas.microsoft.com/office/powerpoint/2010/main" val="2112762448"/>
       </p:ext>
     </p:extLst>
   </p:cSld>
@@ -13537,122 +13645,102 @@
             <p:ph type="title"/>
           </p:nvPr>
         </p:nvSpPr>
-        <p:spPr/>
-        <p:txBody>
-          <a:bodyPr/>
-          <a:lstStyle/>
-          <a:p>
-            <a:r>
-              <a:rPr lang="en-US" sz="6600" dirty="0" smtClean="0"/>
-              <a:t>Conclusion</a:t>
-            </a:r>
-            <a:endParaRPr lang="en-US" dirty="0"/>
-          </a:p>
-        </p:txBody>
-      </p:sp>
-      <p:sp>
-        <p:nvSpPr>
-          <p:cNvPr id="3" name="Content Placeholder 2"/>
-          <p:cNvSpPr>
-            <a:spLocks noGrp="1"/>
-          </p:cNvSpPr>
-          <p:nvPr>
-            <p:ph idx="1"/>
-          </p:nvPr>
-        </p:nvSpPr>
         <p:spPr>
           <a:xfrm>
-            <a:off x="313267" y="1825625"/>
-            <a:ext cx="11040533" cy="4351338"/>
+            <a:off x="287867" y="365125"/>
+            <a:ext cx="11616266" cy="1325563"/>
           </a:xfrm>
         </p:spPr>
         <p:txBody>
           <a:bodyPr>
-            <a:normAutofit/>
+            <a:noAutofit/>
           </a:bodyPr>
           <a:lstStyle/>
           <a:p>
             <a:r>
-              <a:rPr lang="en-US" sz="3200" dirty="0" err="1" smtClean="0"/>
-              <a:t>MicroServices</a:t>
-            </a:r>
-            <a:r>
-              <a:rPr lang="en-US" sz="3200" dirty="0" smtClean="0"/>
-              <a:t> </a:t>
-            </a:r>
-            <a:r>
-              <a:rPr lang="en-US" sz="3200" dirty="0" smtClean="0"/>
-              <a:t>are extremely important and common in industry</a:t>
-            </a:r>
-          </a:p>
-          <a:p>
-            <a:r>
-              <a:rPr lang="en-US" sz="3200" dirty="0" smtClean="0"/>
-              <a:t>Aimed at </a:t>
-            </a:r>
-            <a:r>
-              <a:rPr lang="en-US" sz="3200" i="1" dirty="0" smtClean="0"/>
-              <a:t>large systems</a:t>
-            </a:r>
-            <a:r>
-              <a:rPr lang="en-US" sz="3200" dirty="0" smtClean="0"/>
-              <a:t>, that need to be maintained for </a:t>
-            </a:r>
-            <a:r>
-              <a:rPr lang="en-US" sz="3200" dirty="0" smtClean="0"/>
-              <a:t>years</a:t>
-            </a:r>
-          </a:p>
-          <a:p>
-            <a:pPr lvl="1"/>
-            <a:r>
-              <a:rPr lang="en-US" sz="2800" dirty="0" smtClean="0"/>
-              <a:t>think of Amazon, Netflix, Google, etc.</a:t>
-            </a:r>
-            <a:endParaRPr lang="en-US" sz="2800" dirty="0" smtClean="0"/>
-          </a:p>
-          <a:p>
-            <a:r>
-              <a:rPr lang="en-US" sz="3200" b="1" dirty="0" smtClean="0"/>
-              <a:t>No </a:t>
-            </a:r>
-            <a:r>
-              <a:rPr lang="en-US" sz="3200" b="1" dirty="0"/>
-              <a:t>S</a:t>
-            </a:r>
-            <a:r>
-              <a:rPr lang="en-US" sz="3200" b="1" dirty="0" smtClean="0"/>
-              <a:t>ilver Bullet</a:t>
-            </a:r>
-            <a:endParaRPr lang="en-US" sz="3200" b="1" dirty="0" smtClean="0"/>
-          </a:p>
-          <a:p>
-            <a:pPr lvl="1"/>
-            <a:r>
-              <a:rPr lang="en-US" sz="2800" dirty="0" smtClean="0"/>
-              <a:t>For small systems, monoliths are better</a:t>
-            </a:r>
-          </a:p>
-          <a:p>
-            <a:r>
-              <a:rPr lang="en-US" sz="3200" dirty="0" smtClean="0"/>
-              <a:t>Challenge: understand the benefits of </a:t>
-            </a:r>
-            <a:r>
-              <a:rPr lang="en-US" sz="3200" dirty="0" err="1" smtClean="0"/>
-              <a:t>microservices</a:t>
-            </a:r>
-            <a:r>
-              <a:rPr lang="en-US" sz="3200" dirty="0" smtClean="0"/>
-              <a:t> when all your school projects are actually “tiny” (even your BSc project)</a:t>
-            </a:r>
-          </a:p>
-        </p:txBody>
-      </p:sp>
+              <a:rPr lang="en-US" sz="6600" dirty="0" smtClean="0"/>
+              <a:t>One-to-one communication, what if server is down?</a:t>
+            </a:r>
+            <a:endParaRPr lang="en-US" sz="6600" dirty="0"/>
+          </a:p>
+        </p:txBody>
+      </p:sp>
+      <p:sp>
+        <p:nvSpPr>
+          <p:cNvPr id="3" name="Content Placeholder 2"/>
+          <p:cNvSpPr>
+            <a:spLocks noGrp="1"/>
+          </p:cNvSpPr>
+          <p:nvPr>
+            <p:ph idx="1"/>
+          </p:nvPr>
+        </p:nvSpPr>
+        <p:spPr>
+          <a:xfrm>
+            <a:off x="287867" y="3221480"/>
+            <a:ext cx="11675533" cy="3273597"/>
+          </a:xfrm>
+        </p:spPr>
+        <p:txBody>
+          <a:bodyPr>
+            <a:noAutofit/>
+          </a:bodyPr>
+          <a:lstStyle/>
+          <a:p>
+            <a:r>
+              <a:rPr lang="en-US" dirty="0" smtClean="0"/>
+              <a:t>If destination is down, all next messages to it are wasted until the server is up again</a:t>
+            </a:r>
+          </a:p>
+          <a:p>
+            <a:r>
+              <a:rPr lang="en-US" dirty="0" smtClean="0"/>
+              <a:t>If client tries several times to connect, then you end up flooding and congesting the network with pointless messages</a:t>
+            </a:r>
+          </a:p>
+          <a:p>
+            <a:r>
+              <a:rPr lang="en-US" dirty="0" smtClean="0"/>
+              <a:t>Would be better to wait a bit, before trying to reconnect to the destination</a:t>
+            </a:r>
+          </a:p>
+          <a:p>
+            <a:r>
+              <a:rPr lang="en-US" dirty="0" smtClean="0"/>
+              <a:t>If messages are saved, and resent when destination is up, you do not want to send all the stored messages at the same time (otherwise destination could go down again)</a:t>
+            </a:r>
+            <a:endParaRPr lang="en-US" dirty="0"/>
+          </a:p>
+        </p:txBody>
+      </p:sp>
+      <p:pic>
+        <p:nvPicPr>
+          <p:cNvPr id="4" name="Picture 3"/>
+          <p:cNvPicPr>
+            <a:picLocks noChangeAspect="1"/>
+          </p:cNvPicPr>
+          <p:nvPr/>
+        </p:nvPicPr>
+        <p:blipFill>
+          <a:blip r:embed="rId2"/>
+          <a:stretch>
+            <a:fillRect/>
+          </a:stretch>
+        </p:blipFill>
+        <p:spPr>
+          <a:xfrm>
+            <a:off x="3548062" y="2088313"/>
+            <a:ext cx="5095875" cy="904875"/>
+          </a:xfrm>
+          <a:prstGeom prst="rect">
+            <a:avLst/>
+          </a:prstGeom>
+        </p:spPr>
+      </p:pic>
     </p:spTree>
     <p:extLst>
       <p:ext uri="{BB962C8B-B14F-4D97-AF65-F5344CB8AC3E}">
-        <p14:creationId xmlns:p14="http://schemas.microsoft.com/office/powerpoint/2010/main" val="2750228027"/>
+        <p14:creationId xmlns:p14="http://schemas.microsoft.com/office/powerpoint/2010/main" val="1534739677"/>
       </p:ext>
     </p:extLst>
   </p:cSld>
@@ -13681,47 +13769,185 @@
       </p:grpSpPr>
       <p:sp>
         <p:nvSpPr>
-          <p:cNvPr id="4" name="Title 3"/>
+          <p:cNvPr id="2" name="Title 1"/>
           <p:cNvSpPr>
             <a:spLocks noGrp="1"/>
           </p:cNvSpPr>
           <p:nvPr>
             <p:ph type="title"/>
-          </p:nvPr>
-        </p:nvSpPr>
-        <p:spPr/>
-        <p:txBody>
-          <a:bodyPr/>
-          <a:lstStyle/>
-          <a:p>
-            <a:r>
-              <a:rPr lang="en-US" dirty="0" err="1" smtClean="0"/>
-              <a:t>Git</a:t>
-            </a:r>
-            <a:r>
-              <a:rPr lang="en-US" dirty="0" smtClean="0"/>
-              <a:t> Repository Modules</a:t>
-            </a:r>
-            <a:endParaRPr lang="en-US" dirty="0"/>
-          </a:p>
-        </p:txBody>
-      </p:sp>
-      <p:sp>
-        <p:nvSpPr>
-          <p:cNvPr id="5" name="Content Placeholder 4"/>
-          <p:cNvSpPr>
-            <a:spLocks noGrp="1"/>
-          </p:cNvSpPr>
-          <p:nvPr>
-            <p:ph idx="1"/>
           </p:nvPr>
         </p:nvSpPr>
         <p:spPr>
           <a:xfrm>
-            <a:off x="296561" y="1825625"/>
-            <a:ext cx="11532973" cy="4972740"/>
+            <a:off x="838200" y="365125"/>
+            <a:ext cx="6900333" cy="1325563"/>
           </a:xfrm>
         </p:spPr>
+        <p:txBody>
+          <a:bodyPr>
+            <a:noAutofit/>
+          </a:bodyPr>
+          <a:lstStyle/>
+          <a:p>
+            <a:r>
+              <a:rPr lang="en-US" sz="6600" dirty="0" smtClean="0"/>
+              <a:t>Circuit Breaker</a:t>
+            </a:r>
+            <a:endParaRPr lang="en-US" sz="6600" dirty="0"/>
+          </a:p>
+        </p:txBody>
+      </p:sp>
+      <p:pic>
+        <p:nvPicPr>
+          <p:cNvPr id="6" name="Content Placeholder 5"/>
+          <p:cNvPicPr>
+            <a:picLocks noGrp="1" noChangeAspect="1"/>
+          </p:cNvPicPr>
+          <p:nvPr>
+            <p:ph idx="1"/>
+          </p:nvPr>
+        </p:nvPicPr>
+        <p:blipFill>
+          <a:blip r:embed="rId2">
+            <a:extLst>
+              <a:ext uri="{28A0092B-C50C-407E-A947-70E740481C1C}">
+                <a14:useLocalDpi xmlns:a14="http://schemas.microsoft.com/office/drawing/2010/main" val="0"/>
+              </a:ext>
+            </a:extLst>
+          </a:blip>
+          <a:stretch>
+            <a:fillRect/>
+          </a:stretch>
+        </p:blipFill>
+        <p:spPr>
+          <a:xfrm>
+            <a:off x="9003957" y="507420"/>
+            <a:ext cx="2455905" cy="2455905"/>
+          </a:xfrm>
+        </p:spPr>
+      </p:pic>
+      <p:sp>
+        <p:nvSpPr>
+          <p:cNvPr id="7" name="TextBox 6"/>
+          <p:cNvSpPr txBox="1"/>
+          <p:nvPr/>
+        </p:nvSpPr>
+        <p:spPr>
+          <a:xfrm>
+            <a:off x="238897" y="1842073"/>
+            <a:ext cx="9091370" cy="3539430"/>
+          </a:xfrm>
+          <a:prstGeom prst="rect">
+            <a:avLst/>
+          </a:prstGeom>
+          <a:noFill/>
+        </p:spPr>
+        <p:txBody>
+          <a:bodyPr wrap="square" rtlCol="0">
+            <a:spAutoFit/>
+          </a:bodyPr>
+          <a:lstStyle/>
+          <a:p>
+            <a:pPr marL="285750" indent="-285750">
+              <a:buFont typeface="Arial" charset="0"/>
+              <a:buChar char="•"/>
+            </a:pPr>
+            <a:r>
+              <a:rPr lang="en-US" sz="3200" dirty="0" smtClean="0"/>
+              <a:t>If too many connections to a server fail, stop ALL future attempt at connecting</a:t>
+            </a:r>
+          </a:p>
+          <a:p>
+            <a:pPr marL="285750" indent="-285750">
+              <a:buFont typeface="Arial" charset="0"/>
+              <a:buChar char="•"/>
+            </a:pPr>
+            <a:r>
+              <a:rPr lang="en-US" sz="3200" dirty="0" smtClean="0"/>
+              <a:t>Can use a library (</a:t>
+            </a:r>
+            <a:r>
+              <a:rPr lang="en-US" sz="3200" dirty="0" err="1" smtClean="0"/>
+              <a:t>eg</a:t>
+            </a:r>
+            <a:r>
+              <a:rPr lang="en-US" sz="3200" dirty="0" smtClean="0"/>
+              <a:t> </a:t>
+            </a:r>
+            <a:r>
+              <a:rPr lang="en-US" sz="3200" i="1" dirty="0" smtClean="0"/>
+              <a:t>Netflix </a:t>
+            </a:r>
+            <a:r>
+              <a:rPr lang="en-US" sz="3200" i="1" dirty="0" err="1" smtClean="0"/>
+              <a:t>Hystrix</a:t>
+            </a:r>
+            <a:r>
+              <a:rPr lang="en-US" sz="3200" dirty="0" smtClean="0"/>
+              <a:t>) to wrap each call to external services</a:t>
+            </a:r>
+          </a:p>
+          <a:p>
+            <a:pPr marL="285750" indent="-285750">
+              <a:buFont typeface="Arial" charset="0"/>
+              <a:buChar char="•"/>
+            </a:pPr>
+            <a:r>
+              <a:rPr lang="en-US" sz="3200" dirty="0" smtClean="0"/>
+              <a:t>Once the circuit breaker is on after several failures, it will periodically check if the server comes up again. </a:t>
+            </a:r>
+            <a:r>
+              <a:rPr lang="en-US" sz="3200" dirty="0"/>
+              <a:t>I</a:t>
+            </a:r>
+            <a:r>
+              <a:rPr lang="en-US" sz="3200" dirty="0" smtClean="0"/>
+              <a:t>f so, all communications are restored</a:t>
+            </a:r>
+          </a:p>
+        </p:txBody>
+      </p:sp>
+    </p:spTree>
+    <p:extLst>
+      <p:ext uri="{BB962C8B-B14F-4D97-AF65-F5344CB8AC3E}">
+        <p14:creationId xmlns:p14="http://schemas.microsoft.com/office/powerpoint/2010/main" val="2112762448"/>
+      </p:ext>
+    </p:extLst>
+  </p:cSld>
+  <p:clrMapOvr>
+    <a:masterClrMapping/>
+  </p:clrMapOvr>
+</p:sld>
+</file>
+
+<file path=ppt/slides/slide47.xml><?xml version="1.0" encoding="utf-8"?>
+<p:sld xmlns:a="http://schemas.openxmlformats.org/drawingml/2006/main" xmlns:r="http://schemas.openxmlformats.org/officeDocument/2006/relationships" xmlns:p="http://schemas.openxmlformats.org/presentationml/2006/main">
+  <p:cSld>
+    <p:spTree>
+      <p:nvGrpSpPr>
+        <p:cNvPr id="1" name=""/>
+        <p:cNvGrpSpPr/>
+        <p:nvPr/>
+      </p:nvGrpSpPr>
+      <p:grpSpPr>
+        <a:xfrm>
+          <a:off x="0" y="0"/>
+          <a:ext cx="0" cy="0"/>
+          <a:chOff x="0" y="0"/>
+          <a:chExt cx="0" cy="0"/>
+        </a:xfrm>
+      </p:grpSpPr>
+      <p:sp>
+        <p:nvSpPr>
+          <p:cNvPr id="2" name="Title 1"/>
+          <p:cNvSpPr>
+            <a:spLocks noGrp="1"/>
+          </p:cNvSpPr>
+          <p:nvPr>
+            <p:ph type="title"/>
+          </p:nvPr>
+        </p:nvSpPr>
+        <p:spPr/>
         <p:txBody>
           <a:bodyPr>
             <a:normAutofit/>
@@ -13729,71 +13955,427 @@
           <a:lstStyle/>
           <a:p>
             <a:r>
-              <a:rPr lang="en-US" i="1" dirty="0" smtClean="0"/>
-              <a:t>NOTE: most of the explanations will be directly in the code as comments, and not here in the slides</a:t>
-            </a:r>
-            <a:endParaRPr lang="en-US" b="1" dirty="0" smtClean="0"/>
-          </a:p>
-          <a:p>
-            <a:r>
-              <a:rPr lang="en-US" b="1" dirty="0" smtClean="0"/>
-              <a:t>advanced/</a:t>
-            </a:r>
-            <a:r>
-              <a:rPr lang="en-US" b="1" dirty="0" err="1" smtClean="0"/>
-              <a:t>microservice</a:t>
-            </a:r>
-            <a:r>
-              <a:rPr lang="en-US" b="1" dirty="0" smtClean="0"/>
-              <a:t>/discovery/*</a:t>
-            </a:r>
-            <a:endParaRPr lang="en-US" b="1" dirty="0" smtClean="0"/>
-          </a:p>
-          <a:p>
-            <a:r>
-              <a:rPr lang="en-US" b="1" dirty="0" smtClean="0"/>
-              <a:t>advanced/</a:t>
-            </a:r>
-            <a:r>
-              <a:rPr lang="en-US" b="1" dirty="0" err="1" smtClean="0"/>
-              <a:t>microservice</a:t>
-            </a:r>
-            <a:r>
-              <a:rPr lang="en-US" b="1" dirty="0" smtClean="0"/>
-              <a:t>/gateway/*</a:t>
-            </a:r>
-          </a:p>
-          <a:p>
-            <a:r>
-              <a:rPr lang="en-US" dirty="0"/>
-              <a:t>Study </a:t>
-            </a:r>
-            <a:r>
-              <a:rPr lang="en-US" i="1" dirty="0" err="1"/>
-              <a:t>Microservices</a:t>
-            </a:r>
-            <a:r>
-              <a:rPr lang="en-US" i="1" dirty="0"/>
-              <a:t> From Design to Deployment</a:t>
-            </a:r>
-            <a:r>
-              <a:rPr lang="en-US" dirty="0"/>
-              <a:t>.</a:t>
-            </a:r>
-            <a:endParaRPr lang="en-US" dirty="0"/>
-          </a:p>
-          <a:p>
-            <a:pPr marL="0" indent="0">
-              <a:buNone/>
-            </a:pPr>
-            <a:endParaRPr lang="en-US" b="1" dirty="0" smtClean="0"/>
+              <a:rPr lang="en-US" sz="6600" dirty="0" smtClean="0"/>
+              <a:t>Databases</a:t>
+            </a:r>
+            <a:endParaRPr lang="en-US" sz="6600" dirty="0"/>
+          </a:p>
+        </p:txBody>
+      </p:sp>
+      <p:sp>
+        <p:nvSpPr>
+          <p:cNvPr id="3" name="Content Placeholder 2"/>
+          <p:cNvSpPr>
+            <a:spLocks noGrp="1"/>
+          </p:cNvSpPr>
+          <p:nvPr>
+            <p:ph idx="1"/>
+          </p:nvPr>
+        </p:nvSpPr>
+        <p:spPr>
+          <a:xfrm>
+            <a:off x="112142" y="1825624"/>
+            <a:ext cx="11990717" cy="4799463"/>
+          </a:xfrm>
+        </p:spPr>
+        <p:txBody>
+          <a:bodyPr>
+            <a:normAutofit/>
+          </a:bodyPr>
+          <a:lstStyle/>
+          <a:p>
+            <a:r>
+              <a:rPr lang="en-US" sz="3200" dirty="0" smtClean="0"/>
+              <a:t>Services like REST APIs should be </a:t>
+            </a:r>
+            <a:r>
+              <a:rPr lang="en-US" sz="3200" i="1" dirty="0" smtClean="0"/>
+              <a:t>stateless</a:t>
+            </a:r>
+          </a:p>
+          <a:p>
+            <a:pPr lvl="1"/>
+            <a:r>
+              <a:rPr lang="en-US" sz="2800" dirty="0" smtClean="0"/>
+              <a:t>Can restart/stop at any time, and scale horizontally by replicated instances</a:t>
+            </a:r>
+          </a:p>
+          <a:p>
+            <a:r>
+              <a:rPr lang="en-US" sz="3200" i="1" dirty="0" smtClean="0"/>
+              <a:t>State</a:t>
+            </a:r>
+            <a:r>
+              <a:rPr lang="en-US" sz="3200" dirty="0" smtClean="0"/>
+              <a:t> saved in databases, running in separated processes</a:t>
+            </a:r>
+          </a:p>
+          <a:p>
+            <a:r>
+              <a:rPr lang="en-US" sz="3200" dirty="0" smtClean="0"/>
+              <a:t>How many databases?</a:t>
+            </a:r>
+          </a:p>
+          <a:p>
+            <a:r>
+              <a:rPr lang="en-US" sz="3200" dirty="0" smtClean="0"/>
+              <a:t>Services need to evolve (and be updated) </a:t>
+            </a:r>
+            <a:r>
+              <a:rPr lang="en-US" sz="3200" i="1" dirty="0" smtClean="0"/>
+              <a:t>independently</a:t>
+            </a:r>
+            <a:r>
+              <a:rPr lang="mr-IN" sz="3200" dirty="0" smtClean="0"/>
+              <a:t>…</a:t>
+            </a:r>
+            <a:r>
+              <a:rPr lang="en-US" sz="3200" dirty="0" smtClean="0"/>
+              <a:t> so each should have their own databases</a:t>
+            </a:r>
+          </a:p>
+          <a:p>
+            <a:r>
+              <a:rPr lang="en-US" sz="3200" dirty="0" smtClean="0"/>
+              <a:t>Replica instances of a same service will use the same database</a:t>
+            </a:r>
+          </a:p>
+          <a:p>
+            <a:endParaRPr lang="en-US" sz="3200" dirty="0" smtClean="0"/>
+          </a:p>
+          <a:p>
+            <a:endParaRPr lang="en-US" sz="3200" dirty="0" smtClean="0"/>
+          </a:p>
+          <a:p>
+            <a:endParaRPr lang="en-US" sz="3200" dirty="0" smtClean="0"/>
+          </a:p>
+          <a:p>
+            <a:endParaRPr lang="en-US" sz="3200" dirty="0"/>
           </a:p>
         </p:txBody>
       </p:sp>
     </p:spTree>
     <p:extLst>
       <p:ext uri="{BB962C8B-B14F-4D97-AF65-F5344CB8AC3E}">
-        <p14:creationId xmlns:p14="http://schemas.microsoft.com/office/powerpoint/2010/main" val="3684031900"/>
+        <p14:creationId xmlns:p14="http://schemas.microsoft.com/office/powerpoint/2010/main" val="352571664"/>
+      </p:ext>
+    </p:extLst>
+  </p:cSld>
+  <p:clrMapOvr>
+    <a:masterClrMapping/>
+  </p:clrMapOvr>
+</p:sld>
+</file>
+
+<file path=ppt/slides/slide48.xml><?xml version="1.0" encoding="utf-8"?>
+<p:sld xmlns:a="http://schemas.openxmlformats.org/drawingml/2006/main" xmlns:r="http://schemas.openxmlformats.org/officeDocument/2006/relationships" xmlns:p="http://schemas.openxmlformats.org/presentationml/2006/main">
+  <p:cSld>
+    <p:spTree>
+      <p:nvGrpSpPr>
+        <p:cNvPr id="1" name=""/>
+        <p:cNvGrpSpPr/>
+        <p:nvPr/>
+      </p:nvGrpSpPr>
+      <p:grpSpPr>
+        <a:xfrm>
+          <a:off x="0" y="0"/>
+          <a:ext cx="0" cy="0"/>
+          <a:chOff x="0" y="0"/>
+          <a:chExt cx="0" cy="0"/>
+        </a:xfrm>
+      </p:grpSpPr>
+      <p:sp>
+        <p:nvSpPr>
+          <p:cNvPr id="2" name="Title 1"/>
+          <p:cNvSpPr>
+            <a:spLocks noGrp="1"/>
+          </p:cNvSpPr>
+          <p:nvPr>
+            <p:ph type="title"/>
+          </p:nvPr>
+        </p:nvSpPr>
+        <p:spPr>
+          <a:xfrm>
+            <a:off x="116995" y="140838"/>
+            <a:ext cx="11155392" cy="1325563"/>
+          </a:xfrm>
+        </p:spPr>
+        <p:txBody>
+          <a:bodyPr>
+            <a:normAutofit fontScale="90000"/>
+          </a:bodyPr>
+          <a:lstStyle/>
+          <a:p>
+            <a:r>
+              <a:rPr lang="en-US" sz="6600" dirty="0" smtClean="0"/>
+              <a:t>Security: Different </a:t>
+            </a:r>
+            <a:r>
+              <a:rPr lang="en-US" sz="6600" smtClean="0"/>
+              <a:t>Virtual Networks</a:t>
+            </a:r>
+            <a:endParaRPr lang="en-US" sz="6600" dirty="0"/>
+          </a:p>
+        </p:txBody>
+      </p:sp>
+      <p:sp>
+        <p:nvSpPr>
+          <p:cNvPr id="3" name="Content Placeholder 2"/>
+          <p:cNvSpPr>
+            <a:spLocks noGrp="1"/>
+          </p:cNvSpPr>
+          <p:nvPr>
+            <p:ph idx="1"/>
+          </p:nvPr>
+        </p:nvSpPr>
+        <p:spPr>
+          <a:xfrm>
+            <a:off x="7867291" y="1466401"/>
+            <a:ext cx="4140679" cy="5201818"/>
+          </a:xfrm>
+        </p:spPr>
+        <p:txBody>
+          <a:bodyPr>
+            <a:normAutofit lnSpcReduction="10000"/>
+          </a:bodyPr>
+          <a:lstStyle/>
+          <a:p>
+            <a:r>
+              <a:rPr lang="en-US" sz="3200" dirty="0" smtClean="0"/>
+              <a:t>Instances of </a:t>
+            </a:r>
+            <a:r>
+              <a:rPr lang="en-US" sz="3200" i="1" dirty="0" smtClean="0"/>
+              <a:t>A</a:t>
+            </a:r>
+            <a:r>
+              <a:rPr lang="en-US" sz="3200" dirty="0" smtClean="0"/>
+              <a:t> should only access own </a:t>
+            </a:r>
+            <a:r>
+              <a:rPr lang="en-US" sz="3200" dirty="0" err="1" smtClean="0"/>
+              <a:t>db</a:t>
+            </a:r>
+            <a:r>
+              <a:rPr lang="en-US" sz="3200" dirty="0" smtClean="0"/>
+              <a:t>, and not the one of </a:t>
+            </a:r>
+            <a:r>
+              <a:rPr lang="en-US" sz="3200" i="1" dirty="0" smtClean="0"/>
+              <a:t>B</a:t>
+            </a:r>
+            <a:r>
+              <a:rPr lang="en-US" sz="3200" dirty="0" smtClean="0"/>
+              <a:t> instances</a:t>
+            </a:r>
+          </a:p>
+          <a:p>
+            <a:r>
+              <a:rPr lang="en-US" sz="3200" dirty="0" smtClean="0"/>
+              <a:t>For security, could have separated VNs</a:t>
+            </a:r>
+          </a:p>
+          <a:p>
+            <a:r>
+              <a:rPr lang="en-US" sz="3200" i="1" dirty="0" smtClean="0"/>
+              <a:t>A</a:t>
+            </a:r>
+            <a:r>
+              <a:rPr lang="en-US" sz="3200" dirty="0" smtClean="0"/>
+              <a:t> can speak with </a:t>
+            </a:r>
+            <a:r>
+              <a:rPr lang="en-US" sz="3200" i="1" dirty="0" smtClean="0"/>
+              <a:t>B</a:t>
+            </a:r>
+            <a:r>
+              <a:rPr lang="en-US" sz="3200" dirty="0" smtClean="0"/>
+              <a:t> though, as on a same VN</a:t>
+            </a:r>
+          </a:p>
+          <a:p>
+            <a:r>
+              <a:rPr lang="en-US" sz="3200" i="1" dirty="0" err="1" smtClean="0"/>
+              <a:t>Multihoming</a:t>
+            </a:r>
+            <a:r>
+              <a:rPr lang="en-US" sz="3200" dirty="0" smtClean="0"/>
+              <a:t>: access to 2 or more networks </a:t>
+            </a:r>
+            <a:endParaRPr lang="en-US" sz="3200" dirty="0"/>
+          </a:p>
+        </p:txBody>
+      </p:sp>
+      <p:pic>
+        <p:nvPicPr>
+          <p:cNvPr id="4" name="Picture 3"/>
+          <p:cNvPicPr>
+            <a:picLocks noChangeAspect="1"/>
+          </p:cNvPicPr>
+          <p:nvPr/>
+        </p:nvPicPr>
+        <p:blipFill>
+          <a:blip r:embed="rId2"/>
+          <a:stretch>
+            <a:fillRect/>
+          </a:stretch>
+        </p:blipFill>
+        <p:spPr>
+          <a:xfrm>
+            <a:off x="116995" y="1563792"/>
+            <a:ext cx="7638152" cy="4479289"/>
+          </a:xfrm>
+          <a:prstGeom prst="rect">
+            <a:avLst/>
+          </a:prstGeom>
+        </p:spPr>
+      </p:pic>
+    </p:spTree>
+    <p:extLst>
+      <p:ext uri="{BB962C8B-B14F-4D97-AF65-F5344CB8AC3E}">
+        <p14:creationId xmlns:p14="http://schemas.microsoft.com/office/powerpoint/2010/main" val="172257930"/>
+      </p:ext>
+    </p:extLst>
+  </p:cSld>
+  <p:clrMapOvr>
+    <a:masterClrMapping/>
+  </p:clrMapOvr>
+</p:sld>
+</file>
+
+<file path=ppt/slides/slide49.xml><?xml version="1.0" encoding="utf-8"?>
+<p:sld xmlns:a="http://schemas.openxmlformats.org/drawingml/2006/main" xmlns:r="http://schemas.openxmlformats.org/officeDocument/2006/relationships" xmlns:p="http://schemas.openxmlformats.org/presentationml/2006/main">
+  <p:cSld>
+    <p:spTree>
+      <p:nvGrpSpPr>
+        <p:cNvPr id="1" name=""/>
+        <p:cNvGrpSpPr/>
+        <p:nvPr/>
+      </p:nvGrpSpPr>
+      <p:grpSpPr>
+        <a:xfrm>
+          <a:off x="0" y="0"/>
+          <a:ext cx="0" cy="0"/>
+          <a:chOff x="0" y="0"/>
+          <a:chExt cx="0" cy="0"/>
+        </a:xfrm>
+      </p:grpSpPr>
+      <p:sp>
+        <p:nvSpPr>
+          <p:cNvPr id="2" name="Title 1"/>
+          <p:cNvSpPr>
+            <a:spLocks noGrp="1"/>
+          </p:cNvSpPr>
+          <p:nvPr>
+            <p:ph type="title"/>
+          </p:nvPr>
+        </p:nvSpPr>
+        <p:spPr/>
+        <p:txBody>
+          <a:bodyPr/>
+          <a:lstStyle/>
+          <a:p>
+            <a:r>
+              <a:rPr lang="en-US" sz="6600" dirty="0" smtClean="0"/>
+              <a:t>Conclusion</a:t>
+            </a:r>
+            <a:endParaRPr lang="en-US" dirty="0"/>
+          </a:p>
+        </p:txBody>
+      </p:sp>
+      <p:sp>
+        <p:nvSpPr>
+          <p:cNvPr id="3" name="Content Placeholder 2"/>
+          <p:cNvSpPr>
+            <a:spLocks noGrp="1"/>
+          </p:cNvSpPr>
+          <p:nvPr>
+            <p:ph idx="1"/>
+          </p:nvPr>
+        </p:nvSpPr>
+        <p:spPr>
+          <a:xfrm>
+            <a:off x="313267" y="1825625"/>
+            <a:ext cx="11040533" cy="4351338"/>
+          </a:xfrm>
+        </p:spPr>
+        <p:txBody>
+          <a:bodyPr>
+            <a:normAutofit/>
+          </a:bodyPr>
+          <a:lstStyle/>
+          <a:p>
+            <a:r>
+              <a:rPr lang="en-US" sz="3200" dirty="0" err="1" smtClean="0"/>
+              <a:t>MicroServices</a:t>
+            </a:r>
+            <a:r>
+              <a:rPr lang="en-US" sz="3200" dirty="0" smtClean="0"/>
+              <a:t> are extremely important and common in industry</a:t>
+            </a:r>
+          </a:p>
+          <a:p>
+            <a:r>
+              <a:rPr lang="en-US" sz="3200" dirty="0" smtClean="0"/>
+              <a:t>Aimed at </a:t>
+            </a:r>
+            <a:r>
+              <a:rPr lang="en-US" sz="3200" i="1" dirty="0" smtClean="0"/>
+              <a:t>large systems</a:t>
+            </a:r>
+            <a:r>
+              <a:rPr lang="en-US" sz="3200" dirty="0" smtClean="0"/>
+              <a:t>, that need to be maintained for years</a:t>
+            </a:r>
+          </a:p>
+          <a:p>
+            <a:pPr lvl="1"/>
+            <a:r>
+              <a:rPr lang="en-US" sz="2800" dirty="0" smtClean="0"/>
+              <a:t>think of Amazon, Netflix, Google, etc.</a:t>
+            </a:r>
+          </a:p>
+          <a:p>
+            <a:r>
+              <a:rPr lang="en-US" sz="3200" b="1" dirty="0" smtClean="0"/>
+              <a:t>No </a:t>
+            </a:r>
+            <a:r>
+              <a:rPr lang="en-US" sz="3200" b="1" dirty="0"/>
+              <a:t>S</a:t>
+            </a:r>
+            <a:r>
+              <a:rPr lang="en-US" sz="3200" b="1" dirty="0" smtClean="0"/>
+              <a:t>ilver Bullet</a:t>
+            </a:r>
+          </a:p>
+          <a:p>
+            <a:pPr lvl="1"/>
+            <a:r>
+              <a:rPr lang="en-US" sz="2800" dirty="0" smtClean="0"/>
+              <a:t>For small systems, monoliths are better</a:t>
+            </a:r>
+          </a:p>
+          <a:p>
+            <a:r>
+              <a:rPr lang="en-US" sz="3200" dirty="0" smtClean="0"/>
+              <a:t>Challenge: understand the benefits of </a:t>
+            </a:r>
+            <a:r>
+              <a:rPr lang="en-US" sz="3200" dirty="0" err="1" smtClean="0"/>
+              <a:t>microservices</a:t>
+            </a:r>
+            <a:r>
+              <a:rPr lang="en-US" sz="3200" dirty="0" smtClean="0"/>
+              <a:t> when all your school projects are actually “tiny” (even your BSc project)</a:t>
+            </a:r>
+          </a:p>
+        </p:txBody>
+      </p:sp>
+    </p:spTree>
+    <p:extLst>
+      <p:ext uri="{BB962C8B-B14F-4D97-AF65-F5344CB8AC3E}">
+        <p14:creationId xmlns:p14="http://schemas.microsoft.com/office/powerpoint/2010/main" val="2750228027"/>
       </p:ext>
     </p:extLst>
   </p:cSld>
@@ -13936,6 +14518,145 @@
 </p:sld>
 </file>
 
+<file path=ppt/slides/slide50.xml><?xml version="1.0" encoding="utf-8"?>
+<p:sld xmlns:a="http://schemas.openxmlformats.org/drawingml/2006/main" xmlns:r="http://schemas.openxmlformats.org/officeDocument/2006/relationships" xmlns:p="http://schemas.openxmlformats.org/presentationml/2006/main">
+  <p:cSld>
+    <p:spTree>
+      <p:nvGrpSpPr>
+        <p:cNvPr id="1" name=""/>
+        <p:cNvGrpSpPr/>
+        <p:nvPr/>
+      </p:nvGrpSpPr>
+      <p:grpSpPr>
+        <a:xfrm>
+          <a:off x="0" y="0"/>
+          <a:ext cx="0" cy="0"/>
+          <a:chOff x="0" y="0"/>
+          <a:chExt cx="0" cy="0"/>
+        </a:xfrm>
+      </p:grpSpPr>
+      <p:sp>
+        <p:nvSpPr>
+          <p:cNvPr id="4" name="Title 3"/>
+          <p:cNvSpPr>
+            <a:spLocks noGrp="1"/>
+          </p:cNvSpPr>
+          <p:nvPr>
+            <p:ph type="title"/>
+          </p:nvPr>
+        </p:nvSpPr>
+        <p:spPr/>
+        <p:txBody>
+          <a:bodyPr/>
+          <a:lstStyle/>
+          <a:p>
+            <a:r>
+              <a:rPr lang="en-US" dirty="0" err="1" smtClean="0"/>
+              <a:t>Git</a:t>
+            </a:r>
+            <a:r>
+              <a:rPr lang="en-US" dirty="0" smtClean="0"/>
+              <a:t> Repository Modules</a:t>
+            </a:r>
+            <a:endParaRPr lang="en-US" dirty="0"/>
+          </a:p>
+        </p:txBody>
+      </p:sp>
+      <p:sp>
+        <p:nvSpPr>
+          <p:cNvPr id="5" name="Content Placeholder 4"/>
+          <p:cNvSpPr>
+            <a:spLocks noGrp="1"/>
+          </p:cNvSpPr>
+          <p:nvPr>
+            <p:ph idx="1"/>
+          </p:nvPr>
+        </p:nvSpPr>
+        <p:spPr>
+          <a:xfrm>
+            <a:off x="296561" y="1825625"/>
+            <a:ext cx="11532973" cy="4972740"/>
+          </a:xfrm>
+        </p:spPr>
+        <p:txBody>
+          <a:bodyPr>
+            <a:normAutofit/>
+          </a:bodyPr>
+          <a:lstStyle/>
+          <a:p>
+            <a:r>
+              <a:rPr lang="en-US" i="1" dirty="0" smtClean="0"/>
+              <a:t>NOTE: most of the explanations will be directly in the code as comments, and not here in the slides</a:t>
+            </a:r>
+            <a:endParaRPr lang="en-US" b="1" dirty="0" smtClean="0"/>
+          </a:p>
+          <a:p>
+            <a:r>
+              <a:rPr lang="en-US" b="1" dirty="0" smtClean="0"/>
+              <a:t>advanced/</a:t>
+            </a:r>
+            <a:r>
+              <a:rPr lang="en-US" b="1" dirty="0" err="1" smtClean="0"/>
+              <a:t>microservice</a:t>
+            </a:r>
+            <a:r>
+              <a:rPr lang="en-US" b="1" dirty="0" smtClean="0"/>
+              <a:t>/discovery/*</a:t>
+            </a:r>
+          </a:p>
+          <a:p>
+            <a:r>
+              <a:rPr lang="en-US" b="1" dirty="0" smtClean="0"/>
+              <a:t>advanced/</a:t>
+            </a:r>
+            <a:r>
+              <a:rPr lang="en-US" b="1" dirty="0" err="1" smtClean="0"/>
+              <a:t>microservice</a:t>
+            </a:r>
+            <a:r>
+              <a:rPr lang="en-US" b="1" dirty="0" smtClean="0"/>
+              <a:t>/gateway/*</a:t>
+            </a:r>
+          </a:p>
+          <a:p>
+            <a:r>
+              <a:rPr lang="en-US" dirty="0"/>
+              <a:t>Study </a:t>
+            </a:r>
+            <a:r>
+              <a:rPr lang="en-US" i="1" dirty="0" err="1"/>
+              <a:t>Microservices</a:t>
+            </a:r>
+            <a:r>
+              <a:rPr lang="en-US" i="1" dirty="0"/>
+              <a:t> From Design to Deployment</a:t>
+            </a:r>
+            <a:r>
+              <a:rPr lang="en-US" dirty="0"/>
+              <a:t>.</a:t>
+            </a:r>
+          </a:p>
+          <a:p>
+            <a:pPr marL="0" indent="0">
+              <a:buNone/>
+            </a:pPr>
+            <a:endParaRPr lang="en-US" b="1" dirty="0" smtClean="0"/>
+          </a:p>
+        </p:txBody>
+      </p:sp>
+    </p:spTree>
+    <p:extLst>
+      <p:ext uri="{BB962C8B-B14F-4D97-AF65-F5344CB8AC3E}">
+        <p14:creationId xmlns:p14="http://schemas.microsoft.com/office/powerpoint/2010/main" val="3684031900"/>
+      </p:ext>
+    </p:extLst>
+  </p:cSld>
+  <p:clrMapOvr>
+    <a:masterClrMapping/>
+  </p:clrMapOvr>
+</p:sld>
+</file>
+
 <file path=ppt/slides/slide6.xml><?xml version="1.0" encoding="utf-8"?>
 <p:sld xmlns:a="http://schemas.openxmlformats.org/drawingml/2006/main" xmlns:r="http://schemas.openxmlformats.org/officeDocument/2006/relationships" xmlns:p="http://schemas.openxmlformats.org/presentationml/2006/main">
   <p:cSld>
@@ -13976,11 +14697,7 @@
             </a:r>
             <a:r>
               <a:rPr lang="en-US" sz="6600" dirty="0" smtClean="0"/>
-              <a:t> </a:t>
-            </a:r>
-            <a:r>
-              <a:rPr lang="en-US" sz="6600" dirty="0" smtClean="0"/>
-              <a:t>to the Rescue</a:t>
+              <a:t> to the Rescue</a:t>
             </a:r>
             <a:endParaRPr lang="en-US" sz="6600" dirty="0"/>
           </a:p>
@@ -14014,19 +14731,7 @@
             </a:r>
             <a:r>
               <a:rPr lang="en-US" sz="3200" dirty="0" smtClean="0"/>
-              <a:t> </a:t>
-            </a:r>
-            <a:r>
-              <a:rPr lang="en-US" sz="3200" dirty="0" smtClean="0"/>
-              <a:t>are</a:t>
-            </a:r>
-            <a:r>
-              <a:rPr lang="en-US" sz="3200" dirty="0" smtClean="0"/>
-              <a:t> </a:t>
-            </a:r>
-            <a:r>
-              <a:rPr lang="en-US" sz="3200" dirty="0" smtClean="0"/>
-              <a:t>an architectural pattern to address some of the issues in monolith applications</a:t>
+              <a:t> are an architectural pattern to address some of the issues in monolith applications</a:t>
             </a:r>
           </a:p>
           <a:p>
@@ -14034,7 +14739,6 @@
               <a:rPr lang="en-US" sz="3200" b="1" dirty="0" smtClean="0"/>
               <a:t>No Silver Bullet</a:t>
             </a:r>
-            <a:endParaRPr lang="en-US" sz="3200" b="1" dirty="0" smtClean="0"/>
           </a:p>
           <a:p>
             <a:pPr lvl="1"/>
@@ -14044,11 +14748,7 @@
             </a:r>
             <a:r>
               <a:rPr lang="en-US" sz="2800" dirty="0" smtClean="0"/>
-              <a:t> </a:t>
-            </a:r>
-            <a:r>
-              <a:rPr lang="en-US" sz="2800" dirty="0" smtClean="0"/>
-              <a:t>are not the answer to all problems, and they have their own set of issues</a:t>
+              <a:t> are not the answer to all problems, and they have their own set of issues</a:t>
             </a:r>
           </a:p>
           <a:p>
@@ -14064,15 +14764,7 @@
           <a:p>
             <a:r>
               <a:rPr lang="en-US" sz="3200" dirty="0" smtClean="0"/>
-              <a:t>If you are going to work as a </a:t>
-            </a:r>
-            <a:r>
-              <a:rPr lang="en-US" sz="3200" dirty="0" smtClean="0"/>
-              <a:t>backend </a:t>
-            </a:r>
-            <a:r>
-              <a:rPr lang="en-US" sz="3200" dirty="0" smtClean="0"/>
-              <a:t>developer, most likely you will end up dealing with REST in a </a:t>
+              <a:t>If you are going to work as a backend developer, most likely you will end up dealing with REST in a </a:t>
             </a:r>
             <a:r>
               <a:rPr lang="en-US" sz="3200" dirty="0" err="1" smtClean="0"/>
@@ -14356,11 +15048,7 @@
             </a:r>
             <a:r>
               <a:rPr lang="en-US" sz="6600" dirty="0" smtClean="0"/>
-              <a:t> </a:t>
-            </a:r>
-            <a:r>
-              <a:rPr lang="en-US" sz="6600" dirty="0" smtClean="0"/>
-              <a:t>in a Nutshell</a:t>
+              <a:t> in a Nutshell</a:t>
             </a:r>
             <a:endParaRPr lang="en-US" sz="6600" dirty="0"/>
           </a:p>
@@ -14448,11 +15136,7 @@
             <a:pPr lvl="1"/>
             <a:r>
               <a:rPr lang="en-US" sz="2800" dirty="0" smtClean="0"/>
-              <a:t>“Two Pizza” rule: a team shouldn’t be bigger than what 2 pizzas could </a:t>
-            </a:r>
-            <a:r>
-              <a:rPr lang="en-US" sz="2800" dirty="0" smtClean="0"/>
-              <a:t>feed</a:t>
+              <a:t>“Two Pizza” rule: a team shouldn’t be bigger than what 2 pizzas could feed</a:t>
             </a:r>
           </a:p>
           <a:p>
@@ -14572,15 +15256,7 @@
           <a:p>
             <a:r>
               <a:rPr lang="en-US" sz="3200" dirty="0" smtClean="0"/>
-              <a:t>A new engineer will start working </a:t>
-            </a:r>
-            <a:r>
-              <a:rPr lang="en-US" sz="3200" dirty="0" smtClean="0"/>
-              <a:t>on just </a:t>
-            </a:r>
-            <a:r>
-              <a:rPr lang="en-US" sz="3200" dirty="0" smtClean="0"/>
-              <a:t>one component </a:t>
+              <a:t>A new engineer will start working on just one component </a:t>
             </a:r>
           </a:p>
           <a:p>

--- a/doc/advanced/slides/lesson_10.pptx
+++ b/doc/advanced/slides/lesson_10.pptx
@@ -7,7 +7,7 @@
     <p:sldMasterId id="2147483672" r:id="rId3"/>
   </p:sldMasterIdLst>
   <p:notesMasterIdLst>
-    <p:notesMasterId r:id="rId14"/>
+    <p:notesMasterId r:id="rId15"/>
   </p:notesMasterIdLst>
   <p:sldIdLst>
     <p:sldId id="307" r:id="rId4"/>
@@ -16,10 +16,11 @@
     <p:sldId id="314" r:id="rId7"/>
     <p:sldId id="316" r:id="rId8"/>
     <p:sldId id="317" r:id="rId9"/>
-    <p:sldId id="318" r:id="rId10"/>
-    <p:sldId id="319" r:id="rId11"/>
-    <p:sldId id="320" r:id="rId12"/>
-    <p:sldId id="313" r:id="rId13"/>
+    <p:sldId id="321" r:id="rId10"/>
+    <p:sldId id="318" r:id="rId11"/>
+    <p:sldId id="319" r:id="rId12"/>
+    <p:sldId id="320" r:id="rId13"/>
+    <p:sldId id="313" r:id="rId14"/>
   </p:sldIdLst>
   <p:sldSz cx="12192000" cy="6858000"/>
   <p:notesSz cx="6858000" cy="9144000"/>
@@ -220,7 +221,7 @@
           <a:p>
             <a:fld id="{060F4727-23A3-441E-BA41-9534DD80814F}" type="datetimeFigureOut">
               <a:rPr lang="en-US" smtClean="0"/>
-              <a:t>23-Oct-19</a:t>
+              <a:t>10/1/20</a:t>
             </a:fld>
             <a:endParaRPr lang="en-US"/>
           </a:p>
@@ -636,7 +637,7 @@
           <a:p>
             <a:fld id="{11ADBA3B-C92D-4CFA-B969-3AFAA1A6C2A1}" type="slidenum">
               <a:rPr lang="en-US" smtClean="0"/>
-              <a:t>7</a:t>
+              <a:t>8</a:t>
             </a:fld>
             <a:endParaRPr lang="en-US"/>
           </a:p>
@@ -720,7 +721,7 @@
           <a:p>
             <a:fld id="{11ADBA3B-C92D-4CFA-B969-3AFAA1A6C2A1}" type="slidenum">
               <a:rPr lang="en-US" smtClean="0"/>
-              <a:t>8</a:t>
+              <a:t>9</a:t>
             </a:fld>
             <a:endParaRPr lang="en-US"/>
           </a:p>
@@ -851,7 +852,7 @@
                 <a:tabLst/>
                 <a:defRPr/>
               </a:pPr>
-              <a:t>10</a:t>
+              <a:t>11</a:t>
             </a:fld>
             <a:endParaRPr kumimoji="0" lang="en-US" sz="1200" b="0" i="0" u="none" strike="noStrike" kern="1200" cap="none" spc="0" normalizeH="0" baseline="0" noProof="0">
               <a:ln>
@@ -1012,7 +1013,7 @@
           <a:p>
             <a:fld id="{6D7D1AC5-EDA8-4631-9228-9906422CEF8D}" type="datetimeFigureOut">
               <a:rPr lang="en-US" smtClean="0"/>
-              <a:t>23-Oct-19</a:t>
+              <a:t>10/1/20</a:t>
             </a:fld>
             <a:endParaRPr lang="en-US"/>
           </a:p>
@@ -1180,7 +1181,7 @@
           <a:p>
             <a:fld id="{6D7D1AC5-EDA8-4631-9228-9906422CEF8D}" type="datetimeFigureOut">
               <a:rPr lang="en-US" smtClean="0"/>
-              <a:t>23-Oct-19</a:t>
+              <a:t>10/1/20</a:t>
             </a:fld>
             <a:endParaRPr lang="en-US"/>
           </a:p>
@@ -1358,7 +1359,7 @@
           <a:p>
             <a:fld id="{6D7D1AC5-EDA8-4631-9228-9906422CEF8D}" type="datetimeFigureOut">
               <a:rPr lang="en-US" smtClean="0"/>
-              <a:t>23-Oct-19</a:t>
+              <a:t>10/1/20</a:t>
             </a:fld>
             <a:endParaRPr lang="en-US"/>
           </a:p>
@@ -1597,7 +1598,7 @@
                 <a:tabLst/>
                 <a:defRPr/>
               </a:pPr>
-              <a:t>23-Oct-19</a:t>
+              <a:t>10/1/20</a:t>
             </a:fld>
             <a:endParaRPr kumimoji="0" lang="en-US" sz="1200" b="0" i="0" u="none" strike="noStrike" kern="1200" cap="none" spc="0" normalizeH="0" baseline="0" noProof="0">
               <a:ln>
@@ -1936,7 +1937,7 @@
                 <a:tabLst/>
                 <a:defRPr/>
               </a:pPr>
-              <a:t>23-Oct-19</a:t>
+              <a:t>10/1/20</a:t>
             </a:fld>
             <a:endParaRPr kumimoji="0" lang="en-US" sz="1200" b="0" i="0" u="none" strike="noStrike" kern="1200" cap="none" spc="0" normalizeH="0" baseline="0" noProof="0">
               <a:ln>
@@ -2341,7 +2342,7 @@
                 <a:tabLst/>
                 <a:defRPr/>
               </a:pPr>
-              <a:t>23-Oct-19</a:t>
+              <a:t>10/1/20</a:t>
             </a:fld>
             <a:endParaRPr kumimoji="0" lang="en-US" sz="1200" b="0" i="0" u="none" strike="noStrike" kern="1200" cap="none" spc="0" normalizeH="0" baseline="0" noProof="0">
               <a:ln>
@@ -2730,7 +2731,7 @@
                 <a:tabLst/>
                 <a:defRPr/>
               </a:pPr>
-              <a:t>23-Oct-19</a:t>
+              <a:t>10/1/20</a:t>
             </a:fld>
             <a:endParaRPr kumimoji="0" lang="en-US" sz="1200" b="0" i="0" u="none" strike="noStrike" kern="1200" cap="none" spc="0" normalizeH="0" baseline="0" noProof="0">
               <a:ln>
@@ -3254,7 +3255,7 @@
                 <a:tabLst/>
                 <a:defRPr/>
               </a:pPr>
-              <a:t>23-Oct-19</a:t>
+              <a:t>10/1/20</a:t>
             </a:fld>
             <a:endParaRPr kumimoji="0" lang="en-US" sz="1200" b="0" i="0" u="none" strike="noStrike" kern="1200" cap="none" spc="0" normalizeH="0" baseline="0" noProof="0">
               <a:ln>
@@ -3531,7 +3532,7 @@
                 <a:tabLst/>
                 <a:defRPr/>
               </a:pPr>
-              <a:t>23-Oct-19</a:t>
+              <a:t>10/1/20</a:t>
             </a:fld>
             <a:endParaRPr kumimoji="0" lang="en-US" sz="1200" b="0" i="0" u="none" strike="noStrike" kern="1200" cap="none" spc="0" normalizeH="0" baseline="0" noProof="0">
               <a:ln>
@@ -3786,7 +3787,7 @@
                 <a:tabLst/>
                 <a:defRPr/>
               </a:pPr>
-              <a:t>23-Oct-19</a:t>
+              <a:t>10/1/20</a:t>
             </a:fld>
             <a:endParaRPr kumimoji="0" lang="en-US" sz="1200" b="0" i="0" u="none" strike="noStrike" kern="1200" cap="none" spc="0" normalizeH="0" baseline="0" noProof="0">
               <a:ln>
@@ -4221,7 +4222,7 @@
                 <a:tabLst/>
                 <a:defRPr/>
               </a:pPr>
-              <a:t>23-Oct-19</a:t>
+              <a:t>10/1/20</a:t>
             </a:fld>
             <a:endParaRPr kumimoji="0" lang="en-US" sz="1200" b="0" i="0" u="none" strike="noStrike" kern="1200" cap="none" spc="0" normalizeH="0" baseline="0" noProof="0">
               <a:ln>
@@ -4534,7 +4535,7 @@
           <a:p>
             <a:fld id="{6D7D1AC5-EDA8-4631-9228-9906422CEF8D}" type="datetimeFigureOut">
               <a:rPr lang="en-US" smtClean="0"/>
-              <a:t>23-Oct-19</a:t>
+              <a:t>10/1/20</a:t>
             </a:fld>
             <a:endParaRPr lang="en-US"/>
           </a:p>
@@ -4835,7 +4836,7 @@
                 <a:tabLst/>
                 <a:defRPr/>
               </a:pPr>
-              <a:t>23-Oct-19</a:t>
+              <a:t>10/1/20</a:t>
             </a:fld>
             <a:endParaRPr kumimoji="0" lang="en-US" sz="1200" b="0" i="0" u="none" strike="noStrike" kern="1200" cap="none" spc="0" normalizeH="0" baseline="0" noProof="0">
               <a:ln>
@@ -5163,7 +5164,7 @@
                 <a:tabLst/>
                 <a:defRPr/>
               </a:pPr>
-              <a:t>23-Oct-19</a:t>
+              <a:t>10/1/20</a:t>
             </a:fld>
             <a:endParaRPr kumimoji="0" lang="en-US" sz="1200" b="0" i="0" u="none" strike="noStrike" kern="1200" cap="none" spc="0" normalizeH="0" baseline="0" noProof="0">
               <a:ln>
@@ -5501,7 +5502,7 @@
                 <a:tabLst/>
                 <a:defRPr/>
               </a:pPr>
-              <a:t>23-Oct-19</a:t>
+              <a:t>10/1/20</a:t>
             </a:fld>
             <a:endParaRPr kumimoji="0" lang="en-US" sz="1200" b="0" i="0" u="none" strike="noStrike" kern="1200" cap="none" spc="0" normalizeH="0" baseline="0" noProof="0">
               <a:ln>
@@ -5851,7 +5852,7 @@
                 <a:tabLst/>
                 <a:defRPr/>
               </a:pPr>
-              <a:t>23-Oct-19</a:t>
+              <a:t>10/1/20</a:t>
             </a:fld>
             <a:endParaRPr kumimoji="0" lang="en-US" sz="1200" b="0" i="0" u="none" strike="noStrike" kern="1200" cap="none" spc="0" normalizeH="0" baseline="0" noProof="0">
               <a:ln>
@@ -6190,7 +6191,7 @@
                 <a:tabLst/>
                 <a:defRPr/>
               </a:pPr>
-              <a:t>23-Oct-19</a:t>
+              <a:t>10/1/20</a:t>
             </a:fld>
             <a:endParaRPr kumimoji="0" lang="en-US" sz="1200" b="0" i="0" u="none" strike="noStrike" kern="1200" cap="none" spc="0" normalizeH="0" baseline="0" noProof="0">
               <a:ln>
@@ -6595,7 +6596,7 @@
                 <a:tabLst/>
                 <a:defRPr/>
               </a:pPr>
-              <a:t>23-Oct-19</a:t>
+              <a:t>10/1/20</a:t>
             </a:fld>
             <a:endParaRPr kumimoji="0" lang="en-US" sz="1200" b="0" i="0" u="none" strike="noStrike" kern="1200" cap="none" spc="0" normalizeH="0" baseline="0" noProof="0">
               <a:ln>
@@ -6984,7 +6985,7 @@
                 <a:tabLst/>
                 <a:defRPr/>
               </a:pPr>
-              <a:t>23-Oct-19</a:t>
+              <a:t>10/1/20</a:t>
             </a:fld>
             <a:endParaRPr kumimoji="0" lang="en-US" sz="1200" b="0" i="0" u="none" strike="noStrike" kern="1200" cap="none" spc="0" normalizeH="0" baseline="0" noProof="0">
               <a:ln>
@@ -7508,7 +7509,7 @@
                 <a:tabLst/>
                 <a:defRPr/>
               </a:pPr>
-              <a:t>23-Oct-19</a:t>
+              <a:t>10/1/20</a:t>
             </a:fld>
             <a:endParaRPr kumimoji="0" lang="en-US" sz="1200" b="0" i="0" u="none" strike="noStrike" kern="1200" cap="none" spc="0" normalizeH="0" baseline="0" noProof="0">
               <a:ln>
@@ -7785,7 +7786,7 @@
                 <a:tabLst/>
                 <a:defRPr/>
               </a:pPr>
-              <a:t>23-Oct-19</a:t>
+              <a:t>10/1/20</a:t>
             </a:fld>
             <a:endParaRPr kumimoji="0" lang="en-US" sz="1200" b="0" i="0" u="none" strike="noStrike" kern="1200" cap="none" spc="0" normalizeH="0" baseline="0" noProof="0">
               <a:ln>
@@ -8040,7 +8041,7 @@
                 <a:tabLst/>
                 <a:defRPr/>
               </a:pPr>
-              <a:t>23-Oct-19</a:t>
+              <a:t>10/1/20</a:t>
             </a:fld>
             <a:endParaRPr kumimoji="0" lang="en-US" sz="1200" b="0" i="0" u="none" strike="noStrike" kern="1200" cap="none" spc="0" normalizeH="0" baseline="0" noProof="0">
               <a:ln>
@@ -8396,7 +8397,7 @@
           <a:p>
             <a:fld id="{6D7D1AC5-EDA8-4631-9228-9906422CEF8D}" type="datetimeFigureOut">
               <a:rPr lang="en-US" smtClean="0"/>
-              <a:t>23-Oct-19</a:t>
+              <a:t>10/1/20</a:t>
             </a:fld>
             <a:endParaRPr lang="en-US"/>
           </a:p>
@@ -8720,7 +8721,7 @@
                 <a:tabLst/>
                 <a:defRPr/>
               </a:pPr>
-              <a:t>23-Oct-19</a:t>
+              <a:t>10/1/20</a:t>
             </a:fld>
             <a:endParaRPr kumimoji="0" lang="en-US" sz="1200" b="0" i="0" u="none" strike="noStrike" kern="1200" cap="none" spc="0" normalizeH="0" baseline="0" noProof="0">
               <a:ln>
@@ -9132,7 +9133,7 @@
                 <a:tabLst/>
                 <a:defRPr/>
               </a:pPr>
-              <a:t>23-Oct-19</a:t>
+              <a:t>10/1/20</a:t>
             </a:fld>
             <a:endParaRPr kumimoji="0" lang="en-US" sz="1200" b="0" i="0" u="none" strike="noStrike" kern="1200" cap="none" spc="0" normalizeH="0" baseline="0" noProof="0">
               <a:ln>
@@ -9460,7 +9461,7 @@
                 <a:tabLst/>
                 <a:defRPr/>
               </a:pPr>
-              <a:t>23-Oct-19</a:t>
+              <a:t>10/1/20</a:t>
             </a:fld>
             <a:endParaRPr kumimoji="0" lang="en-US" sz="1200" b="0" i="0" u="none" strike="noStrike" kern="1200" cap="none" spc="0" normalizeH="0" baseline="0" noProof="0">
               <a:ln>
@@ -9798,7 +9799,7 @@
                 <a:tabLst/>
                 <a:defRPr/>
               </a:pPr>
-              <a:t>23-Oct-19</a:t>
+              <a:t>10/1/20</a:t>
             </a:fld>
             <a:endParaRPr kumimoji="0" lang="en-US" sz="1200" b="0" i="0" u="none" strike="noStrike" kern="1200" cap="none" spc="0" normalizeH="0" baseline="0" noProof="0">
               <a:ln>
@@ -10138,7 +10139,7 @@
           <a:p>
             <a:fld id="{6D7D1AC5-EDA8-4631-9228-9906422CEF8D}" type="datetimeFigureOut">
               <a:rPr lang="en-US" smtClean="0"/>
-              <a:t>23-Oct-19</a:t>
+              <a:t>10/1/20</a:t>
             </a:fld>
             <a:endParaRPr lang="en-US"/>
           </a:p>
@@ -10502,7 +10503,7 @@
           <a:p>
             <a:fld id="{6D7D1AC5-EDA8-4631-9228-9906422CEF8D}" type="datetimeFigureOut">
               <a:rPr lang="en-US" smtClean="0"/>
-              <a:t>23-Oct-19</a:t>
+              <a:t>10/1/20</a:t>
             </a:fld>
             <a:endParaRPr lang="en-US"/>
           </a:p>
@@ -10619,7 +10620,7 @@
           <a:p>
             <a:fld id="{6D7D1AC5-EDA8-4631-9228-9906422CEF8D}" type="datetimeFigureOut">
               <a:rPr lang="en-US" smtClean="0"/>
-              <a:t>23-Oct-19</a:t>
+              <a:t>10/1/20</a:t>
             </a:fld>
             <a:endParaRPr lang="en-US"/>
           </a:p>
@@ -10714,7 +10715,7 @@
           <a:p>
             <a:fld id="{6D7D1AC5-EDA8-4631-9228-9906422CEF8D}" type="datetimeFigureOut">
               <a:rPr lang="en-US" smtClean="0"/>
-              <a:t>23-Oct-19</a:t>
+              <a:t>10/1/20</a:t>
             </a:fld>
             <a:endParaRPr lang="en-US"/>
           </a:p>
@@ -10989,7 +10990,7 @@
           <a:p>
             <a:fld id="{6D7D1AC5-EDA8-4631-9228-9906422CEF8D}" type="datetimeFigureOut">
               <a:rPr lang="en-US" smtClean="0"/>
-              <a:t>23-Oct-19</a:t>
+              <a:t>10/1/20</a:t>
             </a:fld>
             <a:endParaRPr lang="en-US"/>
           </a:p>
@@ -11241,7 +11242,7 @@
           <a:p>
             <a:fld id="{6D7D1AC5-EDA8-4631-9228-9906422CEF8D}" type="datetimeFigureOut">
               <a:rPr lang="en-US" smtClean="0"/>
-              <a:t>23-Oct-19</a:t>
+              <a:t>10/1/20</a:t>
             </a:fld>
             <a:endParaRPr lang="en-US"/>
           </a:p>
@@ -11452,7 +11453,7 @@
           <a:p>
             <a:fld id="{6D7D1AC5-EDA8-4631-9228-9906422CEF8D}" type="datetimeFigureOut">
               <a:rPr lang="en-US" smtClean="0"/>
-              <a:t>23-Oct-19</a:t>
+              <a:t>10/1/20</a:t>
             </a:fld>
             <a:endParaRPr lang="en-US"/>
           </a:p>
@@ -12039,7 +12040,7 @@
                 <a:tabLst/>
                 <a:defRPr/>
               </a:pPr>
-              <a:t>23-Oct-19</a:t>
+              <a:t>10/1/20</a:t>
             </a:fld>
             <a:endParaRPr kumimoji="0" lang="en-US" sz="1200" b="0" i="0" u="none" strike="noStrike" kern="1200" cap="none" spc="0" normalizeH="0" baseline="0" noProof="0">
               <a:ln>
@@ -12737,7 +12738,7 @@
                 <a:tabLst/>
                 <a:defRPr/>
               </a:pPr>
-              <a:t>23-Oct-19</a:t>
+              <a:t>10/1/20</a:t>
             </a:fld>
             <a:endParaRPr kumimoji="0" lang="en-US" sz="1200" b="0" i="0" u="none" strike="noStrike" kern="1200" cap="none" spc="0" normalizeH="0" baseline="0" noProof="0">
               <a:ln>
@@ -13291,24 +13292,12 @@
             <a:br>
               <a:rPr lang="en-US" sz="7200" dirty="0"/>
             </a:br>
-            <a:r>
-              <a:rPr lang="en-US" sz="7200" dirty="0"/>
-              <a:t/>
-            </a:r>
             <a:br>
               <a:rPr lang="en-US" sz="7200" dirty="0"/>
             </a:br>
             <a:r>
               <a:rPr lang="en-US" sz="7200" dirty="0"/>
-              <a:t>Lesson </a:t>
-            </a:r>
-            <a:r>
-              <a:rPr lang="en-US" sz="7200" dirty="0" smtClean="0"/>
-              <a:t>10: </a:t>
-            </a:r>
-            <a:r>
-              <a:rPr lang="en-US" sz="7200" dirty="0"/>
-              <a:t/>
+              <a:t>Lesson 10: </a:t>
             </a:r>
             <a:br>
               <a:rPr lang="en-US" sz="7200" dirty="0"/>
@@ -13373,6 +13362,191 @@
 </file>
 
 <file path=ppt/slides/slide10.xml><?xml version="1.0" encoding="utf-8"?>
+<p:sld xmlns:a="http://schemas.openxmlformats.org/drawingml/2006/main" xmlns:r="http://schemas.openxmlformats.org/officeDocument/2006/relationships" xmlns:p="http://schemas.openxmlformats.org/presentationml/2006/main">
+  <p:cSld>
+    <p:spTree>
+      <p:nvGrpSpPr>
+        <p:cNvPr id="1" name=""/>
+        <p:cNvGrpSpPr/>
+        <p:nvPr/>
+      </p:nvGrpSpPr>
+      <p:grpSpPr>
+        <a:xfrm>
+          <a:off x="0" y="0"/>
+          <a:ext cx="0" cy="0"/>
+          <a:chOff x="0" y="0"/>
+          <a:chExt cx="0" cy="0"/>
+        </a:xfrm>
+      </p:grpSpPr>
+      <p:sp>
+        <p:nvSpPr>
+          <p:cNvPr id="2" name="Title 1"/>
+          <p:cNvSpPr>
+            <a:spLocks noGrp="1"/>
+          </p:cNvSpPr>
+          <p:nvPr>
+            <p:ph type="title"/>
+          </p:nvPr>
+        </p:nvSpPr>
+        <p:spPr/>
+        <p:txBody>
+          <a:bodyPr/>
+          <a:lstStyle/>
+          <a:p>
+            <a:r>
+              <a:rPr lang="en-US" dirty="0"/>
+              <a:t>Topic Exchange</a:t>
+            </a:r>
+          </a:p>
+        </p:txBody>
+      </p:sp>
+      <p:sp>
+        <p:nvSpPr>
+          <p:cNvPr id="3" name="Content Placeholder 2"/>
+          <p:cNvSpPr>
+            <a:spLocks noGrp="1"/>
+          </p:cNvSpPr>
+          <p:nvPr>
+            <p:ph idx="1"/>
+          </p:nvPr>
+        </p:nvSpPr>
+        <p:spPr>
+          <a:xfrm>
+            <a:off x="190919" y="1825625"/>
+            <a:ext cx="11836958" cy="4866577"/>
+          </a:xfrm>
+        </p:spPr>
+        <p:txBody>
+          <a:bodyPr>
+            <a:normAutofit lnSpcReduction="10000"/>
+          </a:bodyPr>
+          <a:lstStyle/>
+          <a:p>
+            <a:r>
+              <a:rPr lang="en-US" dirty="0"/>
+              <a:t>Broadcast like Direct Exchange</a:t>
+            </a:r>
+          </a:p>
+          <a:p>
+            <a:r>
+              <a:rPr lang="en-US" dirty="0"/>
+              <a:t>But finer grained way to specify routing to queues</a:t>
+            </a:r>
+          </a:p>
+          <a:p>
+            <a:r>
+              <a:rPr lang="en-US" i="1" dirty="0"/>
+              <a:t>Topic</a:t>
+            </a:r>
+            <a:r>
+              <a:rPr lang="en-US" dirty="0"/>
+              <a:t>: list of words separated by “</a:t>
+            </a:r>
+            <a:r>
+              <a:rPr lang="en-US" b="1" dirty="0"/>
+              <a:t>.</a:t>
+            </a:r>
+            <a:r>
+              <a:rPr lang="en-US" dirty="0"/>
+              <a:t>”</a:t>
+            </a:r>
+          </a:p>
+          <a:p>
+            <a:r>
+              <a:rPr lang="en-US" dirty="0"/>
+              <a:t>Receiver specifies the topic it wants to pull for</a:t>
+            </a:r>
+          </a:p>
+          <a:p>
+            <a:r>
+              <a:rPr lang="en-US" dirty="0"/>
+              <a:t>Special symbols: “</a:t>
+            </a:r>
+            <a:r>
+              <a:rPr lang="en-US" b="1" dirty="0"/>
+              <a:t>*</a:t>
+            </a:r>
+            <a:r>
+              <a:rPr lang="en-US" dirty="0"/>
+              <a:t>” substitutes 1 word, “</a:t>
+            </a:r>
+            <a:r>
+              <a:rPr lang="en-US" b="1" dirty="0"/>
+              <a:t>#</a:t>
+            </a:r>
+            <a:r>
+              <a:rPr lang="en-US" dirty="0"/>
+              <a:t>” substitute 0 or more words</a:t>
+            </a:r>
+          </a:p>
+          <a:p>
+            <a:r>
+              <a:rPr lang="en-US" dirty="0"/>
+              <a:t>Ex, consider topic “</a:t>
+            </a:r>
+            <a:r>
+              <a:rPr lang="en-US" i="1" dirty="0" err="1"/>
+              <a:t>author.country.kind</a:t>
+            </a:r>
+            <a:r>
+              <a:rPr lang="en-US" dirty="0"/>
+              <a:t>” for news</a:t>
+            </a:r>
+          </a:p>
+          <a:p>
+            <a:pPr lvl="1"/>
+            <a:r>
+              <a:rPr lang="en-US" dirty="0"/>
+              <a:t>“</a:t>
+            </a:r>
+            <a:r>
+              <a:rPr lang="en-US" i="1" dirty="0"/>
+              <a:t>*.</a:t>
+            </a:r>
+            <a:r>
+              <a:rPr lang="en-US" i="1" dirty="0" err="1"/>
+              <a:t>norway</a:t>
+            </a:r>
+            <a:r>
+              <a:rPr lang="en-US" i="1" dirty="0"/>
+              <a:t>.*</a:t>
+            </a:r>
+            <a:r>
+              <a:rPr lang="en-US" dirty="0"/>
+              <a:t>”: any news from Norway, regardless of author or kind</a:t>
+            </a:r>
+          </a:p>
+          <a:p>
+            <a:pPr lvl="1"/>
+            <a:r>
+              <a:rPr lang="en-US" dirty="0"/>
+              <a:t>“</a:t>
+            </a:r>
+            <a:r>
+              <a:rPr lang="en-US" i="1" dirty="0"/>
+              <a:t>smith.#</a:t>
+            </a:r>
+            <a:r>
+              <a:rPr lang="en-US" dirty="0"/>
+              <a:t>”: any news from author Smith</a:t>
+            </a:r>
+          </a:p>
+        </p:txBody>
+      </p:sp>
+    </p:spTree>
+    <p:extLst>
+      <p:ext uri="{BB962C8B-B14F-4D97-AF65-F5344CB8AC3E}">
+        <p14:creationId xmlns:p14="http://schemas.microsoft.com/office/powerpoint/2010/main" val="1031992537"/>
+      </p:ext>
+    </p:extLst>
+  </p:cSld>
+  <p:clrMapOvr>
+    <a:masterClrMapping/>
+  </p:clrMapOvr>
+</p:sld>
+</file>
+
+<file path=ppt/slides/slide11.xml><?xml version="1.0" encoding="utf-8"?>
 <p:sld xmlns:a="http://schemas.openxmlformats.org/drawingml/2006/main" xmlns:r="http://schemas.openxmlformats.org/officeDocument/2006/relationships" xmlns:p="http://schemas.openxmlformats.org/presentationml/2006/main">
   <p:cSld>
     <p:spTree>
@@ -15778,6 +15952,179 @@
 </file>
 
 <file path=ppt/slides/slide7.xml><?xml version="1.0" encoding="utf-8"?>
+<p:sld xmlns:a="http://schemas.openxmlformats.org/drawingml/2006/main" xmlns:r="http://schemas.openxmlformats.org/officeDocument/2006/relationships" xmlns:p="http://schemas.openxmlformats.org/presentationml/2006/main">
+  <p:cSld>
+    <p:spTree>
+      <p:nvGrpSpPr>
+        <p:cNvPr id="1" name=""/>
+        <p:cNvGrpSpPr/>
+        <p:nvPr/>
+      </p:nvGrpSpPr>
+      <p:grpSpPr>
+        <a:xfrm>
+          <a:off x="0" y="0"/>
+          <a:ext cx="0" cy="0"/>
+          <a:chOff x="0" y="0"/>
+          <a:chExt cx="0" cy="0"/>
+        </a:xfrm>
+      </p:grpSpPr>
+      <p:sp>
+        <p:nvSpPr>
+          <p:cNvPr id="2" name="Title 1">
+            <a:extLst>
+              <a:ext uri="{FF2B5EF4-FFF2-40B4-BE49-F238E27FC236}">
+                <a16:creationId xmlns:a16="http://schemas.microsoft.com/office/drawing/2014/main" id="{8929B19C-EE2C-674B-8B7F-F71FB569A691}"/>
+              </a:ext>
+            </a:extLst>
+          </p:cNvPr>
+          <p:cNvSpPr>
+            <a:spLocks noGrp="1"/>
+          </p:cNvSpPr>
+          <p:nvPr>
+            <p:ph type="title"/>
+          </p:nvPr>
+        </p:nvSpPr>
+        <p:spPr/>
+        <p:txBody>
+          <a:bodyPr/>
+          <a:lstStyle/>
+          <a:p>
+            <a:r>
+              <a:rPr lang="en-US" dirty="0" err="1"/>
+              <a:t>PreFetching</a:t>
+            </a:r>
+            <a:endParaRPr lang="en-US" dirty="0"/>
+          </a:p>
+        </p:txBody>
+      </p:sp>
+      <p:sp>
+        <p:nvSpPr>
+          <p:cNvPr id="3" name="Content Placeholder 2">
+            <a:extLst>
+              <a:ext uri="{FF2B5EF4-FFF2-40B4-BE49-F238E27FC236}">
+                <a16:creationId xmlns:a16="http://schemas.microsoft.com/office/drawing/2014/main" id="{9C9AE871-137E-4A45-A4C7-964CB43FD7FE}"/>
+              </a:ext>
+            </a:extLst>
+          </p:cNvPr>
+          <p:cNvSpPr>
+            <a:spLocks noGrp="1"/>
+          </p:cNvSpPr>
+          <p:nvPr>
+            <p:ph idx="1"/>
+          </p:nvPr>
+        </p:nvSpPr>
+        <p:spPr>
+          <a:xfrm>
+            <a:off x="275207" y="1825624"/>
+            <a:ext cx="11754035" cy="4894771"/>
+          </a:xfrm>
+        </p:spPr>
+        <p:txBody>
+          <a:bodyPr/>
+          <a:lstStyle/>
+          <a:p>
+            <a:r>
+              <a:rPr lang="en-US" dirty="0"/>
+              <a:t>Communicating with AMQP has a cost, as connection on network, </a:t>
+            </a:r>
+            <a:r>
+              <a:rPr lang="en-US" dirty="0" err="1"/>
+              <a:t>eg</a:t>
+            </a:r>
+            <a:r>
+              <a:rPr lang="en-US" dirty="0"/>
+              <a:t>, cost() =  </a:t>
+            </a:r>
+            <a:r>
+              <a:rPr lang="en-US" b="1" dirty="0"/>
+              <a:t>X + (m * Y)</a:t>
+            </a:r>
+          </a:p>
+          <a:p>
+            <a:pPr lvl="1"/>
+            <a:r>
+              <a:rPr lang="en-US" b="1" dirty="0"/>
+              <a:t>X</a:t>
+            </a:r>
+            <a:r>
+              <a:rPr lang="en-US" dirty="0"/>
+              <a:t>: some constant cost of the connection</a:t>
+            </a:r>
+          </a:p>
+          <a:p>
+            <a:pPr lvl="1"/>
+            <a:r>
+              <a:rPr lang="en-US" b="1" dirty="0"/>
+              <a:t>Y</a:t>
+            </a:r>
+            <a:r>
+              <a:rPr lang="en-US" dirty="0"/>
+              <a:t>: cost per message</a:t>
+            </a:r>
+          </a:p>
+          <a:p>
+            <a:pPr lvl="1"/>
+            <a:r>
+              <a:rPr lang="en-US" b="1" dirty="0"/>
+              <a:t>m</a:t>
+            </a:r>
+            <a:r>
+              <a:rPr lang="en-US" dirty="0"/>
+              <a:t>: number of messages that are fetched</a:t>
+            </a:r>
+          </a:p>
+          <a:p>
+            <a:r>
+              <a:rPr lang="en-US" dirty="0"/>
+              <a:t>Typically, </a:t>
+            </a:r>
+            <a:r>
+              <a:rPr lang="en-US" b="1" dirty="0"/>
+              <a:t>Y</a:t>
+            </a:r>
+            <a:r>
+              <a:rPr lang="en-US" dirty="0"/>
+              <a:t> is small compared to </a:t>
+            </a:r>
+            <a:r>
+              <a:rPr lang="en-US" b="1" dirty="0"/>
+              <a:t>X</a:t>
+            </a:r>
+            <a:r>
+              <a:rPr lang="en-US" dirty="0"/>
+              <a:t> </a:t>
+            </a:r>
+          </a:p>
+          <a:p>
+            <a:r>
+              <a:rPr lang="en-US" dirty="0"/>
+              <a:t>It is hence common to read several </a:t>
+            </a:r>
+            <a:r>
+              <a:rPr lang="en-US" b="1" dirty="0"/>
+              <a:t>m</a:t>
+            </a:r>
+            <a:r>
+              <a:rPr lang="en-US" dirty="0"/>
+              <a:t> messages on a queue from same client, in one go</a:t>
+            </a:r>
+          </a:p>
+        </p:txBody>
+      </p:sp>
+    </p:spTree>
+    <p:extLst>
+      <p:ext uri="{BB962C8B-B14F-4D97-AF65-F5344CB8AC3E}">
+        <p14:creationId xmlns:p14="http://schemas.microsoft.com/office/powerpoint/2010/main" val="2189712904"/>
+      </p:ext>
+    </p:extLst>
+  </p:cSld>
+  <p:clrMapOvr>
+    <a:masterClrMapping/>
+  </p:clrMapOvr>
+</p:sld>
+</file>
+
+<file path=ppt/slides/slide8.xml><?xml version="1.0" encoding="utf-8"?>
 <p:sld xmlns:a="http://schemas.openxmlformats.org/drawingml/2006/main" xmlns:r="http://schemas.openxmlformats.org/officeDocument/2006/relationships" xmlns:p="http://schemas.openxmlformats.org/presentationml/2006/main">
   <p:cSld>
     <p:spTree>
@@ -16673,7 +17020,7 @@
 </p:sld>
 </file>
 
-<file path=ppt/slides/slide8.xml><?xml version="1.0" encoding="utf-8"?>
+<file path=ppt/slides/slide9.xml><?xml version="1.0" encoding="utf-8"?>
 <p:sld xmlns:a="http://schemas.openxmlformats.org/drawingml/2006/main" xmlns:r="http://schemas.openxmlformats.org/officeDocument/2006/relationships" xmlns:p="http://schemas.openxmlformats.org/presentationml/2006/main">
   <p:cSld>
     <p:spTree>
@@ -17627,191 +17974,6 @@
     <p:extLst>
       <p:ext uri="{BB962C8B-B14F-4D97-AF65-F5344CB8AC3E}">
         <p14:creationId xmlns:p14="http://schemas.microsoft.com/office/powerpoint/2010/main" val="1726382790"/>
-      </p:ext>
-    </p:extLst>
-  </p:cSld>
-  <p:clrMapOvr>
-    <a:masterClrMapping/>
-  </p:clrMapOvr>
-</p:sld>
-</file>
-
-<file path=ppt/slides/slide9.xml><?xml version="1.0" encoding="utf-8"?>
-<p:sld xmlns:a="http://schemas.openxmlformats.org/drawingml/2006/main" xmlns:r="http://schemas.openxmlformats.org/officeDocument/2006/relationships" xmlns:p="http://schemas.openxmlformats.org/presentationml/2006/main">
-  <p:cSld>
-    <p:spTree>
-      <p:nvGrpSpPr>
-        <p:cNvPr id="1" name=""/>
-        <p:cNvGrpSpPr/>
-        <p:nvPr/>
-      </p:nvGrpSpPr>
-      <p:grpSpPr>
-        <a:xfrm>
-          <a:off x="0" y="0"/>
-          <a:ext cx="0" cy="0"/>
-          <a:chOff x="0" y="0"/>
-          <a:chExt cx="0" cy="0"/>
-        </a:xfrm>
-      </p:grpSpPr>
-      <p:sp>
-        <p:nvSpPr>
-          <p:cNvPr id="2" name="Title 1"/>
-          <p:cNvSpPr>
-            <a:spLocks noGrp="1"/>
-          </p:cNvSpPr>
-          <p:nvPr>
-            <p:ph type="title"/>
-          </p:nvPr>
-        </p:nvSpPr>
-        <p:spPr/>
-        <p:txBody>
-          <a:bodyPr/>
-          <a:lstStyle/>
-          <a:p>
-            <a:r>
-              <a:rPr lang="en-US" dirty="0"/>
-              <a:t>Topic Exchange</a:t>
-            </a:r>
-          </a:p>
-        </p:txBody>
-      </p:sp>
-      <p:sp>
-        <p:nvSpPr>
-          <p:cNvPr id="3" name="Content Placeholder 2"/>
-          <p:cNvSpPr>
-            <a:spLocks noGrp="1"/>
-          </p:cNvSpPr>
-          <p:nvPr>
-            <p:ph idx="1"/>
-          </p:nvPr>
-        </p:nvSpPr>
-        <p:spPr>
-          <a:xfrm>
-            <a:off x="190919" y="1825625"/>
-            <a:ext cx="11836958" cy="4866577"/>
-          </a:xfrm>
-        </p:spPr>
-        <p:txBody>
-          <a:bodyPr>
-            <a:normAutofit lnSpcReduction="10000"/>
-          </a:bodyPr>
-          <a:lstStyle/>
-          <a:p>
-            <a:r>
-              <a:rPr lang="en-US" dirty="0"/>
-              <a:t>Broadcast like Direct Exchange</a:t>
-            </a:r>
-          </a:p>
-          <a:p>
-            <a:r>
-              <a:rPr lang="en-US" dirty="0"/>
-              <a:t>But finer grained way to specify routing to queues</a:t>
-            </a:r>
-          </a:p>
-          <a:p>
-            <a:r>
-              <a:rPr lang="en-US" i="1" dirty="0"/>
-              <a:t>Topic</a:t>
-            </a:r>
-            <a:r>
-              <a:rPr lang="en-US" dirty="0"/>
-              <a:t>: list of words separated by “</a:t>
-            </a:r>
-            <a:r>
-              <a:rPr lang="en-US" b="1" dirty="0"/>
-              <a:t>.</a:t>
-            </a:r>
-            <a:r>
-              <a:rPr lang="en-US" dirty="0"/>
-              <a:t>”</a:t>
-            </a:r>
-          </a:p>
-          <a:p>
-            <a:r>
-              <a:rPr lang="en-US" dirty="0"/>
-              <a:t>Receiver specifies the topic it wants to pull for</a:t>
-            </a:r>
-          </a:p>
-          <a:p>
-            <a:r>
-              <a:rPr lang="en-US" dirty="0"/>
-              <a:t>Special symbols: “</a:t>
-            </a:r>
-            <a:r>
-              <a:rPr lang="en-US" b="1" dirty="0"/>
-              <a:t>*</a:t>
-            </a:r>
-            <a:r>
-              <a:rPr lang="en-US" dirty="0"/>
-              <a:t>” substitutes 1 word, “</a:t>
-            </a:r>
-            <a:r>
-              <a:rPr lang="en-US" b="1" dirty="0"/>
-              <a:t>#</a:t>
-            </a:r>
-            <a:r>
-              <a:rPr lang="en-US" dirty="0"/>
-              <a:t>” substitute 0 or more words</a:t>
-            </a:r>
-          </a:p>
-          <a:p>
-            <a:r>
-              <a:rPr lang="en-US" dirty="0"/>
-              <a:t>Ex, consider topic “</a:t>
-            </a:r>
-            <a:r>
-              <a:rPr lang="en-US" i="1" dirty="0" err="1"/>
-              <a:t>author.country.kind</a:t>
-            </a:r>
-            <a:r>
-              <a:rPr lang="en-US" dirty="0"/>
-              <a:t>” for news</a:t>
-            </a:r>
-          </a:p>
-          <a:p>
-            <a:pPr lvl="1"/>
-            <a:r>
-              <a:rPr lang="en-US" dirty="0"/>
-              <a:t>“</a:t>
-            </a:r>
-            <a:r>
-              <a:rPr lang="en-US" i="1" dirty="0"/>
-              <a:t>*.</a:t>
-            </a:r>
-            <a:r>
-              <a:rPr lang="en-US" i="1" dirty="0" err="1"/>
-              <a:t>norway</a:t>
-            </a:r>
-            <a:r>
-              <a:rPr lang="en-US" i="1" dirty="0"/>
-              <a:t>.*</a:t>
-            </a:r>
-            <a:r>
-              <a:rPr lang="en-US" dirty="0"/>
-              <a:t>”: any news from Norway, regardless of author or kind</a:t>
-            </a:r>
-          </a:p>
-          <a:p>
-            <a:pPr lvl="1"/>
-            <a:r>
-              <a:rPr lang="en-US" dirty="0"/>
-              <a:t>“</a:t>
-            </a:r>
-            <a:r>
-              <a:rPr lang="en-US" i="1" dirty="0"/>
-              <a:t>smith.#</a:t>
-            </a:r>
-            <a:r>
-              <a:rPr lang="en-US" dirty="0"/>
-              <a:t>”: any news from author Smith</a:t>
-            </a:r>
-          </a:p>
-        </p:txBody>
-      </p:sp>
-    </p:spTree>
-    <p:extLst>
-      <p:ext uri="{BB962C8B-B14F-4D97-AF65-F5344CB8AC3E}">
-        <p14:creationId xmlns:p14="http://schemas.microsoft.com/office/powerpoint/2010/main" val="1031992537"/>
       </p:ext>
     </p:extLst>
   </p:cSld>
